--- a/CNN_ppt.pptx
+++ b/CNN_ppt.pptx
@@ -22,6 +22,17 @@
     <p:sldId id="270" r:id="rId16"/>
     <p:sldId id="271" r:id="rId17"/>
     <p:sldId id="272" r:id="rId18"/>
+    <p:sldId id="273" r:id="rId19"/>
+    <p:sldId id="274" r:id="rId20"/>
+    <p:sldId id="275" r:id="rId21"/>
+    <p:sldId id="276" r:id="rId22"/>
+    <p:sldId id="277" r:id="rId23"/>
+    <p:sldId id="278" r:id="rId24"/>
+    <p:sldId id="279" r:id="rId25"/>
+    <p:sldId id="280" r:id="rId26"/>
+    <p:sldId id="281" r:id="rId27"/>
+    <p:sldId id="282" r:id="rId28"/>
+    <p:sldId id="283" r:id="rId29"/>
   </p:sldIdLst>
   <p:sldSz cx="12192000" cy="6858000"/>
   <p:notesSz cx="6858000" cy="9144000"/>
@@ -126,6 +137,708 @@
     </p:ext>
   </p:extLst>
 </p:presentation>
+</file>
+
+<file path=ppt/ink/ink1.xml><?xml version="1.0" encoding="utf-8"?>
+<inkml:ink xmlns:inkml="http://www.w3.org/2003/InkML">
+  <inkml:definitions>
+    <inkml:context xml:id="ctx0">
+      <inkml:inkSource xml:id="inkSrc0">
+        <inkml:traceFormat>
+          <inkml:channel name="X" type="integer" min="-2.14748E9" max="2.14748E9" units="cm"/>
+          <inkml:channel name="Y" type="integer" min="-2.14748E9" max="2.14748E9" units="cm"/>
+          <inkml:channel name="F" type="integer" max="32767" units="dev"/>
+        </inkml:traceFormat>
+        <inkml:channelProperties>
+          <inkml:channelProperty channel="X" name="resolution" value="1000" units="1/cm"/>
+          <inkml:channelProperty channel="Y" name="resolution" value="1000" units="1/cm"/>
+          <inkml:channelProperty channel="F" name="resolution" value="0" units="1/dev"/>
+        </inkml:channelProperties>
+      </inkml:inkSource>
+      <inkml:timestamp xml:id="ts0" timeString="2022-01-16T05:38:44.255"/>
+    </inkml:context>
+    <inkml:brush xml:id="br0">
+      <inkml:brushProperty name="width" value="0.05" units="cm"/>
+      <inkml:brushProperty name="height" value="0.05" units="cm"/>
+    </inkml:brush>
+  </inkml:definitions>
+  <inkml:trace contextRef="#ctx0" brushRef="#br0">0 1 24575,'0'0'-8191</inkml:trace>
+</inkml:ink>
+</file>
+
+<file path=ppt/ink/ink10.xml><?xml version="1.0" encoding="utf-8"?>
+<inkml:ink xmlns:inkml="http://www.w3.org/2003/InkML">
+  <inkml:definitions>
+    <inkml:context xml:id="ctx0">
+      <inkml:inkSource xml:id="inkSrc0">
+        <inkml:traceFormat>
+          <inkml:channel name="X" type="integer" min="-2.14748E9" max="2.14748E9" units="cm"/>
+          <inkml:channel name="Y" type="integer" min="-2.14748E9" max="2.14748E9" units="cm"/>
+          <inkml:channel name="F" type="integer" max="32767" units="dev"/>
+        </inkml:traceFormat>
+        <inkml:channelProperties>
+          <inkml:channelProperty channel="X" name="resolution" value="1000" units="1/cm"/>
+          <inkml:channelProperty channel="Y" name="resolution" value="1000" units="1/cm"/>
+          <inkml:channelProperty channel="F" name="resolution" value="0" units="1/dev"/>
+        </inkml:channelProperties>
+      </inkml:inkSource>
+      <inkml:timestamp xml:id="ts0" timeString="2022-01-16T05:38:43.322"/>
+    </inkml:context>
+    <inkml:brush xml:id="br0">
+      <inkml:brushProperty name="width" value="0.05" units="cm"/>
+      <inkml:brushProperty name="height" value="0.05" units="cm"/>
+    </inkml:brush>
+  </inkml:definitions>
+  <inkml:trace contextRef="#ctx0" brushRef="#br0">1 2848 24575,'0'-4'0,"1"1"0,0 0 0,0-1 0,0 1 0,0 0 0,0 0 0,1 0 0,0 0 0,-1 0 0,1 0 0,0 0 0,4-4 0,35-35 0,-25 26 0,83-107 0,-6 7 0,-44 59 0,-3-2 0,57-94 0,-79 116 0,-11 17 0,0 0 0,-1-1 0,11-28 0,-15 30 0,1 0 0,1 1 0,1 1 0,0 0 0,16-18 0,7-11 0,-24 31 0,-1 0 0,0-1 0,-2-1 0,1 1 0,-2-1 0,0 0 0,6-33 0,-5-2 0,1-70 0,-3 32 0,0 53 0,18-66 0,-10 50 0,6-22 0,-10 46 0,-2-1 0,-1 0 0,3-37 0,-9-32 0,-1 67 0,1 1 0,2-1 0,1 1 0,11-52 0,-3 39 0,-3 0 0,-1 0 0,1-59 0,-10-138 0,-1 90 0,3 59-1365,0 52-5461</inkml:trace>
+</inkml:ink>
+</file>
+
+<file path=ppt/ink/ink11.xml><?xml version="1.0" encoding="utf-8"?>
+<inkml:ink xmlns:inkml="http://www.w3.org/2003/InkML">
+  <inkml:definitions>
+    <inkml:context xml:id="ctx0">
+      <inkml:inkSource xml:id="inkSrc0">
+        <inkml:traceFormat>
+          <inkml:channel name="X" type="integer" min="-2.14748E9" max="2.14748E9" units="cm"/>
+          <inkml:channel name="Y" type="integer" min="-2.14748E9" max="2.14748E9" units="cm"/>
+          <inkml:channel name="F" type="integer" max="32767" units="dev"/>
+        </inkml:traceFormat>
+        <inkml:channelProperties>
+          <inkml:channelProperty channel="X" name="resolution" value="1000" units="1/cm"/>
+          <inkml:channelProperty channel="Y" name="resolution" value="1000" units="1/cm"/>
+          <inkml:channelProperty channel="F" name="resolution" value="0" units="1/dev"/>
+        </inkml:channelProperties>
+      </inkml:inkSource>
+      <inkml:timestamp xml:id="ts0" timeString="2022-01-16T05:38:44.255"/>
+    </inkml:context>
+    <inkml:brush xml:id="br0">
+      <inkml:brushProperty name="width" value="0.05" units="cm"/>
+      <inkml:brushProperty name="height" value="0.05" units="cm"/>
+    </inkml:brush>
+  </inkml:definitions>
+  <inkml:trace contextRef="#ctx0" brushRef="#br0">0 1 24575,'0'0'-8191</inkml:trace>
+</inkml:ink>
+</file>
+
+<file path=ppt/ink/ink12.xml><?xml version="1.0" encoding="utf-8"?>
+<inkml:ink xmlns:inkml="http://www.w3.org/2003/InkML">
+  <inkml:definitions>
+    <inkml:context xml:id="ctx0">
+      <inkml:inkSource xml:id="inkSrc0">
+        <inkml:traceFormat>
+          <inkml:channel name="X" type="integer" min="-2.14748E9" max="2.14748E9" units="cm"/>
+          <inkml:channel name="Y" type="integer" min="-2.14748E9" max="2.14748E9" units="cm"/>
+          <inkml:channel name="F" type="integer" max="32767" units="dev"/>
+        </inkml:traceFormat>
+        <inkml:channelProperties>
+          <inkml:channelProperty channel="X" name="resolution" value="1000" units="1/cm"/>
+          <inkml:channelProperty channel="Y" name="resolution" value="1000" units="1/cm"/>
+          <inkml:channelProperty channel="F" name="resolution" value="0" units="1/dev"/>
+        </inkml:channelProperties>
+      </inkml:inkSource>
+      <inkml:timestamp xml:id="ts0" timeString="2022-01-16T05:39:01.136"/>
+    </inkml:context>
+    <inkml:brush xml:id="br0">
+      <inkml:brushProperty name="width" value="0.05" units="cm"/>
+      <inkml:brushProperty name="height" value="0.05" units="cm"/>
+    </inkml:brush>
+  </inkml:definitions>
+  <inkml:trace contextRef="#ctx0" brushRef="#br0">1 0 24575,'8'0'0,"-6"0"0</inkml:trace>
+</inkml:ink>
+</file>
+
+<file path=ppt/ink/ink13.xml><?xml version="1.0" encoding="utf-8"?>
+<inkml:ink xmlns:inkml="http://www.w3.org/2003/InkML">
+  <inkml:definitions>
+    <inkml:context xml:id="ctx0">
+      <inkml:inkSource xml:id="inkSrc0">
+        <inkml:traceFormat>
+          <inkml:channel name="X" type="integer" min="-2.14748E9" max="2.14748E9" units="cm"/>
+          <inkml:channel name="Y" type="integer" min="-2.14748E9" max="2.14748E9" units="cm"/>
+          <inkml:channel name="F" type="integer" max="32767" units="dev"/>
+        </inkml:traceFormat>
+        <inkml:channelProperties>
+          <inkml:channelProperty channel="X" name="resolution" value="1000" units="1/cm"/>
+          <inkml:channelProperty channel="Y" name="resolution" value="1000" units="1/cm"/>
+          <inkml:channelProperty channel="F" name="resolution" value="0" units="1/dev"/>
+        </inkml:channelProperties>
+      </inkml:inkSource>
+      <inkml:timestamp xml:id="ts0" timeString="2022-01-16T05:38:44.255"/>
+    </inkml:context>
+    <inkml:brush xml:id="br0">
+      <inkml:brushProperty name="width" value="0.05" units="cm"/>
+      <inkml:brushProperty name="height" value="0.05" units="cm"/>
+    </inkml:brush>
+  </inkml:definitions>
+  <inkml:trace contextRef="#ctx0" brushRef="#br0">0 1 24575,'0'0'-8191</inkml:trace>
+</inkml:ink>
+</file>
+
+<file path=ppt/ink/ink14.xml><?xml version="1.0" encoding="utf-8"?>
+<inkml:ink xmlns:inkml="http://www.w3.org/2003/InkML">
+  <inkml:definitions>
+    <inkml:context xml:id="ctx0">
+      <inkml:inkSource xml:id="inkSrc0">
+        <inkml:traceFormat>
+          <inkml:channel name="X" type="integer" min="-2.14748E9" max="2.14748E9" units="cm"/>
+          <inkml:channel name="Y" type="integer" min="-2.14748E9" max="2.14748E9" units="cm"/>
+          <inkml:channel name="F" type="integer" max="32767" units="dev"/>
+        </inkml:traceFormat>
+        <inkml:channelProperties>
+          <inkml:channelProperty channel="X" name="resolution" value="1000" units="1/cm"/>
+          <inkml:channelProperty channel="Y" name="resolution" value="1000" units="1/cm"/>
+          <inkml:channelProperty channel="F" name="resolution" value="0" units="1/dev"/>
+        </inkml:channelProperties>
+      </inkml:inkSource>
+      <inkml:timestamp xml:id="ts0" timeString="2022-01-16T05:39:01.136"/>
+    </inkml:context>
+    <inkml:brush xml:id="br0">
+      <inkml:brushProperty name="width" value="0.05" units="cm"/>
+      <inkml:brushProperty name="height" value="0.05" units="cm"/>
+    </inkml:brush>
+  </inkml:definitions>
+  <inkml:trace contextRef="#ctx0" brushRef="#br0">1 0 24575,'8'0'0,"-6"0"0</inkml:trace>
+</inkml:ink>
+</file>
+
+<file path=ppt/ink/ink15.xml><?xml version="1.0" encoding="utf-8"?>
+<inkml:ink xmlns:inkml="http://www.w3.org/2003/InkML">
+  <inkml:definitions>
+    <inkml:context xml:id="ctx0">
+      <inkml:inkSource xml:id="inkSrc0">
+        <inkml:traceFormat>
+          <inkml:channel name="X" type="integer" min="-2.14748E9" max="2.14748E9" units="cm"/>
+          <inkml:channel name="Y" type="integer" min="-2.14748E9" max="2.14748E9" units="cm"/>
+          <inkml:channel name="F" type="integer" max="32767" units="dev"/>
+        </inkml:traceFormat>
+        <inkml:channelProperties>
+          <inkml:channelProperty channel="X" name="resolution" value="1000" units="1/cm"/>
+          <inkml:channelProperty channel="Y" name="resolution" value="1000" units="1/cm"/>
+          <inkml:channelProperty channel="F" name="resolution" value="0" units="1/dev"/>
+        </inkml:channelProperties>
+      </inkml:inkSource>
+      <inkml:timestamp xml:id="ts0" timeString="2022-01-16T05:38:44.255"/>
+    </inkml:context>
+    <inkml:brush xml:id="br0">
+      <inkml:brushProperty name="width" value="0.05" units="cm"/>
+      <inkml:brushProperty name="height" value="0.05" units="cm"/>
+    </inkml:brush>
+  </inkml:definitions>
+  <inkml:trace contextRef="#ctx0" brushRef="#br0">0 1 24575,'0'0'-8191</inkml:trace>
+</inkml:ink>
+</file>
+
+<file path=ppt/ink/ink16.xml><?xml version="1.0" encoding="utf-8"?>
+<inkml:ink xmlns:inkml="http://www.w3.org/2003/InkML">
+  <inkml:definitions>
+    <inkml:context xml:id="ctx0">
+      <inkml:inkSource xml:id="inkSrc0">
+        <inkml:traceFormat>
+          <inkml:channel name="X" type="integer" min="-2.14748E9" max="2.14748E9" units="cm"/>
+          <inkml:channel name="Y" type="integer" min="-2.14748E9" max="2.14748E9" units="cm"/>
+          <inkml:channel name="F" type="integer" max="32767" units="dev"/>
+        </inkml:traceFormat>
+        <inkml:channelProperties>
+          <inkml:channelProperty channel="X" name="resolution" value="1000" units="1/cm"/>
+          <inkml:channelProperty channel="Y" name="resolution" value="1000" units="1/cm"/>
+          <inkml:channelProperty channel="F" name="resolution" value="0" units="1/dev"/>
+        </inkml:channelProperties>
+      </inkml:inkSource>
+      <inkml:timestamp xml:id="ts0" timeString="2022-01-16T05:39:01.136"/>
+    </inkml:context>
+    <inkml:brush xml:id="br0">
+      <inkml:brushProperty name="width" value="0.05" units="cm"/>
+      <inkml:brushProperty name="height" value="0.05" units="cm"/>
+    </inkml:brush>
+  </inkml:definitions>
+  <inkml:trace contextRef="#ctx0" brushRef="#br0">1 0 24575,'8'0'0,"-6"0"0</inkml:trace>
+</inkml:ink>
+</file>
+
+<file path=ppt/ink/ink17.xml><?xml version="1.0" encoding="utf-8"?>
+<inkml:ink xmlns:inkml="http://www.w3.org/2003/InkML">
+  <inkml:definitions>
+    <inkml:context xml:id="ctx0">
+      <inkml:inkSource xml:id="inkSrc0">
+        <inkml:traceFormat>
+          <inkml:channel name="X" type="integer" min="-2.14748E9" max="2.14748E9" units="cm"/>
+          <inkml:channel name="Y" type="integer" min="-2.14748E9" max="2.14748E9" units="cm"/>
+          <inkml:channel name="F" type="integer" max="32767" units="dev"/>
+        </inkml:traceFormat>
+        <inkml:channelProperties>
+          <inkml:channelProperty channel="X" name="resolution" value="1000" units="1/cm"/>
+          <inkml:channelProperty channel="Y" name="resolution" value="1000" units="1/cm"/>
+          <inkml:channelProperty channel="F" name="resolution" value="0" units="1/dev"/>
+        </inkml:channelProperties>
+      </inkml:inkSource>
+      <inkml:timestamp xml:id="ts0" timeString="2022-01-16T05:38:44.255"/>
+    </inkml:context>
+    <inkml:brush xml:id="br0">
+      <inkml:brushProperty name="width" value="0.05" units="cm"/>
+      <inkml:brushProperty name="height" value="0.05" units="cm"/>
+    </inkml:brush>
+  </inkml:definitions>
+  <inkml:trace contextRef="#ctx0" brushRef="#br0">0 1 24575,'0'0'-8191</inkml:trace>
+</inkml:ink>
+</file>
+
+<file path=ppt/ink/ink18.xml><?xml version="1.0" encoding="utf-8"?>
+<inkml:ink xmlns:inkml="http://www.w3.org/2003/InkML">
+  <inkml:definitions>
+    <inkml:context xml:id="ctx0">
+      <inkml:inkSource xml:id="inkSrc0">
+        <inkml:traceFormat>
+          <inkml:channel name="X" type="integer" min="-2.14748E9" max="2.14748E9" units="cm"/>
+          <inkml:channel name="Y" type="integer" min="-2.14748E9" max="2.14748E9" units="cm"/>
+          <inkml:channel name="F" type="integer" max="32767" units="dev"/>
+        </inkml:traceFormat>
+        <inkml:channelProperties>
+          <inkml:channelProperty channel="X" name="resolution" value="1000" units="1/cm"/>
+          <inkml:channelProperty channel="Y" name="resolution" value="1000" units="1/cm"/>
+          <inkml:channelProperty channel="F" name="resolution" value="0" units="1/dev"/>
+        </inkml:channelProperties>
+      </inkml:inkSource>
+      <inkml:timestamp xml:id="ts0" timeString="2022-01-16T05:39:01.136"/>
+    </inkml:context>
+    <inkml:brush xml:id="br0">
+      <inkml:brushProperty name="width" value="0.05" units="cm"/>
+      <inkml:brushProperty name="height" value="0.05" units="cm"/>
+    </inkml:brush>
+  </inkml:definitions>
+  <inkml:trace contextRef="#ctx0" brushRef="#br0">1 0 24575,'8'0'0,"-6"0"0</inkml:trace>
+</inkml:ink>
+</file>
+
+<file path=ppt/ink/ink19.xml><?xml version="1.0" encoding="utf-8"?>
+<inkml:ink xmlns:inkml="http://www.w3.org/2003/InkML">
+  <inkml:definitions>
+    <inkml:context xml:id="ctx0">
+      <inkml:inkSource xml:id="inkSrc0">
+        <inkml:traceFormat>
+          <inkml:channel name="X" type="integer" min="-2.14748E9" max="2.14748E9" units="cm"/>
+          <inkml:channel name="Y" type="integer" min="-2.14748E9" max="2.14748E9" units="cm"/>
+          <inkml:channel name="F" type="integer" max="32767" units="dev"/>
+        </inkml:traceFormat>
+        <inkml:channelProperties>
+          <inkml:channelProperty channel="X" name="resolution" value="1000" units="1/cm"/>
+          <inkml:channelProperty channel="Y" name="resolution" value="1000" units="1/cm"/>
+          <inkml:channelProperty channel="F" name="resolution" value="0" units="1/dev"/>
+        </inkml:channelProperties>
+      </inkml:inkSource>
+      <inkml:timestamp xml:id="ts0" timeString="2022-01-16T05:38:44.255"/>
+    </inkml:context>
+    <inkml:brush xml:id="br0">
+      <inkml:brushProperty name="width" value="0.05" units="cm"/>
+      <inkml:brushProperty name="height" value="0.05" units="cm"/>
+    </inkml:brush>
+  </inkml:definitions>
+  <inkml:trace contextRef="#ctx0" brushRef="#br0">0 1 24575,'0'0'-8191</inkml:trace>
+</inkml:ink>
+</file>
+
+<file path=ppt/ink/ink2.xml><?xml version="1.0" encoding="utf-8"?>
+<inkml:ink xmlns:inkml="http://www.w3.org/2003/InkML">
+  <inkml:definitions>
+    <inkml:context xml:id="ctx0">
+      <inkml:inkSource xml:id="inkSrc0">
+        <inkml:traceFormat>
+          <inkml:channel name="X" type="integer" min="-2.14748E9" max="2.14748E9" units="cm"/>
+          <inkml:channel name="Y" type="integer" min="-2.14748E9" max="2.14748E9" units="cm"/>
+          <inkml:channel name="F" type="integer" max="32767" units="dev"/>
+        </inkml:traceFormat>
+        <inkml:channelProperties>
+          <inkml:channelProperty channel="X" name="resolution" value="1000" units="1/cm"/>
+          <inkml:channelProperty channel="Y" name="resolution" value="1000" units="1/cm"/>
+          <inkml:channelProperty channel="F" name="resolution" value="0" units="1/dev"/>
+        </inkml:channelProperties>
+      </inkml:inkSource>
+      <inkml:timestamp xml:id="ts0" timeString="2022-01-16T05:39:01.136"/>
+    </inkml:context>
+    <inkml:brush xml:id="br0">
+      <inkml:brushProperty name="width" value="0.05" units="cm"/>
+      <inkml:brushProperty name="height" value="0.05" units="cm"/>
+    </inkml:brush>
+  </inkml:definitions>
+  <inkml:trace contextRef="#ctx0" brushRef="#br0">1 0 24575,'8'0'0,"-6"0"0</inkml:trace>
+</inkml:ink>
+</file>
+
+<file path=ppt/ink/ink20.xml><?xml version="1.0" encoding="utf-8"?>
+<inkml:ink xmlns:inkml="http://www.w3.org/2003/InkML">
+  <inkml:definitions>
+    <inkml:context xml:id="ctx0">
+      <inkml:inkSource xml:id="inkSrc0">
+        <inkml:traceFormat>
+          <inkml:channel name="X" type="integer" min="-2.14748E9" max="2.14748E9" units="cm"/>
+          <inkml:channel name="Y" type="integer" min="-2.14748E9" max="2.14748E9" units="cm"/>
+          <inkml:channel name="F" type="integer" max="32767" units="dev"/>
+        </inkml:traceFormat>
+        <inkml:channelProperties>
+          <inkml:channelProperty channel="X" name="resolution" value="1000" units="1/cm"/>
+          <inkml:channelProperty channel="Y" name="resolution" value="1000" units="1/cm"/>
+          <inkml:channelProperty channel="F" name="resolution" value="0" units="1/dev"/>
+        </inkml:channelProperties>
+      </inkml:inkSource>
+      <inkml:timestamp xml:id="ts0" timeString="2022-01-16T05:39:01.136"/>
+    </inkml:context>
+    <inkml:brush xml:id="br0">
+      <inkml:brushProperty name="width" value="0.05" units="cm"/>
+      <inkml:brushProperty name="height" value="0.05" units="cm"/>
+    </inkml:brush>
+  </inkml:definitions>
+  <inkml:trace contextRef="#ctx0" brushRef="#br0">1 0 24575,'8'0'0,"-6"0"0</inkml:trace>
+</inkml:ink>
+</file>
+
+<file path=ppt/ink/ink21.xml><?xml version="1.0" encoding="utf-8"?>
+<inkml:ink xmlns:inkml="http://www.w3.org/2003/InkML">
+  <inkml:definitions>
+    <inkml:context xml:id="ctx0">
+      <inkml:inkSource xml:id="inkSrc0">
+        <inkml:traceFormat>
+          <inkml:channel name="X" type="integer" min="-2.14748E9" max="2.14748E9" units="cm"/>
+          <inkml:channel name="Y" type="integer" min="-2.14748E9" max="2.14748E9" units="cm"/>
+          <inkml:channel name="F" type="integer" max="32767" units="dev"/>
+        </inkml:traceFormat>
+        <inkml:channelProperties>
+          <inkml:channelProperty channel="X" name="resolution" value="1000" units="1/cm"/>
+          <inkml:channelProperty channel="Y" name="resolution" value="1000" units="1/cm"/>
+          <inkml:channelProperty channel="F" name="resolution" value="0" units="1/dev"/>
+        </inkml:channelProperties>
+      </inkml:inkSource>
+      <inkml:timestamp xml:id="ts0" timeString="2022-01-16T05:38:44.255"/>
+    </inkml:context>
+    <inkml:brush xml:id="br0">
+      <inkml:brushProperty name="width" value="0.05" units="cm"/>
+      <inkml:brushProperty name="height" value="0.05" units="cm"/>
+    </inkml:brush>
+  </inkml:definitions>
+  <inkml:trace contextRef="#ctx0" brushRef="#br0">0 1 24575,'0'0'-8191</inkml:trace>
+</inkml:ink>
+</file>
+
+<file path=ppt/ink/ink22.xml><?xml version="1.0" encoding="utf-8"?>
+<inkml:ink xmlns:inkml="http://www.w3.org/2003/InkML">
+  <inkml:definitions>
+    <inkml:context xml:id="ctx0">
+      <inkml:inkSource xml:id="inkSrc0">
+        <inkml:traceFormat>
+          <inkml:channel name="X" type="integer" min="-2.14748E9" max="2.14748E9" units="cm"/>
+          <inkml:channel name="Y" type="integer" min="-2.14748E9" max="2.14748E9" units="cm"/>
+          <inkml:channel name="F" type="integer" max="32767" units="dev"/>
+        </inkml:traceFormat>
+        <inkml:channelProperties>
+          <inkml:channelProperty channel="X" name="resolution" value="1000" units="1/cm"/>
+          <inkml:channelProperty channel="Y" name="resolution" value="1000" units="1/cm"/>
+          <inkml:channelProperty channel="F" name="resolution" value="0" units="1/dev"/>
+        </inkml:channelProperties>
+      </inkml:inkSource>
+      <inkml:timestamp xml:id="ts0" timeString="2022-01-16T05:39:01.136"/>
+    </inkml:context>
+    <inkml:brush xml:id="br0">
+      <inkml:brushProperty name="width" value="0.05" units="cm"/>
+      <inkml:brushProperty name="height" value="0.05" units="cm"/>
+    </inkml:brush>
+  </inkml:definitions>
+  <inkml:trace contextRef="#ctx0" brushRef="#br0">1 0 24575,'8'0'0,"-6"0"0</inkml:trace>
+</inkml:ink>
+</file>
+
+<file path=ppt/ink/ink23.xml><?xml version="1.0" encoding="utf-8"?>
+<inkml:ink xmlns:inkml="http://www.w3.org/2003/InkML">
+  <inkml:definitions>
+    <inkml:context xml:id="ctx0">
+      <inkml:inkSource xml:id="inkSrc0">
+        <inkml:traceFormat>
+          <inkml:channel name="X" type="integer" min="-2.14748E9" max="2.14748E9" units="cm"/>
+          <inkml:channel name="Y" type="integer" min="-2.14748E9" max="2.14748E9" units="cm"/>
+          <inkml:channel name="F" type="integer" max="32767" units="dev"/>
+        </inkml:traceFormat>
+        <inkml:channelProperties>
+          <inkml:channelProperty channel="X" name="resolution" value="1000" units="1/cm"/>
+          <inkml:channelProperty channel="Y" name="resolution" value="1000" units="1/cm"/>
+          <inkml:channelProperty channel="F" name="resolution" value="0" units="1/dev"/>
+        </inkml:channelProperties>
+      </inkml:inkSource>
+      <inkml:timestamp xml:id="ts0" timeString="2022-01-16T05:38:44.255"/>
+    </inkml:context>
+    <inkml:brush xml:id="br0">
+      <inkml:brushProperty name="width" value="0.05" units="cm"/>
+      <inkml:brushProperty name="height" value="0.05" units="cm"/>
+    </inkml:brush>
+  </inkml:definitions>
+  <inkml:trace contextRef="#ctx0" brushRef="#br0">0 1 24575,'0'0'-8191</inkml:trace>
+</inkml:ink>
+</file>
+
+<file path=ppt/ink/ink24.xml><?xml version="1.0" encoding="utf-8"?>
+<inkml:ink xmlns:inkml="http://www.w3.org/2003/InkML">
+  <inkml:definitions>
+    <inkml:context xml:id="ctx0">
+      <inkml:inkSource xml:id="inkSrc0">
+        <inkml:traceFormat>
+          <inkml:channel name="X" type="integer" min="-2.14748E9" max="2.14748E9" units="cm"/>
+          <inkml:channel name="Y" type="integer" min="-2.14748E9" max="2.14748E9" units="cm"/>
+          <inkml:channel name="F" type="integer" max="32767" units="dev"/>
+        </inkml:traceFormat>
+        <inkml:channelProperties>
+          <inkml:channelProperty channel="X" name="resolution" value="1000" units="1/cm"/>
+          <inkml:channelProperty channel="Y" name="resolution" value="1000" units="1/cm"/>
+          <inkml:channelProperty channel="F" name="resolution" value="0" units="1/dev"/>
+        </inkml:channelProperties>
+      </inkml:inkSource>
+      <inkml:timestamp xml:id="ts0" timeString="2022-01-16T05:39:01.136"/>
+    </inkml:context>
+    <inkml:brush xml:id="br0">
+      <inkml:brushProperty name="width" value="0.05" units="cm"/>
+      <inkml:brushProperty name="height" value="0.05" units="cm"/>
+    </inkml:brush>
+  </inkml:definitions>
+  <inkml:trace contextRef="#ctx0" brushRef="#br0">1 0 24575,'8'0'0,"-6"0"0</inkml:trace>
+</inkml:ink>
+</file>
+
+<file path=ppt/ink/ink25.xml><?xml version="1.0" encoding="utf-8"?>
+<inkml:ink xmlns:inkml="http://www.w3.org/2003/InkML">
+  <inkml:definitions>
+    <inkml:context xml:id="ctx0">
+      <inkml:inkSource xml:id="inkSrc0">
+        <inkml:traceFormat>
+          <inkml:channel name="X" type="integer" min="-2.14748E9" max="2.14748E9" units="cm"/>
+          <inkml:channel name="Y" type="integer" min="-2.14748E9" max="2.14748E9" units="cm"/>
+          <inkml:channel name="F" type="integer" max="32767" units="dev"/>
+        </inkml:traceFormat>
+        <inkml:channelProperties>
+          <inkml:channelProperty channel="X" name="resolution" value="1000" units="1/cm"/>
+          <inkml:channelProperty channel="Y" name="resolution" value="1000" units="1/cm"/>
+          <inkml:channelProperty channel="F" name="resolution" value="0" units="1/dev"/>
+        </inkml:channelProperties>
+      </inkml:inkSource>
+      <inkml:timestamp xml:id="ts0" timeString="2022-01-16T05:38:44.255"/>
+    </inkml:context>
+    <inkml:brush xml:id="br0">
+      <inkml:brushProperty name="width" value="0.05" units="cm"/>
+      <inkml:brushProperty name="height" value="0.05" units="cm"/>
+    </inkml:brush>
+  </inkml:definitions>
+  <inkml:trace contextRef="#ctx0" brushRef="#br0">0 1 24575,'0'0'-8191</inkml:trace>
+</inkml:ink>
+</file>
+
+<file path=ppt/ink/ink26.xml><?xml version="1.0" encoding="utf-8"?>
+<inkml:ink xmlns:inkml="http://www.w3.org/2003/InkML">
+  <inkml:definitions>
+    <inkml:context xml:id="ctx0">
+      <inkml:inkSource xml:id="inkSrc0">
+        <inkml:traceFormat>
+          <inkml:channel name="X" type="integer" min="-2.14748E9" max="2.14748E9" units="cm"/>
+          <inkml:channel name="Y" type="integer" min="-2.14748E9" max="2.14748E9" units="cm"/>
+          <inkml:channel name="F" type="integer" max="32767" units="dev"/>
+        </inkml:traceFormat>
+        <inkml:channelProperties>
+          <inkml:channelProperty channel="X" name="resolution" value="1000" units="1/cm"/>
+          <inkml:channelProperty channel="Y" name="resolution" value="1000" units="1/cm"/>
+          <inkml:channelProperty channel="F" name="resolution" value="0" units="1/dev"/>
+        </inkml:channelProperties>
+      </inkml:inkSource>
+      <inkml:timestamp xml:id="ts0" timeString="2022-01-16T05:39:01.136"/>
+    </inkml:context>
+    <inkml:brush xml:id="br0">
+      <inkml:brushProperty name="width" value="0.05" units="cm"/>
+      <inkml:brushProperty name="height" value="0.05" units="cm"/>
+    </inkml:brush>
+  </inkml:definitions>
+  <inkml:trace contextRef="#ctx0" brushRef="#br0">1 0 24575,'8'0'0,"-6"0"0</inkml:trace>
+</inkml:ink>
+</file>
+
+<file path=ppt/ink/ink3.xml><?xml version="1.0" encoding="utf-8"?>
+<inkml:ink xmlns:inkml="http://www.w3.org/2003/InkML">
+  <inkml:definitions>
+    <inkml:context xml:id="ctx0">
+      <inkml:inkSource xml:id="inkSrc0">
+        <inkml:traceFormat>
+          <inkml:channel name="X" type="integer" min="-2.14748E9" max="2.14748E9" units="cm"/>
+          <inkml:channel name="Y" type="integer" min="-2.14748E9" max="2.14748E9" units="cm"/>
+          <inkml:channel name="F" type="integer" max="32767" units="dev"/>
+        </inkml:traceFormat>
+        <inkml:channelProperties>
+          <inkml:channelProperty channel="X" name="resolution" value="1000" units="1/cm"/>
+          <inkml:channelProperty channel="Y" name="resolution" value="1000" units="1/cm"/>
+          <inkml:channelProperty channel="F" name="resolution" value="0" units="1/dev"/>
+        </inkml:channelProperties>
+      </inkml:inkSource>
+      <inkml:timestamp xml:id="ts0" timeString="2022-01-16T05:37:36.848"/>
+    </inkml:context>
+    <inkml:brush xml:id="br0">
+      <inkml:brushProperty name="width" value="0.05" units="cm"/>
+      <inkml:brushProperty name="height" value="0.05" units="cm"/>
+    </inkml:brush>
+  </inkml:definitions>
+  <inkml:trace contextRef="#ctx0" brushRef="#br0">1 704 24575,'1'-9'0,"0"0"0,0 0 0,1 0 0,0 1 0,1-1 0,0 0 0,1 1 0,-1 0 0,1 0 0,1 0 0,0 0 0,0 1 0,8-10 0,-1 3 0,2 0 0,-1 0 0,2 2 0,-1 0 0,22-14 0,19-18 0,-46 36 0,0 0 0,0 0 0,1 1 0,0 0 0,0 1 0,16-8 0,-4 4 0,0-2 0,-1-1 0,29-22 0,-30 20 0,0 1 0,1 1 0,34-16 0,-28 18 0,1 1 0,0 1 0,0 2 0,1 0 0,0 2 0,0 2 0,42-1 0,-31 1 0,-1-1 0,74-20 0,-65 13 0,-14 2 0,66-27 0,-77 25 0,0 2 0,1 1 0,0 1 0,0 1 0,46-6 0,147 14 0,34-4 0,-218-2 0,47-13 0,-51 9 0,1 2 0,34-2 0,257 5 43,-178 5-1451,-102-2-5418</inkml:trace>
+</inkml:ink>
+</file>
+
+<file path=ppt/ink/ink4.xml><?xml version="1.0" encoding="utf-8"?>
+<inkml:ink xmlns:inkml="http://www.w3.org/2003/InkML">
+  <inkml:definitions>
+    <inkml:context xml:id="ctx0">
+      <inkml:inkSource xml:id="inkSrc0">
+        <inkml:traceFormat>
+          <inkml:channel name="X" type="integer" min="-2.14748E9" max="2.14748E9" units="cm"/>
+          <inkml:channel name="Y" type="integer" min="-2.14748E9" max="2.14748E9" units="cm"/>
+          <inkml:channel name="F" type="integer" max="32767" units="dev"/>
+        </inkml:traceFormat>
+        <inkml:channelProperties>
+          <inkml:channelProperty channel="X" name="resolution" value="1000" units="1/cm"/>
+          <inkml:channelProperty channel="Y" name="resolution" value="1000" units="1/cm"/>
+          <inkml:channelProperty channel="F" name="resolution" value="0" units="1/dev"/>
+        </inkml:channelProperties>
+      </inkml:inkSource>
+      <inkml:timestamp xml:id="ts0" timeString="2022-01-16T05:37:44.257"/>
+    </inkml:context>
+    <inkml:brush xml:id="br0">
+      <inkml:brushProperty name="width" value="0.05" units="cm"/>
+      <inkml:brushProperty name="height" value="0.05" units="cm"/>
+    </inkml:brush>
+  </inkml:definitions>
+  <inkml:trace contextRef="#ctx0" brushRef="#br0">2565 750 24575,'0'-4'0,"0"1"0,-1-1 0,1 1 0,-1-1 0,1 1 0,-1 0 0,-1-1 0,1 1 0,0 0 0,-1-1 0,1 1 0,-1 0 0,0 0 0,0 0 0,0 1 0,-5-6 0,-2 0 0,0 1 0,-1 0 0,-18-10 0,-7-4 0,-168-106 0,176 108 0,0 2 0,-1 0 0,-1 3 0,-1 0 0,0 2 0,-1 1 0,-59-13 0,49 12 0,0-1 0,0-2 0,1-2 0,-52-31 0,-9-3 0,56 33 0,-67-18 0,73 25 0,0-1 0,-70-34 0,93 38 0,1 1 0,-1 1 0,0 0 0,-1 1 0,1 1 0,-32-4 0,-1 4 0,-51 4 0,-25-2 0,93-2 0,-52-13 0,53 9 0,-59-5 0,-290 10 58,201 5-1481,139-2-5403</inkml:trace>
+</inkml:ink>
+</file>
+
+<file path=ppt/ink/ink5.xml><?xml version="1.0" encoding="utf-8"?>
+<inkml:ink xmlns:inkml="http://www.w3.org/2003/InkML">
+  <inkml:definitions>
+    <inkml:context xml:id="ctx0">
+      <inkml:inkSource xml:id="inkSrc0">
+        <inkml:traceFormat>
+          <inkml:channel name="X" type="integer" min="-2.14748E9" max="2.14748E9" units="cm"/>
+          <inkml:channel name="Y" type="integer" min="-2.14748E9" max="2.14748E9" units="cm"/>
+          <inkml:channel name="F" type="integer" max="32767" units="dev"/>
+        </inkml:traceFormat>
+        <inkml:channelProperties>
+          <inkml:channelProperty channel="X" name="resolution" value="1000" units="1/cm"/>
+          <inkml:channelProperty channel="Y" name="resolution" value="1000" units="1/cm"/>
+          <inkml:channelProperty channel="F" name="resolution" value="0" units="1/dev"/>
+        </inkml:channelProperties>
+      </inkml:inkSource>
+      <inkml:timestamp xml:id="ts0" timeString="2022-01-16T05:37:50.388"/>
+    </inkml:context>
+    <inkml:brush xml:id="br0">
+      <inkml:brushProperty name="width" value="0.05" units="cm"/>
+      <inkml:brushProperty name="height" value="0.05" units="cm"/>
+    </inkml:brush>
+  </inkml:definitions>
+  <inkml:trace contextRef="#ctx0" brushRef="#br0">0 0 24575,'1'11'0,"0"-1"0,0 0 0,1 0 0,1 1 0,-1-1 0,2 0 0,-1-1 0,8 15 0,49 73 0,-26-45 0,79 118 0,-97-148 0,1 0 0,32 32 0,20 24 0,-58-60 0,0 1 0,-1 0 0,-1 1 0,8 28 0,-10-28 0,1 0 0,1 0 0,0-1 0,20 31 0,-16-34 0,-1 1 0,-1 0 0,-1 0 0,0 1 0,-2 1 0,0 0 0,-1 0 0,0 0 0,-2 1 0,-1 0 0,0 0 0,1 29 0,-2-1 0,2 1 0,15 60 0,-9-38 0,-3 0 0,-4 1 0,-6 121 0,-1-56 0,3 656-1365,0-753-5461</inkml:trace>
+</inkml:ink>
+</file>
+
+<file path=ppt/ink/ink6.xml><?xml version="1.0" encoding="utf-8"?>
+<inkml:ink xmlns:inkml="http://www.w3.org/2003/InkML">
+  <inkml:definitions>
+    <inkml:context xml:id="ctx0">
+      <inkml:inkSource xml:id="inkSrc0">
+        <inkml:traceFormat>
+          <inkml:channel name="X" type="integer" min="-2.14748E9" max="2.14748E9" units="cm"/>
+          <inkml:channel name="Y" type="integer" min="-2.14748E9" max="2.14748E9" units="cm"/>
+          <inkml:channel name="F" type="integer" max="32767" units="dev"/>
+        </inkml:traceFormat>
+        <inkml:channelProperties>
+          <inkml:channelProperty channel="X" name="resolution" value="1000" units="1/cm"/>
+          <inkml:channelProperty channel="Y" name="resolution" value="1000" units="1/cm"/>
+          <inkml:channelProperty channel="F" name="resolution" value="0" units="1/dev"/>
+        </inkml:channelProperties>
+      </inkml:inkSource>
+      <inkml:timestamp xml:id="ts0" timeString="2022-01-16T05:38:10.386"/>
+    </inkml:context>
+    <inkml:brush xml:id="br0">
+      <inkml:brushProperty name="width" value="0.05" units="cm"/>
+      <inkml:brushProperty name="height" value="0.05" units="cm"/>
+    </inkml:brush>
+  </inkml:definitions>
+  <inkml:trace contextRef="#ctx0" brushRef="#br0">1 1 24575,'0'4'0,"1"0"0,0-1 0,0 1 0,1-1 0,-1 1 0,1-1 0,-1 1 0,5 5 0,7 18 0,-12-22 0,3 14 0,1-1 0,1 0 0,1 0 0,1 0 0,0 0 0,1-1 0,0-1 0,23 29 0,-19-32 0,-1-1 0,-1 2 0,0 0 0,-1 0 0,-1 0 0,0 2 0,-1-1 0,-1 1 0,0 0 0,-1 0 0,0 1 0,2 19 0,0-9 0,0-1 0,17 35 0,-14-37 0,-2 1 0,13 46 0,-13-32 0,3-1 0,17 42 0,7 17 0,-30-72-273,-1 0 0,-1 1 0,-1-1 0,-1 37 0,-2-22-6553</inkml:trace>
+</inkml:ink>
+</file>
+
+<file path=ppt/ink/ink7.xml><?xml version="1.0" encoding="utf-8"?>
+<inkml:ink xmlns:inkml="http://www.w3.org/2003/InkML">
+  <inkml:definitions>
+    <inkml:context xml:id="ctx0">
+      <inkml:inkSource xml:id="inkSrc0">
+        <inkml:traceFormat>
+          <inkml:channel name="X" type="integer" min="-2.14748E9" max="2.14748E9" units="cm"/>
+          <inkml:channel name="Y" type="integer" min="-2.14748E9" max="2.14748E9" units="cm"/>
+          <inkml:channel name="F" type="integer" max="32767" units="dev"/>
+        </inkml:traceFormat>
+        <inkml:channelProperties>
+          <inkml:channelProperty channel="X" name="resolution" value="1000" units="1/cm"/>
+          <inkml:channelProperty channel="Y" name="resolution" value="1000" units="1/cm"/>
+          <inkml:channelProperty channel="F" name="resolution" value="0" units="1/dev"/>
+        </inkml:channelProperties>
+      </inkml:inkSource>
+      <inkml:timestamp xml:id="ts0" timeString="2022-01-16T05:38:12.963"/>
+    </inkml:context>
+    <inkml:brush xml:id="br0">
+      <inkml:brushProperty name="width" value="0.05" units="cm"/>
+      <inkml:brushProperty name="height" value="0.05" units="cm"/>
+    </inkml:brush>
+  </inkml:definitions>
+  <inkml:trace contextRef="#ctx0" brushRef="#br0">0 839 24575,'2'-6'0,"-1"1"0,1 0 0,-1 0 0,2 0 0,-1 0 0,0 1 0,6-9 0,2-3 0,27-68 0,43-147 0,-71 207 0,1 1 0,1 0 0,0 1 0,26-34 0,-19 28 0,18-47 0,-28 57 0,0 1 0,18-30 0,-18 36-195,-2 0 0,0 0 0,0 0 0,-1-1 0,0 0 0,3-14 0,0-7-6631</inkml:trace>
+</inkml:ink>
+</file>
+
+<file path=ppt/ink/ink8.xml><?xml version="1.0" encoding="utf-8"?>
+<inkml:ink xmlns:inkml="http://www.w3.org/2003/InkML">
+  <inkml:definitions>
+    <inkml:context xml:id="ctx0">
+      <inkml:inkSource xml:id="inkSrc0">
+        <inkml:traceFormat>
+          <inkml:channel name="X" type="integer" min="-2.14748E9" max="2.14748E9" units="cm"/>
+          <inkml:channel name="Y" type="integer" min="-2.14748E9" max="2.14748E9" units="cm"/>
+          <inkml:channel name="F" type="integer" max="32767" units="dev"/>
+        </inkml:traceFormat>
+        <inkml:channelProperties>
+          <inkml:channelProperty channel="X" name="resolution" value="1000" units="1/cm"/>
+          <inkml:channelProperty channel="Y" name="resolution" value="1000" units="1/cm"/>
+          <inkml:channelProperty channel="F" name="resolution" value="0" units="1/dev"/>
+        </inkml:channelProperties>
+      </inkml:inkSource>
+      <inkml:timestamp xml:id="ts0" timeString="2022-01-16T05:38:19.179"/>
+    </inkml:context>
+    <inkml:brush xml:id="br0">
+      <inkml:brushProperty name="width" value="0.05" units="cm"/>
+      <inkml:brushProperty name="height" value="0.05" units="cm"/>
+    </inkml:brush>
+  </inkml:definitions>
+  <inkml:trace contextRef="#ctx0" brushRef="#br0">1 1 24575,'0'1'0,"0"1"0,1-1 0,-1 0 0,1 1 0,-1-1 0,1 0 0,0 1 0,-1-1 0,1 0 0,0 0 0,0 0 0,0 0 0,0 0 0,0 0 0,0 0 0,0 0 0,0 0 0,0 0 0,0 0 0,1 0 0,-1-1 0,2 2 0,38 14 0,-19-8 0,-4 2 0,0 1 0,0 0 0,-1 2 0,-1 0 0,17 17 0,35 28 0,-13-29 0,-45-25 0,-1 0 0,0 1 0,0 0 0,0 1 0,11 8 0,27 26 0,64 42 0,-96-74 0,1-1 0,0 0 0,0-1 0,1-1 0,27 6 0,8 2 0,-14-4-273,0-2 0,0-2 0,1-1 0,61-3 0,-60-1-6553</inkml:trace>
+</inkml:ink>
+</file>
+
+<file path=ppt/ink/ink9.xml><?xml version="1.0" encoding="utf-8"?>
+<inkml:ink xmlns:inkml="http://www.w3.org/2003/InkML">
+  <inkml:definitions>
+    <inkml:context xml:id="ctx0">
+      <inkml:inkSource xml:id="inkSrc0">
+        <inkml:traceFormat>
+          <inkml:channel name="X" type="integer" min="-2.14748E9" max="2.14748E9" units="cm"/>
+          <inkml:channel name="Y" type="integer" min="-2.14748E9" max="2.14748E9" units="cm"/>
+          <inkml:channel name="F" type="integer" max="32767" units="dev"/>
+        </inkml:traceFormat>
+        <inkml:channelProperties>
+          <inkml:channelProperty channel="X" name="resolution" value="1000" units="1/cm"/>
+          <inkml:channelProperty channel="Y" name="resolution" value="1000" units="1/cm"/>
+          <inkml:channelProperty channel="F" name="resolution" value="0" units="1/dev"/>
+        </inkml:channelProperties>
+      </inkml:inkSource>
+      <inkml:timestamp xml:id="ts0" timeString="2022-01-16T05:38:21.706"/>
+    </inkml:context>
+    <inkml:brush xml:id="br0">
+      <inkml:brushProperty name="width" value="0.05" units="cm"/>
+      <inkml:brushProperty name="height" value="0.05" units="cm"/>
+    </inkml:brush>
+  </inkml:definitions>
+  <inkml:trace contextRef="#ctx0" brushRef="#br0">796 1 24575,'-1'6'0,"0"0"0,0 0 0,0 0 0,-1-1 0,0 1 0,0 0 0,0-1 0,-1 1 0,0-1 0,0 1 0,-6 7 0,-2 2 0,-2-1 0,-20 20 0,0-7 0,-1-3 0,-1-1 0,-1-1 0,-1-2 0,-62 24 0,-55 31 0,125-62-35,-1 0 0,0-2 0,-1-1 0,-44 7 0,22-4-1155,20-5-5636</inkml:trace>
+</inkml:ink>
 </file>
 
 <file path=ppt/slideLayouts/slideLayout1.xml><?xml version="1.0" encoding="utf-8"?>
@@ -3358,7 +4071,12 @@
             <p:ph type="ctrTitle"/>
           </p:nvPr>
         </p:nvSpPr>
-        <p:spPr/>
+        <p:spPr>
+          <a:xfrm>
+            <a:off x="1524000" y="1250700"/>
+            <a:ext cx="9144000" cy="2387600"/>
+          </a:xfrm>
+        </p:spPr>
         <p:txBody>
           <a:bodyPr/>
           <a:lstStyle/>
@@ -4494,208 +5212,229 @@
           </a:p>
         </p:txBody>
       </p:sp>
-      <p:pic>
-        <p:nvPicPr>
-          <p:cNvPr id="5" name="그림 4">
-            <a:extLst>
-              <a:ext uri="{FF2B5EF4-FFF2-40B4-BE49-F238E27FC236}">
-                <a16:creationId xmlns:a16="http://schemas.microsoft.com/office/drawing/2014/main" id="{6456680D-656E-49D2-A244-74438785392F}"/>
-              </a:ext>
-            </a:extLst>
-          </p:cNvPr>
-          <p:cNvPicPr>
-            <a:picLocks noChangeAspect="1"/>
-          </p:cNvPicPr>
+      <p:grpSp>
+        <p:nvGrpSpPr>
+          <p:cNvPr id="3" name="그룹 2">
+            <a:extLst>
+              <a:ext uri="{FF2B5EF4-FFF2-40B4-BE49-F238E27FC236}">
+                <a16:creationId xmlns:a16="http://schemas.microsoft.com/office/drawing/2014/main" id="{A38E681F-2F2C-480C-BE65-47F1E0B954C8}"/>
+              </a:ext>
+            </a:extLst>
+          </p:cNvPr>
+          <p:cNvGrpSpPr/>
           <p:nvPr/>
-        </p:nvPicPr>
-        <p:blipFill>
-          <a:blip r:embed="rId2"/>
-          <a:stretch>
-            <a:fillRect/>
-          </a:stretch>
-        </p:blipFill>
-        <p:spPr>
+        </p:nvGrpSpPr>
+        <p:grpSpPr>
           <a:xfrm>
-            <a:off x="499144" y="1865466"/>
-            <a:ext cx="914528" cy="2581635"/>
+            <a:off x="777258" y="2057971"/>
+            <a:ext cx="10712981" cy="3756697"/>
+            <a:chOff x="102473" y="1865466"/>
+            <a:chExt cx="10712981" cy="3756697"/>
           </a:xfrm>
-          <a:prstGeom prst="rect">
-            <a:avLst/>
-          </a:prstGeom>
-        </p:spPr>
-      </p:pic>
-      <p:pic>
-        <p:nvPicPr>
-          <p:cNvPr id="7" name="그림 6">
-            <a:extLst>
-              <a:ext uri="{FF2B5EF4-FFF2-40B4-BE49-F238E27FC236}">
-                <a16:creationId xmlns:a16="http://schemas.microsoft.com/office/drawing/2014/main" id="{3B8C531E-E4D4-4A32-BF49-618B36A035FA}"/>
-              </a:ext>
-            </a:extLst>
-          </p:cNvPr>
-          <p:cNvPicPr>
-            <a:picLocks noChangeAspect="1"/>
-          </p:cNvPicPr>
-          <p:nvPr/>
-        </p:nvPicPr>
-        <p:blipFill>
-          <a:blip r:embed="rId3"/>
-          <a:stretch>
-            <a:fillRect/>
-          </a:stretch>
-        </p:blipFill>
-        <p:spPr>
-          <a:xfrm>
-            <a:off x="1910977" y="3840770"/>
-            <a:ext cx="562053" cy="695422"/>
-          </a:xfrm>
-          <a:prstGeom prst="rect">
-            <a:avLst/>
-          </a:prstGeom>
-        </p:spPr>
-      </p:pic>
-      <p:pic>
-        <p:nvPicPr>
-          <p:cNvPr id="9" name="그림 8">
-            <a:extLst>
-              <a:ext uri="{FF2B5EF4-FFF2-40B4-BE49-F238E27FC236}">
-                <a16:creationId xmlns:a16="http://schemas.microsoft.com/office/drawing/2014/main" id="{240F663E-C001-4552-8464-3AECA6275E0E}"/>
-              </a:ext>
-            </a:extLst>
-          </p:cNvPr>
-          <p:cNvPicPr>
-            <a:picLocks noChangeAspect="1"/>
-          </p:cNvPicPr>
-          <p:nvPr/>
-        </p:nvPicPr>
-        <p:blipFill>
-          <a:blip r:embed="rId4"/>
-          <a:stretch>
-            <a:fillRect/>
-          </a:stretch>
-        </p:blipFill>
-        <p:spPr>
-          <a:xfrm>
-            <a:off x="102473" y="4625283"/>
-            <a:ext cx="2622398" cy="374628"/>
-          </a:xfrm>
-          <a:prstGeom prst="rect">
-            <a:avLst/>
-          </a:prstGeom>
-        </p:spPr>
-      </p:pic>
-      <p:sp>
-        <p:nvSpPr>
-          <p:cNvPr id="13" name="화살표: 오른쪽 12">
-            <a:extLst>
-              <a:ext uri="{FF2B5EF4-FFF2-40B4-BE49-F238E27FC236}">
-                <a16:creationId xmlns:a16="http://schemas.microsoft.com/office/drawing/2014/main" id="{83774A21-B99F-4675-B94A-771E1A5AE682}"/>
-              </a:ext>
-            </a:extLst>
-          </p:cNvPr>
-          <p:cNvSpPr/>
-          <p:nvPr/>
-        </p:nvSpPr>
-        <p:spPr>
-          <a:xfrm>
-            <a:off x="2837166" y="2896779"/>
-            <a:ext cx="579803" cy="519007"/>
-          </a:xfrm>
-          <a:prstGeom prst="rightArrow">
-            <a:avLst/>
-          </a:prstGeom>
-          <a:solidFill>
-            <a:srgbClr val="FFC000"/>
-          </a:solidFill>
-          <a:ln>
-            <a:noFill/>
-          </a:ln>
-        </p:spPr>
-        <p:style>
-          <a:lnRef idx="2">
-            <a:schemeClr val="accent1">
-              <a:shade val="50000"/>
-            </a:schemeClr>
-          </a:lnRef>
-          <a:fillRef idx="1">
-            <a:schemeClr val="accent1"/>
-          </a:fillRef>
-          <a:effectRef idx="0">
-            <a:schemeClr val="accent1"/>
-          </a:effectRef>
-          <a:fontRef idx="minor">
-            <a:schemeClr val="lt1"/>
-          </a:fontRef>
-        </p:style>
-        <p:txBody>
-          <a:bodyPr rtlCol="0" anchor="ctr"/>
-          <a:lstStyle/>
-          <a:p>
-            <a:pPr algn="ctr"/>
-            <a:endParaRPr lang="ko-KR" altLang="en-US"/>
-          </a:p>
-        </p:txBody>
-      </p:sp>
-      <p:pic>
-        <p:nvPicPr>
-          <p:cNvPr id="15" name="그림 14">
-            <a:extLst>
-              <a:ext uri="{FF2B5EF4-FFF2-40B4-BE49-F238E27FC236}">
-                <a16:creationId xmlns:a16="http://schemas.microsoft.com/office/drawing/2014/main" id="{5BF935D9-C6B0-4234-B5AA-18F84875F862}"/>
-              </a:ext>
-            </a:extLst>
-          </p:cNvPr>
-          <p:cNvPicPr>
-            <a:picLocks noChangeAspect="1"/>
-          </p:cNvPicPr>
-          <p:nvPr/>
-        </p:nvPicPr>
-        <p:blipFill>
-          <a:blip r:embed="rId5"/>
-          <a:stretch>
-            <a:fillRect/>
-          </a:stretch>
-        </p:blipFill>
-        <p:spPr>
-          <a:xfrm>
-            <a:off x="3896524" y="2059377"/>
-            <a:ext cx="3230770" cy="3562786"/>
-          </a:xfrm>
-          <a:prstGeom prst="rect">
-            <a:avLst/>
-          </a:prstGeom>
-        </p:spPr>
-      </p:pic>
-      <p:pic>
-        <p:nvPicPr>
-          <p:cNvPr id="17" name="그림 16">
-            <a:extLst>
-              <a:ext uri="{FF2B5EF4-FFF2-40B4-BE49-F238E27FC236}">
-                <a16:creationId xmlns:a16="http://schemas.microsoft.com/office/drawing/2014/main" id="{D54E2A0D-73F7-49C0-B446-6FE2629F4B60}"/>
-              </a:ext>
-            </a:extLst>
-          </p:cNvPr>
-          <p:cNvPicPr>
-            <a:picLocks noChangeAspect="1"/>
-          </p:cNvPicPr>
-          <p:nvPr/>
-        </p:nvPicPr>
-        <p:blipFill>
-          <a:blip r:embed="rId6"/>
-          <a:stretch>
-            <a:fillRect/>
-          </a:stretch>
-        </p:blipFill>
-        <p:spPr>
-          <a:xfrm>
-            <a:off x="7174365" y="2017958"/>
-            <a:ext cx="3641089" cy="3562786"/>
-          </a:xfrm>
-          <a:prstGeom prst="rect">
-            <a:avLst/>
-          </a:prstGeom>
-        </p:spPr>
-      </p:pic>
+        </p:grpSpPr>
+        <p:pic>
+          <p:nvPicPr>
+            <p:cNvPr id="5" name="그림 4">
+              <a:extLst>
+                <a:ext uri="{FF2B5EF4-FFF2-40B4-BE49-F238E27FC236}">
+                  <a16:creationId xmlns:a16="http://schemas.microsoft.com/office/drawing/2014/main" id="{6456680D-656E-49D2-A244-74438785392F}"/>
+                </a:ext>
+              </a:extLst>
+            </p:cNvPr>
+            <p:cNvPicPr>
+              <a:picLocks noChangeAspect="1"/>
+            </p:cNvPicPr>
+            <p:nvPr/>
+          </p:nvPicPr>
+          <p:blipFill>
+            <a:blip r:embed="rId2"/>
+            <a:stretch>
+              <a:fillRect/>
+            </a:stretch>
+          </p:blipFill>
+          <p:spPr>
+            <a:xfrm>
+              <a:off x="499144" y="1865466"/>
+              <a:ext cx="914528" cy="2581635"/>
+            </a:xfrm>
+            <a:prstGeom prst="rect">
+              <a:avLst/>
+            </a:prstGeom>
+          </p:spPr>
+        </p:pic>
+        <p:pic>
+          <p:nvPicPr>
+            <p:cNvPr id="7" name="그림 6">
+              <a:extLst>
+                <a:ext uri="{FF2B5EF4-FFF2-40B4-BE49-F238E27FC236}">
+                  <a16:creationId xmlns:a16="http://schemas.microsoft.com/office/drawing/2014/main" id="{3B8C531E-E4D4-4A32-BF49-618B36A035FA}"/>
+                </a:ext>
+              </a:extLst>
+            </p:cNvPr>
+            <p:cNvPicPr>
+              <a:picLocks noChangeAspect="1"/>
+            </p:cNvPicPr>
+            <p:nvPr/>
+          </p:nvPicPr>
+          <p:blipFill>
+            <a:blip r:embed="rId3"/>
+            <a:stretch>
+              <a:fillRect/>
+            </a:stretch>
+          </p:blipFill>
+          <p:spPr>
+            <a:xfrm>
+              <a:off x="1910977" y="3840770"/>
+              <a:ext cx="562053" cy="695422"/>
+            </a:xfrm>
+            <a:prstGeom prst="rect">
+              <a:avLst/>
+            </a:prstGeom>
+          </p:spPr>
+        </p:pic>
+        <p:pic>
+          <p:nvPicPr>
+            <p:cNvPr id="9" name="그림 8">
+              <a:extLst>
+                <a:ext uri="{FF2B5EF4-FFF2-40B4-BE49-F238E27FC236}">
+                  <a16:creationId xmlns:a16="http://schemas.microsoft.com/office/drawing/2014/main" id="{240F663E-C001-4552-8464-3AECA6275E0E}"/>
+                </a:ext>
+              </a:extLst>
+            </p:cNvPr>
+            <p:cNvPicPr>
+              <a:picLocks noChangeAspect="1"/>
+            </p:cNvPicPr>
+            <p:nvPr/>
+          </p:nvPicPr>
+          <p:blipFill>
+            <a:blip r:embed="rId4"/>
+            <a:stretch>
+              <a:fillRect/>
+            </a:stretch>
+          </p:blipFill>
+          <p:spPr>
+            <a:xfrm>
+              <a:off x="102473" y="4625283"/>
+              <a:ext cx="2622398" cy="374628"/>
+            </a:xfrm>
+            <a:prstGeom prst="rect">
+              <a:avLst/>
+            </a:prstGeom>
+          </p:spPr>
+        </p:pic>
+        <p:sp>
+          <p:nvSpPr>
+            <p:cNvPr id="13" name="화살표: 오른쪽 12">
+              <a:extLst>
+                <a:ext uri="{FF2B5EF4-FFF2-40B4-BE49-F238E27FC236}">
+                  <a16:creationId xmlns:a16="http://schemas.microsoft.com/office/drawing/2014/main" id="{83774A21-B99F-4675-B94A-771E1A5AE682}"/>
+                </a:ext>
+              </a:extLst>
+            </p:cNvPr>
+            <p:cNvSpPr/>
+            <p:nvPr/>
+          </p:nvSpPr>
+          <p:spPr>
+            <a:xfrm>
+              <a:off x="2837166" y="2896779"/>
+              <a:ext cx="579803" cy="519007"/>
+            </a:xfrm>
+            <a:prstGeom prst="rightArrow">
+              <a:avLst/>
+            </a:prstGeom>
+            <a:solidFill>
+              <a:srgbClr val="FFC000"/>
+            </a:solidFill>
+            <a:ln>
+              <a:noFill/>
+            </a:ln>
+          </p:spPr>
+          <p:style>
+            <a:lnRef idx="2">
+              <a:schemeClr val="accent1">
+                <a:shade val="50000"/>
+              </a:schemeClr>
+            </a:lnRef>
+            <a:fillRef idx="1">
+              <a:schemeClr val="accent1"/>
+            </a:fillRef>
+            <a:effectRef idx="0">
+              <a:schemeClr val="accent1"/>
+            </a:effectRef>
+            <a:fontRef idx="minor">
+              <a:schemeClr val="lt1"/>
+            </a:fontRef>
+          </p:style>
+          <p:txBody>
+            <a:bodyPr rtlCol="0" anchor="ctr"/>
+            <a:lstStyle/>
+            <a:p>
+              <a:pPr algn="ctr"/>
+              <a:endParaRPr lang="ko-KR" altLang="en-US"/>
+            </a:p>
+          </p:txBody>
+        </p:sp>
+        <p:pic>
+          <p:nvPicPr>
+            <p:cNvPr id="15" name="그림 14">
+              <a:extLst>
+                <a:ext uri="{FF2B5EF4-FFF2-40B4-BE49-F238E27FC236}">
+                  <a16:creationId xmlns:a16="http://schemas.microsoft.com/office/drawing/2014/main" id="{5BF935D9-C6B0-4234-B5AA-18F84875F862}"/>
+                </a:ext>
+              </a:extLst>
+            </p:cNvPr>
+            <p:cNvPicPr>
+              <a:picLocks noChangeAspect="1"/>
+            </p:cNvPicPr>
+            <p:nvPr/>
+          </p:nvPicPr>
+          <p:blipFill>
+            <a:blip r:embed="rId5"/>
+            <a:stretch>
+              <a:fillRect/>
+            </a:stretch>
+          </p:blipFill>
+          <p:spPr>
+            <a:xfrm>
+              <a:off x="3896524" y="2059377"/>
+              <a:ext cx="3230770" cy="3562786"/>
+            </a:xfrm>
+            <a:prstGeom prst="rect">
+              <a:avLst/>
+            </a:prstGeom>
+          </p:spPr>
+        </p:pic>
+        <p:pic>
+          <p:nvPicPr>
+            <p:cNvPr id="17" name="그림 16">
+              <a:extLst>
+                <a:ext uri="{FF2B5EF4-FFF2-40B4-BE49-F238E27FC236}">
+                  <a16:creationId xmlns:a16="http://schemas.microsoft.com/office/drawing/2014/main" id="{D54E2A0D-73F7-49C0-B446-6FE2629F4B60}"/>
+                </a:ext>
+              </a:extLst>
+            </p:cNvPr>
+            <p:cNvPicPr>
+              <a:picLocks noChangeAspect="1"/>
+            </p:cNvPicPr>
+            <p:nvPr/>
+          </p:nvPicPr>
+          <p:blipFill>
+            <a:blip r:embed="rId6"/>
+            <a:stretch>
+              <a:fillRect/>
+            </a:stretch>
+          </p:blipFill>
+          <p:spPr>
+            <a:xfrm>
+              <a:off x="7174365" y="2017958"/>
+              <a:ext cx="3641089" cy="3562786"/>
+            </a:xfrm>
+            <a:prstGeom prst="rect">
+              <a:avLst/>
+            </a:prstGeom>
+          </p:spPr>
+        </p:pic>
+      </p:grpSp>
     </p:spTree>
     <p:extLst>
       <p:ext uri="{BB962C8B-B14F-4D97-AF65-F5344CB8AC3E}">
@@ -5305,6 +6044,814 @@
 </p:sld>
 </file>
 
+<file path=ppt/slides/slide18.xml><?xml version="1.0" encoding="utf-8"?>
+<p:sld xmlns:a="http://schemas.openxmlformats.org/drawingml/2006/main" xmlns:r="http://schemas.openxmlformats.org/officeDocument/2006/relationships" xmlns:p="http://schemas.openxmlformats.org/presentationml/2006/main">
+  <p:cSld>
+    <p:spTree>
+      <p:nvGrpSpPr>
+        <p:cNvPr id="1" name=""/>
+        <p:cNvGrpSpPr/>
+        <p:nvPr/>
+      </p:nvGrpSpPr>
+      <p:grpSpPr>
+        <a:xfrm>
+          <a:off x="0" y="0"/>
+          <a:ext cx="0" cy="0"/>
+          <a:chOff x="0" y="0"/>
+          <a:chExt cx="0" cy="0"/>
+        </a:xfrm>
+      </p:grpSpPr>
+      <p:sp>
+        <p:nvSpPr>
+          <p:cNvPr id="2" name="제목 1">
+            <a:extLst>
+              <a:ext uri="{FF2B5EF4-FFF2-40B4-BE49-F238E27FC236}">
+                <a16:creationId xmlns:a16="http://schemas.microsoft.com/office/drawing/2014/main" id="{A4258672-ED43-456E-B32B-FB8AEEDC1D86}"/>
+              </a:ext>
+            </a:extLst>
+          </p:cNvPr>
+          <p:cNvSpPr>
+            <a:spLocks noGrp="1"/>
+          </p:cNvSpPr>
+          <p:nvPr>
+            <p:ph type="ctrTitle"/>
+          </p:nvPr>
+        </p:nvSpPr>
+        <p:spPr>
+          <a:xfrm>
+            <a:off x="499144" y="337627"/>
+            <a:ext cx="11269211" cy="748382"/>
+          </a:xfrm>
+        </p:spPr>
+        <p:txBody>
+          <a:bodyPr>
+            <a:normAutofit/>
+          </a:bodyPr>
+          <a:lstStyle/>
+          <a:p>
+            <a:pPr algn="l"/>
+            <a:r>
+              <a:rPr lang="en-US" altLang="ko-KR" sz="3600" b="1" dirty="0"/>
+              <a:t>Stride?</a:t>
+            </a:r>
+            <a:endParaRPr lang="ko-KR" altLang="en-US" sz="3600" b="1" dirty="0"/>
+          </a:p>
+        </p:txBody>
+      </p:sp>
+      <p:sp>
+        <p:nvSpPr>
+          <p:cNvPr id="16" name="TextBox 15">
+            <a:extLst>
+              <a:ext uri="{FF2B5EF4-FFF2-40B4-BE49-F238E27FC236}">
+                <a16:creationId xmlns:a16="http://schemas.microsoft.com/office/drawing/2014/main" id="{F85E03BB-7052-4E6F-BD1D-A848F20206C7}"/>
+              </a:ext>
+            </a:extLst>
+          </p:cNvPr>
+          <p:cNvSpPr txBox="1"/>
+          <p:nvPr/>
+        </p:nvSpPr>
+        <p:spPr>
+          <a:xfrm>
+            <a:off x="499144" y="1415771"/>
+            <a:ext cx="4283317" cy="523220"/>
+          </a:xfrm>
+          <a:prstGeom prst="rect">
+            <a:avLst/>
+          </a:prstGeom>
+          <a:noFill/>
+        </p:spPr>
+        <p:txBody>
+          <a:bodyPr wrap="square" rtlCol="0">
+            <a:spAutoFit/>
+          </a:bodyPr>
+          <a:lstStyle/>
+          <a:p>
+            <a:pPr algn="l"/>
+            <a:r>
+              <a:rPr lang="en-US" altLang="ko-KR" sz="2800" b="1" dirty="0">
+                <a:latin typeface="MalgunGothicBold"/>
+              </a:rPr>
+              <a:t>Ex) stride == 1</a:t>
+            </a:r>
+            <a:endParaRPr lang="ko-KR" altLang="en-US" sz="2400" b="1" dirty="0"/>
+          </a:p>
+        </p:txBody>
+      </p:sp>
+      <p:pic>
+        <p:nvPicPr>
+          <p:cNvPr id="4" name="그림 3">
+            <a:extLst>
+              <a:ext uri="{FF2B5EF4-FFF2-40B4-BE49-F238E27FC236}">
+                <a16:creationId xmlns:a16="http://schemas.microsoft.com/office/drawing/2014/main" id="{86590EF3-5A0C-4A53-97EE-4933BBD474DD}"/>
+              </a:ext>
+            </a:extLst>
+          </p:cNvPr>
+          <p:cNvPicPr>
+            <a:picLocks noChangeAspect="1"/>
+          </p:cNvPicPr>
+          <p:nvPr/>
+        </p:nvPicPr>
+        <p:blipFill>
+          <a:blip r:embed="rId2"/>
+          <a:stretch>
+            <a:fillRect/>
+          </a:stretch>
+        </p:blipFill>
+        <p:spPr>
+          <a:xfrm>
+            <a:off x="499144" y="2268753"/>
+            <a:ext cx="3353268" cy="3496163"/>
+          </a:xfrm>
+          <a:prstGeom prst="rect">
+            <a:avLst/>
+          </a:prstGeom>
+        </p:spPr>
+      </p:pic>
+      <p:sp>
+        <p:nvSpPr>
+          <p:cNvPr id="7" name="직사각형 6">
+            <a:extLst>
+              <a:ext uri="{FF2B5EF4-FFF2-40B4-BE49-F238E27FC236}">
+                <a16:creationId xmlns:a16="http://schemas.microsoft.com/office/drawing/2014/main" id="{40182E93-49EB-4AA6-9696-86F8549BA45F}"/>
+              </a:ext>
+            </a:extLst>
+          </p:cNvPr>
+          <p:cNvSpPr/>
+          <p:nvPr/>
+        </p:nvSpPr>
+        <p:spPr>
+          <a:xfrm>
+            <a:off x="529388" y="2759242"/>
+            <a:ext cx="1299411" cy="1299411"/>
+          </a:xfrm>
+          <a:prstGeom prst="rect">
+            <a:avLst/>
+          </a:prstGeom>
+          <a:noFill/>
+          <a:ln w="57150">
+            <a:solidFill>
+              <a:schemeClr val="accent2"/>
+            </a:solidFill>
+          </a:ln>
+        </p:spPr>
+        <p:style>
+          <a:lnRef idx="2">
+            <a:schemeClr val="accent1">
+              <a:shade val="50000"/>
+            </a:schemeClr>
+          </a:lnRef>
+          <a:fillRef idx="1">
+            <a:schemeClr val="accent1"/>
+          </a:fillRef>
+          <a:effectRef idx="0">
+            <a:schemeClr val="accent1"/>
+          </a:effectRef>
+          <a:fontRef idx="minor">
+            <a:schemeClr val="lt1"/>
+          </a:fontRef>
+        </p:style>
+        <p:txBody>
+          <a:bodyPr rtlCol="0" anchor="ctr"/>
+          <a:lstStyle/>
+          <a:p>
+            <a:pPr algn="ctr"/>
+            <a:endParaRPr lang="ko-KR" altLang="en-US" dirty="0"/>
+          </a:p>
+        </p:txBody>
+      </p:sp>
+      <p:cxnSp>
+        <p:nvCxnSpPr>
+          <p:cNvPr id="10" name="직선 화살표 연결선 9">
+            <a:extLst>
+              <a:ext uri="{FF2B5EF4-FFF2-40B4-BE49-F238E27FC236}">
+                <a16:creationId xmlns:a16="http://schemas.microsoft.com/office/drawing/2014/main" id="{92658260-EB62-451A-8F16-C6BB926D426E}"/>
+              </a:ext>
+            </a:extLst>
+          </p:cNvPr>
+          <p:cNvCxnSpPr>
+            <a:cxnSpLocks/>
+          </p:cNvCxnSpPr>
+          <p:nvPr/>
+        </p:nvCxnSpPr>
+        <p:spPr>
+          <a:xfrm>
+            <a:off x="705853" y="3914274"/>
+            <a:ext cx="1459831" cy="0"/>
+          </a:xfrm>
+          <a:prstGeom prst="straightConnector1">
+            <a:avLst/>
+          </a:prstGeom>
+          <a:ln w="57150">
+            <a:solidFill>
+              <a:srgbClr val="002060"/>
+            </a:solidFill>
+            <a:tailEnd type="triangle"/>
+          </a:ln>
+        </p:spPr>
+        <p:style>
+          <a:lnRef idx="1">
+            <a:schemeClr val="accent1"/>
+          </a:lnRef>
+          <a:fillRef idx="0">
+            <a:schemeClr val="accent1"/>
+          </a:fillRef>
+          <a:effectRef idx="0">
+            <a:schemeClr val="accent1"/>
+          </a:effectRef>
+          <a:fontRef idx="minor">
+            <a:schemeClr val="tx1"/>
+          </a:fontRef>
+        </p:style>
+      </p:cxnSp>
+      <p:pic>
+        <p:nvPicPr>
+          <p:cNvPr id="14" name="그림 13">
+            <a:extLst>
+              <a:ext uri="{FF2B5EF4-FFF2-40B4-BE49-F238E27FC236}">
+                <a16:creationId xmlns:a16="http://schemas.microsoft.com/office/drawing/2014/main" id="{FAD89370-124D-4B38-9AA3-09470739B09C}"/>
+              </a:ext>
+            </a:extLst>
+          </p:cNvPr>
+          <p:cNvPicPr>
+            <a:picLocks noChangeAspect="1"/>
+          </p:cNvPicPr>
+          <p:nvPr/>
+        </p:nvPicPr>
+        <p:blipFill>
+          <a:blip r:embed="rId3"/>
+          <a:stretch>
+            <a:fillRect/>
+          </a:stretch>
+        </p:blipFill>
+        <p:spPr>
+          <a:xfrm>
+            <a:off x="4141888" y="2291519"/>
+            <a:ext cx="3362794" cy="3534268"/>
+          </a:xfrm>
+          <a:prstGeom prst="rect">
+            <a:avLst/>
+          </a:prstGeom>
+        </p:spPr>
+      </p:pic>
+      <p:sp>
+        <p:nvSpPr>
+          <p:cNvPr id="15" name="TextBox 14">
+            <a:extLst>
+              <a:ext uri="{FF2B5EF4-FFF2-40B4-BE49-F238E27FC236}">
+                <a16:creationId xmlns:a16="http://schemas.microsoft.com/office/drawing/2014/main" id="{166DE064-C142-469F-B5CB-1DA1817E8855}"/>
+              </a:ext>
+            </a:extLst>
+          </p:cNvPr>
+          <p:cNvSpPr txBox="1"/>
+          <p:nvPr/>
+        </p:nvSpPr>
+        <p:spPr>
+          <a:xfrm>
+            <a:off x="7794158" y="3555169"/>
+            <a:ext cx="1138990" cy="923330"/>
+          </a:xfrm>
+          <a:prstGeom prst="rect">
+            <a:avLst/>
+          </a:prstGeom>
+          <a:noFill/>
+        </p:spPr>
+        <p:txBody>
+          <a:bodyPr wrap="square" rtlCol="0">
+            <a:spAutoFit/>
+          </a:bodyPr>
+          <a:lstStyle/>
+          <a:p>
+            <a:r>
+              <a:rPr lang="en-US" altLang="ko-KR" sz="5400" dirty="0">
+                <a:solidFill>
+                  <a:srgbClr val="002060"/>
+                </a:solidFill>
+              </a:rPr>
+              <a:t>…</a:t>
+            </a:r>
+            <a:endParaRPr lang="ko-KR" altLang="en-US" sz="5400" dirty="0">
+              <a:solidFill>
+                <a:srgbClr val="002060"/>
+              </a:solidFill>
+            </a:endParaRPr>
+          </a:p>
+        </p:txBody>
+      </p:sp>
+      <p:pic>
+        <p:nvPicPr>
+          <p:cNvPr id="19" name="그림 18">
+            <a:extLst>
+              <a:ext uri="{FF2B5EF4-FFF2-40B4-BE49-F238E27FC236}">
+                <a16:creationId xmlns:a16="http://schemas.microsoft.com/office/drawing/2014/main" id="{A86294E2-8F28-4B77-97D0-FD086081AE16}"/>
+              </a:ext>
+            </a:extLst>
+          </p:cNvPr>
+          <p:cNvPicPr>
+            <a:picLocks noChangeAspect="1"/>
+          </p:cNvPicPr>
+          <p:nvPr/>
+        </p:nvPicPr>
+        <p:blipFill>
+          <a:blip r:embed="rId4"/>
+          <a:stretch>
+            <a:fillRect/>
+          </a:stretch>
+        </p:blipFill>
+        <p:spPr>
+          <a:xfrm>
+            <a:off x="8623788" y="2297116"/>
+            <a:ext cx="3345364" cy="3528671"/>
+          </a:xfrm>
+          <a:prstGeom prst="rect">
+            <a:avLst/>
+          </a:prstGeom>
+        </p:spPr>
+      </p:pic>
+      <p:sp>
+        <p:nvSpPr>
+          <p:cNvPr id="20" name="TextBox 19">
+            <a:extLst>
+              <a:ext uri="{FF2B5EF4-FFF2-40B4-BE49-F238E27FC236}">
+                <a16:creationId xmlns:a16="http://schemas.microsoft.com/office/drawing/2014/main" id="{7FDCC4FD-E3A9-4AD6-B8DE-D929B8F00013}"/>
+              </a:ext>
+            </a:extLst>
+          </p:cNvPr>
+          <p:cNvSpPr txBox="1"/>
+          <p:nvPr/>
+        </p:nvSpPr>
+        <p:spPr>
+          <a:xfrm>
+            <a:off x="1105884" y="4078389"/>
+            <a:ext cx="1629294" cy="707886"/>
+          </a:xfrm>
+          <a:prstGeom prst="rect">
+            <a:avLst/>
+          </a:prstGeom>
+          <a:noFill/>
+        </p:spPr>
+        <p:txBody>
+          <a:bodyPr wrap="square" rtlCol="0">
+            <a:spAutoFit/>
+          </a:bodyPr>
+          <a:lstStyle/>
+          <a:p>
+            <a:r>
+              <a:rPr lang="en-US" altLang="ko-KR" sz="2000" b="1" dirty="0"/>
+              <a:t>(</a:t>
+            </a:r>
+            <a:r>
+              <a:rPr lang="ko-KR" altLang="en-US" sz="2000" b="1" dirty="0" err="1"/>
+              <a:t>한칸</a:t>
+            </a:r>
+            <a:r>
+              <a:rPr lang="en-US" altLang="ko-KR" sz="2000" b="1" dirty="0"/>
+              <a:t>)</a:t>
+            </a:r>
+          </a:p>
+          <a:p>
+            <a:r>
+              <a:rPr lang="en-US" altLang="ko-KR" sz="2000" b="1" dirty="0"/>
+              <a:t>stride == 1</a:t>
+            </a:r>
+            <a:endParaRPr lang="ko-KR" altLang="en-US" sz="2000" b="1" dirty="0"/>
+          </a:p>
+        </p:txBody>
+      </p:sp>
+      <p:sp>
+        <p:nvSpPr>
+          <p:cNvPr id="23" name="TextBox 22">
+            <a:extLst>
+              <a:ext uri="{FF2B5EF4-FFF2-40B4-BE49-F238E27FC236}">
+                <a16:creationId xmlns:a16="http://schemas.microsoft.com/office/drawing/2014/main" id="{A6D73598-1BA6-45F6-A0B4-05CAAE223E30}"/>
+              </a:ext>
+            </a:extLst>
+          </p:cNvPr>
+          <p:cNvSpPr txBox="1"/>
+          <p:nvPr/>
+        </p:nvSpPr>
+        <p:spPr>
+          <a:xfrm>
+            <a:off x="8933148" y="1415771"/>
+            <a:ext cx="2478309" cy="584775"/>
+          </a:xfrm>
+          <a:prstGeom prst="rect">
+            <a:avLst/>
+          </a:prstGeom>
+          <a:noFill/>
+        </p:spPr>
+        <p:txBody>
+          <a:bodyPr wrap="square" rtlCol="0">
+            <a:spAutoFit/>
+          </a:bodyPr>
+          <a:lstStyle/>
+          <a:p>
+            <a:pPr algn="l"/>
+            <a:r>
+              <a:rPr lang="ko-KR" altLang="en-US" sz="3200" b="1" dirty="0">
+                <a:solidFill>
+                  <a:srgbClr val="0070C0"/>
+                </a:solidFill>
+                <a:latin typeface="MalgunGothicBold"/>
+              </a:rPr>
+              <a:t>∴ </a:t>
+            </a:r>
+            <a:r>
+              <a:rPr lang="en-US" altLang="ko-KR" sz="3200" b="1" dirty="0">
+                <a:solidFill>
+                  <a:srgbClr val="0070C0"/>
+                </a:solidFill>
+                <a:latin typeface="MalgunGothicBold"/>
+              </a:rPr>
+              <a:t>5x5 output!</a:t>
+            </a:r>
+            <a:endParaRPr lang="ko-KR" altLang="en-US" sz="3200" b="1" dirty="0">
+              <a:solidFill>
+                <a:srgbClr val="0070C0"/>
+              </a:solidFill>
+            </a:endParaRPr>
+          </a:p>
+        </p:txBody>
+      </p:sp>
+    </p:spTree>
+    <p:extLst>
+      <p:ext uri="{BB962C8B-B14F-4D97-AF65-F5344CB8AC3E}">
+        <p14:creationId xmlns:p14="http://schemas.microsoft.com/office/powerpoint/2010/main" val="3867800264"/>
+      </p:ext>
+    </p:extLst>
+  </p:cSld>
+  <p:clrMapOvr>
+    <a:masterClrMapping/>
+  </p:clrMapOvr>
+</p:sld>
+</file>
+
+<file path=ppt/slides/slide19.xml><?xml version="1.0" encoding="utf-8"?>
+<p:sld xmlns:a="http://schemas.openxmlformats.org/drawingml/2006/main" xmlns:r="http://schemas.openxmlformats.org/officeDocument/2006/relationships" xmlns:p="http://schemas.openxmlformats.org/presentationml/2006/main">
+  <p:cSld>
+    <p:spTree>
+      <p:nvGrpSpPr>
+        <p:cNvPr id="1" name=""/>
+        <p:cNvGrpSpPr/>
+        <p:nvPr/>
+      </p:nvGrpSpPr>
+      <p:grpSpPr>
+        <a:xfrm>
+          <a:off x="0" y="0"/>
+          <a:ext cx="0" cy="0"/>
+          <a:chOff x="0" y="0"/>
+          <a:chExt cx="0" cy="0"/>
+        </a:xfrm>
+      </p:grpSpPr>
+      <p:sp>
+        <p:nvSpPr>
+          <p:cNvPr id="2" name="제목 1">
+            <a:extLst>
+              <a:ext uri="{FF2B5EF4-FFF2-40B4-BE49-F238E27FC236}">
+                <a16:creationId xmlns:a16="http://schemas.microsoft.com/office/drawing/2014/main" id="{A4258672-ED43-456E-B32B-FB8AEEDC1D86}"/>
+              </a:ext>
+            </a:extLst>
+          </p:cNvPr>
+          <p:cNvSpPr>
+            <a:spLocks noGrp="1"/>
+          </p:cNvSpPr>
+          <p:nvPr>
+            <p:ph type="ctrTitle"/>
+          </p:nvPr>
+        </p:nvSpPr>
+        <p:spPr>
+          <a:xfrm>
+            <a:off x="499144" y="337627"/>
+            <a:ext cx="11269211" cy="748382"/>
+          </a:xfrm>
+        </p:spPr>
+        <p:txBody>
+          <a:bodyPr>
+            <a:normAutofit/>
+          </a:bodyPr>
+          <a:lstStyle/>
+          <a:p>
+            <a:pPr algn="l"/>
+            <a:r>
+              <a:rPr lang="en-US" altLang="ko-KR" sz="3600" b="1" dirty="0"/>
+              <a:t>Stride?</a:t>
+            </a:r>
+            <a:endParaRPr lang="ko-KR" altLang="en-US" sz="3600" b="1" dirty="0"/>
+          </a:p>
+        </p:txBody>
+      </p:sp>
+      <p:sp>
+        <p:nvSpPr>
+          <p:cNvPr id="16" name="TextBox 15">
+            <a:extLst>
+              <a:ext uri="{FF2B5EF4-FFF2-40B4-BE49-F238E27FC236}">
+                <a16:creationId xmlns:a16="http://schemas.microsoft.com/office/drawing/2014/main" id="{F85E03BB-7052-4E6F-BD1D-A848F20206C7}"/>
+              </a:ext>
+            </a:extLst>
+          </p:cNvPr>
+          <p:cNvSpPr txBox="1"/>
+          <p:nvPr/>
+        </p:nvSpPr>
+        <p:spPr>
+          <a:xfrm>
+            <a:off x="499144" y="1415771"/>
+            <a:ext cx="4283317" cy="523220"/>
+          </a:xfrm>
+          <a:prstGeom prst="rect">
+            <a:avLst/>
+          </a:prstGeom>
+          <a:noFill/>
+        </p:spPr>
+        <p:txBody>
+          <a:bodyPr wrap="square" rtlCol="0">
+            <a:spAutoFit/>
+          </a:bodyPr>
+          <a:lstStyle/>
+          <a:p>
+            <a:pPr algn="l"/>
+            <a:r>
+              <a:rPr lang="en-US" altLang="ko-KR" sz="2800" b="1" dirty="0">
+                <a:latin typeface="MalgunGothicBold"/>
+              </a:rPr>
+              <a:t>Ex) stride == 2</a:t>
+            </a:r>
+            <a:endParaRPr lang="ko-KR" altLang="en-US" sz="2400" b="1" dirty="0"/>
+          </a:p>
+        </p:txBody>
+      </p:sp>
+      <p:pic>
+        <p:nvPicPr>
+          <p:cNvPr id="4" name="그림 3">
+            <a:extLst>
+              <a:ext uri="{FF2B5EF4-FFF2-40B4-BE49-F238E27FC236}">
+                <a16:creationId xmlns:a16="http://schemas.microsoft.com/office/drawing/2014/main" id="{86590EF3-5A0C-4A53-97EE-4933BBD474DD}"/>
+              </a:ext>
+            </a:extLst>
+          </p:cNvPr>
+          <p:cNvPicPr>
+            <a:picLocks noChangeAspect="1"/>
+          </p:cNvPicPr>
+          <p:nvPr/>
+        </p:nvPicPr>
+        <p:blipFill>
+          <a:blip r:embed="rId2"/>
+          <a:stretch>
+            <a:fillRect/>
+          </a:stretch>
+        </p:blipFill>
+        <p:spPr>
+          <a:xfrm>
+            <a:off x="499144" y="2268753"/>
+            <a:ext cx="3353268" cy="3496163"/>
+          </a:xfrm>
+          <a:prstGeom prst="rect">
+            <a:avLst/>
+          </a:prstGeom>
+        </p:spPr>
+      </p:pic>
+      <p:sp>
+        <p:nvSpPr>
+          <p:cNvPr id="23" name="TextBox 22">
+            <a:extLst>
+              <a:ext uri="{FF2B5EF4-FFF2-40B4-BE49-F238E27FC236}">
+                <a16:creationId xmlns:a16="http://schemas.microsoft.com/office/drawing/2014/main" id="{A6D73598-1BA6-45F6-A0B4-05CAAE223E30}"/>
+              </a:ext>
+            </a:extLst>
+          </p:cNvPr>
+          <p:cNvSpPr txBox="1"/>
+          <p:nvPr/>
+        </p:nvSpPr>
+        <p:spPr>
+          <a:xfrm>
+            <a:off x="8933148" y="1415771"/>
+            <a:ext cx="2478309" cy="584775"/>
+          </a:xfrm>
+          <a:prstGeom prst="rect">
+            <a:avLst/>
+          </a:prstGeom>
+          <a:noFill/>
+        </p:spPr>
+        <p:txBody>
+          <a:bodyPr wrap="square" rtlCol="0">
+            <a:spAutoFit/>
+          </a:bodyPr>
+          <a:lstStyle/>
+          <a:p>
+            <a:pPr algn="l"/>
+            <a:r>
+              <a:rPr lang="ko-KR" altLang="en-US" sz="3200" b="1" dirty="0">
+                <a:solidFill>
+                  <a:srgbClr val="0070C0"/>
+                </a:solidFill>
+                <a:latin typeface="MalgunGothicBold"/>
+              </a:rPr>
+              <a:t>∴ </a:t>
+            </a:r>
+            <a:r>
+              <a:rPr lang="en-US" altLang="ko-KR" sz="3200" b="1" dirty="0">
+                <a:solidFill>
+                  <a:srgbClr val="0070C0"/>
+                </a:solidFill>
+                <a:latin typeface="MalgunGothicBold"/>
+              </a:rPr>
+              <a:t>3x3 output!</a:t>
+            </a:r>
+            <a:endParaRPr lang="ko-KR" altLang="en-US" sz="3200" b="1" dirty="0">
+              <a:solidFill>
+                <a:srgbClr val="0070C0"/>
+              </a:solidFill>
+            </a:endParaRPr>
+          </a:p>
+        </p:txBody>
+      </p:sp>
+      <p:pic>
+        <p:nvPicPr>
+          <p:cNvPr id="5" name="그림 4">
+            <a:extLst>
+              <a:ext uri="{FF2B5EF4-FFF2-40B4-BE49-F238E27FC236}">
+                <a16:creationId xmlns:a16="http://schemas.microsoft.com/office/drawing/2014/main" id="{32859DF1-4682-45CA-ADB7-6A49DE7FAA6B}"/>
+              </a:ext>
+            </a:extLst>
+          </p:cNvPr>
+          <p:cNvPicPr>
+            <a:picLocks noChangeAspect="1"/>
+          </p:cNvPicPr>
+          <p:nvPr/>
+        </p:nvPicPr>
+        <p:blipFill>
+          <a:blip r:embed="rId3"/>
+          <a:stretch>
+            <a:fillRect/>
+          </a:stretch>
+        </p:blipFill>
+        <p:spPr>
+          <a:xfrm>
+            <a:off x="4346206" y="2268753"/>
+            <a:ext cx="7177546" cy="3659759"/>
+          </a:xfrm>
+          <a:prstGeom prst="rect">
+            <a:avLst/>
+          </a:prstGeom>
+        </p:spPr>
+      </p:pic>
+      <p:sp>
+        <p:nvSpPr>
+          <p:cNvPr id="17" name="직사각형 16">
+            <a:extLst>
+              <a:ext uri="{FF2B5EF4-FFF2-40B4-BE49-F238E27FC236}">
+                <a16:creationId xmlns:a16="http://schemas.microsoft.com/office/drawing/2014/main" id="{9E25A674-4377-4388-8470-2DC96F363CBA}"/>
+              </a:ext>
+            </a:extLst>
+          </p:cNvPr>
+          <p:cNvSpPr/>
+          <p:nvPr/>
+        </p:nvSpPr>
+        <p:spPr>
+          <a:xfrm>
+            <a:off x="529388" y="2759242"/>
+            <a:ext cx="1299411" cy="1299411"/>
+          </a:xfrm>
+          <a:prstGeom prst="rect">
+            <a:avLst/>
+          </a:prstGeom>
+          <a:noFill/>
+          <a:ln w="57150">
+            <a:solidFill>
+              <a:schemeClr val="accent2"/>
+            </a:solidFill>
+          </a:ln>
+        </p:spPr>
+        <p:style>
+          <a:lnRef idx="2">
+            <a:schemeClr val="accent1">
+              <a:shade val="50000"/>
+            </a:schemeClr>
+          </a:lnRef>
+          <a:fillRef idx="1">
+            <a:schemeClr val="accent1"/>
+          </a:fillRef>
+          <a:effectRef idx="0">
+            <a:schemeClr val="accent1"/>
+          </a:effectRef>
+          <a:fontRef idx="minor">
+            <a:schemeClr val="lt1"/>
+          </a:fontRef>
+        </p:style>
+        <p:txBody>
+          <a:bodyPr rtlCol="0" anchor="ctr"/>
+          <a:lstStyle/>
+          <a:p>
+            <a:pPr algn="ctr"/>
+            <a:endParaRPr lang="ko-KR" altLang="en-US" dirty="0"/>
+          </a:p>
+        </p:txBody>
+      </p:sp>
+      <p:cxnSp>
+        <p:nvCxnSpPr>
+          <p:cNvPr id="18" name="직선 화살표 연결선 17">
+            <a:extLst>
+              <a:ext uri="{FF2B5EF4-FFF2-40B4-BE49-F238E27FC236}">
+                <a16:creationId xmlns:a16="http://schemas.microsoft.com/office/drawing/2014/main" id="{8DDBB771-A83B-418B-91BB-0FA157736CFB}"/>
+              </a:ext>
+            </a:extLst>
+          </p:cNvPr>
+          <p:cNvCxnSpPr>
+            <a:cxnSpLocks/>
+          </p:cNvCxnSpPr>
+          <p:nvPr/>
+        </p:nvCxnSpPr>
+        <p:spPr>
+          <a:xfrm>
+            <a:off x="705853" y="3914274"/>
+            <a:ext cx="1812758" cy="0"/>
+          </a:xfrm>
+          <a:prstGeom prst="straightConnector1">
+            <a:avLst/>
+          </a:prstGeom>
+          <a:ln w="57150">
+            <a:solidFill>
+              <a:srgbClr val="002060"/>
+            </a:solidFill>
+            <a:tailEnd type="triangle"/>
+          </a:ln>
+        </p:spPr>
+        <p:style>
+          <a:lnRef idx="1">
+            <a:schemeClr val="accent1"/>
+          </a:lnRef>
+          <a:fillRef idx="0">
+            <a:schemeClr val="accent1"/>
+          </a:fillRef>
+          <a:effectRef idx="0">
+            <a:schemeClr val="accent1"/>
+          </a:effectRef>
+          <a:fontRef idx="minor">
+            <a:schemeClr val="tx1"/>
+          </a:fontRef>
+        </p:style>
+      </p:cxnSp>
+      <p:sp>
+        <p:nvSpPr>
+          <p:cNvPr id="21" name="TextBox 20">
+            <a:extLst>
+              <a:ext uri="{FF2B5EF4-FFF2-40B4-BE49-F238E27FC236}">
+                <a16:creationId xmlns:a16="http://schemas.microsoft.com/office/drawing/2014/main" id="{D362C24D-79B2-4C12-A3B3-C9797AAF5775}"/>
+              </a:ext>
+            </a:extLst>
+          </p:cNvPr>
+          <p:cNvSpPr txBox="1"/>
+          <p:nvPr/>
+        </p:nvSpPr>
+        <p:spPr>
+          <a:xfrm>
+            <a:off x="1105884" y="4078389"/>
+            <a:ext cx="1629294" cy="707886"/>
+          </a:xfrm>
+          <a:prstGeom prst="rect">
+            <a:avLst/>
+          </a:prstGeom>
+          <a:noFill/>
+        </p:spPr>
+        <p:txBody>
+          <a:bodyPr wrap="square" rtlCol="0">
+            <a:spAutoFit/>
+          </a:bodyPr>
+          <a:lstStyle/>
+          <a:p>
+            <a:r>
+              <a:rPr lang="en-US" altLang="ko-KR" sz="2000" b="1" dirty="0"/>
+              <a:t>(</a:t>
+            </a:r>
+            <a:r>
+              <a:rPr lang="ko-KR" altLang="en-US" sz="2000" b="1" dirty="0" err="1"/>
+              <a:t>두칸</a:t>
+            </a:r>
+            <a:r>
+              <a:rPr lang="en-US" altLang="ko-KR" sz="2000" b="1" dirty="0"/>
+              <a:t>)</a:t>
+            </a:r>
+          </a:p>
+          <a:p>
+            <a:r>
+              <a:rPr lang="en-US" altLang="ko-KR" sz="2000" b="1" dirty="0"/>
+              <a:t>stride == 2</a:t>
+            </a:r>
+            <a:endParaRPr lang="ko-KR" altLang="en-US" sz="2000" b="1" dirty="0"/>
+          </a:p>
+        </p:txBody>
+      </p:sp>
+    </p:spTree>
+    <p:extLst>
+      <p:ext uri="{BB962C8B-B14F-4D97-AF65-F5344CB8AC3E}">
+        <p14:creationId xmlns:p14="http://schemas.microsoft.com/office/powerpoint/2010/main" val="2221372896"/>
+      </p:ext>
+    </p:extLst>
+  </p:cSld>
+  <p:clrMapOvr>
+    <a:masterClrMapping/>
+  </p:clrMapOvr>
+</p:sld>
+</file>
+
 <file path=ppt/slides/slide2.xml><?xml version="1.0" encoding="utf-8"?>
 <p:sld xmlns:a="http://schemas.openxmlformats.org/drawingml/2006/main" xmlns:r="http://schemas.openxmlformats.org/officeDocument/2006/relationships" xmlns:p="http://schemas.openxmlformats.org/presentationml/2006/main">
   <p:cSld>
@@ -5438,6 +6985,3807 @@
     <p:extLst>
       <p:ext uri="{BB962C8B-B14F-4D97-AF65-F5344CB8AC3E}">
         <p14:creationId xmlns:p14="http://schemas.microsoft.com/office/powerpoint/2010/main" val="1146311563"/>
+      </p:ext>
+    </p:extLst>
+  </p:cSld>
+  <p:clrMapOvr>
+    <a:masterClrMapping/>
+  </p:clrMapOvr>
+</p:sld>
+</file>
+
+<file path=ppt/slides/slide20.xml><?xml version="1.0" encoding="utf-8"?>
+<p:sld xmlns:a="http://schemas.openxmlformats.org/drawingml/2006/main" xmlns:r="http://schemas.openxmlformats.org/officeDocument/2006/relationships" xmlns:p="http://schemas.openxmlformats.org/presentationml/2006/main">
+  <p:cSld>
+    <p:spTree>
+      <p:nvGrpSpPr>
+        <p:cNvPr id="1" name=""/>
+        <p:cNvGrpSpPr/>
+        <p:nvPr/>
+      </p:nvGrpSpPr>
+      <p:grpSpPr>
+        <a:xfrm>
+          <a:off x="0" y="0"/>
+          <a:ext cx="0" cy="0"/>
+          <a:chOff x="0" y="0"/>
+          <a:chExt cx="0" cy="0"/>
+        </a:xfrm>
+      </p:grpSpPr>
+      <p:sp>
+        <p:nvSpPr>
+          <p:cNvPr id="2" name="제목 1">
+            <a:extLst>
+              <a:ext uri="{FF2B5EF4-FFF2-40B4-BE49-F238E27FC236}">
+                <a16:creationId xmlns:a16="http://schemas.microsoft.com/office/drawing/2014/main" id="{A4258672-ED43-456E-B32B-FB8AEEDC1D86}"/>
+              </a:ext>
+            </a:extLst>
+          </p:cNvPr>
+          <p:cNvSpPr>
+            <a:spLocks noGrp="1"/>
+          </p:cNvSpPr>
+          <p:nvPr>
+            <p:ph type="ctrTitle"/>
+          </p:nvPr>
+        </p:nvSpPr>
+        <p:spPr>
+          <a:xfrm>
+            <a:off x="499144" y="337627"/>
+            <a:ext cx="11269211" cy="748382"/>
+          </a:xfrm>
+        </p:spPr>
+        <p:txBody>
+          <a:bodyPr>
+            <a:normAutofit/>
+          </a:bodyPr>
+          <a:lstStyle/>
+          <a:p>
+            <a:pPr algn="l"/>
+            <a:r>
+              <a:rPr lang="en-US" altLang="ko-KR" sz="3600" b="1" dirty="0"/>
+              <a:t>Stride?</a:t>
+            </a:r>
+            <a:endParaRPr lang="ko-KR" altLang="en-US" sz="3600" b="1" dirty="0"/>
+          </a:p>
+        </p:txBody>
+      </p:sp>
+      <mc:AlternateContent xmlns:mc="http://schemas.openxmlformats.org/markup-compatibility/2006">
+        <mc:Choice xmlns:p14="http://schemas.microsoft.com/office/powerpoint/2010/main" Requires="p14">
+          <p:contentPart p14:bwMode="auto" r:id="rId2">
+            <p14:nvContentPartPr>
+              <p14:cNvPr id="35" name="잉크 34">
+                <a:extLst>
+                  <a:ext uri="{FF2B5EF4-FFF2-40B4-BE49-F238E27FC236}">
+                    <a16:creationId xmlns:a16="http://schemas.microsoft.com/office/drawing/2014/main" id="{6D3EBD7B-F07A-47C1-8FB5-44A87D69E4E2}"/>
+                  </a:ext>
+                </a:extLst>
+              </p14:cNvPr>
+              <p14:cNvContentPartPr/>
+              <p14:nvPr/>
+            </p14:nvContentPartPr>
+            <p14:xfrm>
+              <a:off x="6737135" y="-1251682"/>
+              <a:ext cx="360" cy="360"/>
+            </p14:xfrm>
+          </p:contentPart>
+        </mc:Choice>
+        <mc:Fallback>
+          <p:pic>
+            <p:nvPicPr>
+              <p:cNvPr id="35" name="잉크 34">
+                <a:extLst>
+                  <a:ext uri="{FF2B5EF4-FFF2-40B4-BE49-F238E27FC236}">
+                    <a16:creationId xmlns:a16="http://schemas.microsoft.com/office/drawing/2014/main" id="{6D3EBD7B-F07A-47C1-8FB5-44A87D69E4E2}"/>
+                  </a:ext>
+                </a:extLst>
+              </p:cNvPr>
+              <p:cNvPicPr/>
+              <p:nvPr/>
+            </p:nvPicPr>
+            <p:blipFill>
+              <a:blip r:embed="rId3"/>
+              <a:stretch>
+                <a:fillRect/>
+              </a:stretch>
+            </p:blipFill>
+            <p:spPr>
+              <a:xfrm>
+                <a:off x="6728135" y="-1260322"/>
+                <a:ext cx="18000" cy="18000"/>
+              </a:xfrm>
+              <a:prstGeom prst="rect">
+                <a:avLst/>
+              </a:prstGeom>
+            </p:spPr>
+          </p:pic>
+        </mc:Fallback>
+      </mc:AlternateContent>
+      <mc:AlternateContent xmlns:mc="http://schemas.openxmlformats.org/markup-compatibility/2006">
+        <mc:Choice xmlns:p14="http://schemas.microsoft.com/office/powerpoint/2010/main" Requires="p14">
+          <p:contentPart p14:bwMode="auto" r:id="rId4">
+            <p14:nvContentPartPr>
+              <p14:cNvPr id="36" name="잉크 35">
+                <a:extLst>
+                  <a:ext uri="{FF2B5EF4-FFF2-40B4-BE49-F238E27FC236}">
+                    <a16:creationId xmlns:a16="http://schemas.microsoft.com/office/drawing/2014/main" id="{8008A02C-E256-48EB-BC1B-4B66B5E2E6CB}"/>
+                  </a:ext>
+                </a:extLst>
+              </p14:cNvPr>
+              <p14:cNvContentPartPr/>
+              <p14:nvPr/>
+            </p14:nvContentPartPr>
+            <p14:xfrm>
+              <a:off x="10040184" y="1812600"/>
+              <a:ext cx="3960" cy="360"/>
+            </p14:xfrm>
+          </p:contentPart>
+        </mc:Choice>
+        <mc:Fallback>
+          <p:pic>
+            <p:nvPicPr>
+              <p:cNvPr id="36" name="잉크 35">
+                <a:extLst>
+                  <a:ext uri="{FF2B5EF4-FFF2-40B4-BE49-F238E27FC236}">
+                    <a16:creationId xmlns:a16="http://schemas.microsoft.com/office/drawing/2014/main" id="{8008A02C-E256-48EB-BC1B-4B66B5E2E6CB}"/>
+                  </a:ext>
+                </a:extLst>
+              </p:cNvPr>
+              <p:cNvPicPr/>
+              <p:nvPr/>
+            </p:nvPicPr>
+            <p:blipFill>
+              <a:blip r:embed="rId3"/>
+              <a:stretch>
+                <a:fillRect/>
+              </a:stretch>
+            </p:blipFill>
+            <p:spPr>
+              <a:xfrm>
+                <a:off x="10031544" y="1803600"/>
+                <a:ext cx="21600" cy="18000"/>
+              </a:xfrm>
+              <a:prstGeom prst="rect">
+                <a:avLst/>
+              </a:prstGeom>
+            </p:spPr>
+          </p:pic>
+        </mc:Fallback>
+      </mc:AlternateContent>
+      <p:pic>
+        <p:nvPicPr>
+          <p:cNvPr id="38" name="그림 37">
+            <a:extLst>
+              <a:ext uri="{FF2B5EF4-FFF2-40B4-BE49-F238E27FC236}">
+                <a16:creationId xmlns:a16="http://schemas.microsoft.com/office/drawing/2014/main" id="{1E279210-62CE-4032-80C8-5D890203D557}"/>
+              </a:ext>
+            </a:extLst>
+          </p:cNvPr>
+          <p:cNvPicPr>
+            <a:picLocks noChangeAspect="1"/>
+          </p:cNvPicPr>
+          <p:nvPr/>
+        </p:nvPicPr>
+        <p:blipFill>
+          <a:blip r:embed="rId5"/>
+          <a:stretch>
+            <a:fillRect/>
+          </a:stretch>
+        </p:blipFill>
+        <p:spPr>
+          <a:xfrm>
+            <a:off x="6715304" y="1836159"/>
+            <a:ext cx="3524041" cy="1287381"/>
+          </a:xfrm>
+          <a:prstGeom prst="rect">
+            <a:avLst/>
+          </a:prstGeom>
+        </p:spPr>
+      </p:pic>
+      <p:sp>
+        <p:nvSpPr>
+          <p:cNvPr id="39" name="TextBox 38">
+            <a:extLst>
+              <a:ext uri="{FF2B5EF4-FFF2-40B4-BE49-F238E27FC236}">
+                <a16:creationId xmlns:a16="http://schemas.microsoft.com/office/drawing/2014/main" id="{6B8E1E8F-52F4-463E-9B45-D16429D87C60}"/>
+              </a:ext>
+            </a:extLst>
+          </p:cNvPr>
+          <p:cNvSpPr txBox="1"/>
+          <p:nvPr/>
+        </p:nvSpPr>
+        <p:spPr>
+          <a:xfrm>
+            <a:off x="6158808" y="4053539"/>
+            <a:ext cx="5280355" cy="1631216"/>
+          </a:xfrm>
+          <a:prstGeom prst="rect">
+            <a:avLst/>
+          </a:prstGeom>
+          <a:noFill/>
+        </p:spPr>
+        <p:txBody>
+          <a:bodyPr wrap="square" rtlCol="0">
+            <a:spAutoFit/>
+          </a:bodyPr>
+          <a:lstStyle/>
+          <a:p>
+            <a:pPr algn="l"/>
+            <a:r>
+              <a:rPr lang="en-US" altLang="ko-KR" sz="2800" b="1" dirty="0">
+                <a:latin typeface="MalgunGothicBold"/>
+              </a:rPr>
+              <a:t>But! </a:t>
+            </a:r>
+            <a:r>
+              <a:rPr lang="ko-KR" altLang="en-US" sz="2800" b="1" dirty="0">
+                <a:latin typeface="MalgunGothicBold"/>
+              </a:rPr>
+              <a:t>다음과 같은 경우는 안됨</a:t>
+            </a:r>
+            <a:endParaRPr lang="en-US" altLang="ko-KR" sz="2800" b="1" dirty="0">
+              <a:latin typeface="MalgunGothicBold"/>
+            </a:endParaRPr>
+          </a:p>
+          <a:p>
+            <a:pPr algn="l"/>
+            <a:endParaRPr lang="en-US" altLang="ko-KR" sz="2400" b="1" dirty="0"/>
+          </a:p>
+          <a:p>
+            <a:pPr algn="l"/>
+            <a:r>
+              <a:rPr lang="en-US" altLang="ko-KR" sz="2400" b="1" dirty="0"/>
+              <a:t>Ex) N = 10, F = 3,</a:t>
+            </a:r>
+            <a:r>
+              <a:rPr lang="ko-KR" altLang="en-US" sz="2400" b="1" dirty="0"/>
+              <a:t> </a:t>
+            </a:r>
+            <a:r>
+              <a:rPr lang="en-US" altLang="ko-KR" sz="2400" b="1" dirty="0"/>
+              <a:t>stride</a:t>
+            </a:r>
+            <a:r>
+              <a:rPr lang="ko-KR" altLang="en-US" sz="2400" b="1" dirty="0"/>
+              <a:t> </a:t>
+            </a:r>
+            <a:r>
+              <a:rPr lang="en-US" altLang="ko-KR" sz="2400" b="1" dirty="0"/>
+              <a:t>= 2</a:t>
+            </a:r>
+          </a:p>
+          <a:p>
+            <a:pPr algn="l"/>
+            <a:r>
+              <a:rPr lang="en-US" altLang="ko-KR" sz="2400" b="1" dirty="0"/>
+              <a:t>-&gt; (10 – 3) / 2 + 1 = 4.5 (x)</a:t>
+            </a:r>
+          </a:p>
+        </p:txBody>
+      </p:sp>
+      <p:grpSp>
+        <p:nvGrpSpPr>
+          <p:cNvPr id="40" name="그룹 39">
+            <a:extLst>
+              <a:ext uri="{FF2B5EF4-FFF2-40B4-BE49-F238E27FC236}">
+                <a16:creationId xmlns:a16="http://schemas.microsoft.com/office/drawing/2014/main" id="{1F125812-D0F0-4E4E-8519-0C0F65B84418}"/>
+              </a:ext>
+            </a:extLst>
+          </p:cNvPr>
+          <p:cNvGrpSpPr/>
+          <p:nvPr/>
+        </p:nvGrpSpPr>
+        <p:grpSpPr>
+          <a:xfrm>
+            <a:off x="1135355" y="1812600"/>
+            <a:ext cx="3853739" cy="3872155"/>
+            <a:chOff x="1087229" y="2348064"/>
+            <a:chExt cx="3675436" cy="3691142"/>
+          </a:xfrm>
+        </p:grpSpPr>
+        <p:sp>
+          <p:nvSpPr>
+            <p:cNvPr id="16" name="TextBox 15">
+              <a:extLst>
+                <a:ext uri="{FF2B5EF4-FFF2-40B4-BE49-F238E27FC236}">
+                  <a16:creationId xmlns:a16="http://schemas.microsoft.com/office/drawing/2014/main" id="{F85E03BB-7052-4E6F-BD1D-A848F20206C7}"/>
+                </a:ext>
+              </a:extLst>
+            </p:cNvPr>
+            <p:cNvSpPr txBox="1"/>
+            <p:nvPr/>
+          </p:nvSpPr>
+          <p:spPr>
+            <a:xfrm>
+              <a:off x="2349269" y="2348064"/>
+              <a:ext cx="575677" cy="523220"/>
+            </a:xfrm>
+            <a:prstGeom prst="rect">
+              <a:avLst/>
+            </a:prstGeom>
+            <a:noFill/>
+          </p:spPr>
+          <p:txBody>
+            <a:bodyPr wrap="square" rtlCol="0">
+              <a:spAutoFit/>
+            </a:bodyPr>
+            <a:lstStyle/>
+            <a:p>
+              <a:pPr algn="l"/>
+              <a:r>
+                <a:rPr lang="en-US" altLang="ko-KR" sz="2800" b="1" dirty="0">
+                  <a:latin typeface="MalgunGothicBold"/>
+                </a:rPr>
+                <a:t>N</a:t>
+              </a:r>
+            </a:p>
+          </p:txBody>
+        </p:sp>
+        <p:pic>
+          <p:nvPicPr>
+            <p:cNvPr id="6" name="그림 5">
+              <a:extLst>
+                <a:ext uri="{FF2B5EF4-FFF2-40B4-BE49-F238E27FC236}">
+                  <a16:creationId xmlns:a16="http://schemas.microsoft.com/office/drawing/2014/main" id="{6469A1C7-CEB7-4227-BDAA-DAC2855107E5}"/>
+                </a:ext>
+              </a:extLst>
+            </p:cNvPr>
+            <p:cNvPicPr>
+              <a:picLocks noChangeAspect="1"/>
+            </p:cNvPicPr>
+            <p:nvPr/>
+          </p:nvPicPr>
+          <p:blipFill>
+            <a:blip r:embed="rId6"/>
+            <a:stretch>
+              <a:fillRect/>
+            </a:stretch>
+          </p:blipFill>
+          <p:spPr>
+            <a:xfrm>
+              <a:off x="1087229" y="2856119"/>
+              <a:ext cx="3099759" cy="3183087"/>
+            </a:xfrm>
+            <a:prstGeom prst="rect">
+              <a:avLst/>
+            </a:prstGeom>
+          </p:spPr>
+        </p:pic>
+        <p:sp>
+          <p:nvSpPr>
+            <p:cNvPr id="14" name="TextBox 13">
+              <a:extLst>
+                <a:ext uri="{FF2B5EF4-FFF2-40B4-BE49-F238E27FC236}">
+                  <a16:creationId xmlns:a16="http://schemas.microsoft.com/office/drawing/2014/main" id="{1E767C61-4020-41EB-BC44-1364B6CCC6B6}"/>
+                </a:ext>
+              </a:extLst>
+            </p:cNvPr>
+            <p:cNvSpPr txBox="1"/>
+            <p:nvPr/>
+          </p:nvSpPr>
+          <p:spPr>
+            <a:xfrm>
+              <a:off x="4186988" y="4186052"/>
+              <a:ext cx="575677" cy="523220"/>
+            </a:xfrm>
+            <a:prstGeom prst="rect">
+              <a:avLst/>
+            </a:prstGeom>
+            <a:noFill/>
+          </p:spPr>
+          <p:txBody>
+            <a:bodyPr wrap="square" rtlCol="0">
+              <a:spAutoFit/>
+            </a:bodyPr>
+            <a:lstStyle/>
+            <a:p>
+              <a:pPr algn="l"/>
+              <a:r>
+                <a:rPr lang="en-US" altLang="ko-KR" sz="2800" b="1" dirty="0">
+                  <a:latin typeface="MalgunGothicBold"/>
+                </a:rPr>
+                <a:t>N</a:t>
+              </a:r>
+            </a:p>
+          </p:txBody>
+        </p:sp>
+        <p:sp>
+          <p:nvSpPr>
+            <p:cNvPr id="15" name="TextBox 14">
+              <a:extLst>
+                <a:ext uri="{FF2B5EF4-FFF2-40B4-BE49-F238E27FC236}">
+                  <a16:creationId xmlns:a16="http://schemas.microsoft.com/office/drawing/2014/main" id="{735BA4FE-4A5A-4743-ABE1-BD9E4881F226}"/>
+                </a:ext>
+              </a:extLst>
+            </p:cNvPr>
+            <p:cNvSpPr txBox="1"/>
+            <p:nvPr/>
+          </p:nvSpPr>
+          <p:spPr>
+            <a:xfrm>
+              <a:off x="2426072" y="3363297"/>
+              <a:ext cx="575677" cy="523220"/>
+            </a:xfrm>
+            <a:prstGeom prst="rect">
+              <a:avLst/>
+            </a:prstGeom>
+            <a:noFill/>
+          </p:spPr>
+          <p:txBody>
+            <a:bodyPr wrap="square" rtlCol="0">
+              <a:spAutoFit/>
+            </a:bodyPr>
+            <a:lstStyle/>
+            <a:p>
+              <a:pPr algn="l"/>
+              <a:r>
+                <a:rPr lang="en-US" altLang="ko-KR" sz="2800" b="1" dirty="0">
+                  <a:latin typeface="MalgunGothicBold"/>
+                </a:rPr>
+                <a:t>F</a:t>
+              </a:r>
+            </a:p>
+          </p:txBody>
+        </p:sp>
+        <p:sp>
+          <p:nvSpPr>
+            <p:cNvPr id="19" name="TextBox 18">
+              <a:extLst>
+                <a:ext uri="{FF2B5EF4-FFF2-40B4-BE49-F238E27FC236}">
+                  <a16:creationId xmlns:a16="http://schemas.microsoft.com/office/drawing/2014/main" id="{7E31526A-A23E-41B0-8B5F-755898070013}"/>
+                </a:ext>
+              </a:extLst>
+            </p:cNvPr>
+            <p:cNvSpPr txBox="1"/>
+            <p:nvPr/>
+          </p:nvSpPr>
+          <p:spPr>
+            <a:xfrm>
+              <a:off x="1623967" y="4179630"/>
+              <a:ext cx="575677" cy="523220"/>
+            </a:xfrm>
+            <a:prstGeom prst="rect">
+              <a:avLst/>
+            </a:prstGeom>
+            <a:noFill/>
+          </p:spPr>
+          <p:txBody>
+            <a:bodyPr wrap="square" rtlCol="0">
+              <a:spAutoFit/>
+            </a:bodyPr>
+            <a:lstStyle/>
+            <a:p>
+              <a:pPr algn="l"/>
+              <a:r>
+                <a:rPr lang="en-US" altLang="ko-KR" sz="2800" b="1" dirty="0">
+                  <a:latin typeface="MalgunGothicBold"/>
+                </a:rPr>
+                <a:t>F</a:t>
+              </a:r>
+            </a:p>
+          </p:txBody>
+        </p:sp>
+        <mc:AlternateContent xmlns:mc="http://schemas.openxmlformats.org/markup-compatibility/2006">
+          <mc:Choice xmlns:p14="http://schemas.microsoft.com/office/powerpoint/2010/main" Requires="p14">
+            <p:contentPart p14:bwMode="auto" r:id="rId7">
+              <p14:nvContentPartPr>
+                <p14:cNvPr id="7" name="잉크 6">
+                  <a:extLst>
+                    <a:ext uri="{FF2B5EF4-FFF2-40B4-BE49-F238E27FC236}">
+                      <a16:creationId xmlns:a16="http://schemas.microsoft.com/office/drawing/2014/main" id="{2E6248BA-3B20-4A8F-8E64-5E7E40B9432D}"/>
+                    </a:ext>
+                  </a:extLst>
+                </p14:cNvPr>
+                <p14:cNvContentPartPr/>
+                <p14:nvPr/>
+              </p14:nvContentPartPr>
+              <p14:xfrm>
+                <a:off x="1186490" y="2678008"/>
+                <a:ext cx="880920" cy="241560"/>
+              </p14:xfrm>
+            </p:contentPart>
+          </mc:Choice>
+          <mc:Fallback>
+            <p:pic>
+              <p:nvPicPr>
+                <p:cNvPr id="7" name="잉크 6">
+                  <a:extLst>
+                    <a:ext uri="{FF2B5EF4-FFF2-40B4-BE49-F238E27FC236}">
+                      <a16:creationId xmlns:a16="http://schemas.microsoft.com/office/drawing/2014/main" id="{2E6248BA-3B20-4A8F-8E64-5E7E40B9432D}"/>
+                    </a:ext>
+                  </a:extLst>
+                </p:cNvPr>
+                <p:cNvPicPr/>
+                <p:nvPr/>
+              </p:nvPicPr>
+              <p:blipFill>
+                <a:blip r:embed="rId8"/>
+                <a:stretch>
+                  <a:fillRect/>
+                </a:stretch>
+              </p:blipFill>
+              <p:spPr>
+                <a:xfrm>
+                  <a:off x="1178251" y="2669773"/>
+                  <a:ext cx="897742" cy="258373"/>
+                </a:xfrm>
+                <a:prstGeom prst="rect">
+                  <a:avLst/>
+                </a:prstGeom>
+              </p:spPr>
+            </p:pic>
+          </mc:Fallback>
+        </mc:AlternateContent>
+        <mc:AlternateContent xmlns:mc="http://schemas.openxmlformats.org/markup-compatibility/2006">
+          <mc:Choice xmlns:p14="http://schemas.microsoft.com/office/powerpoint/2010/main" Requires="p14">
+            <p:contentPart p14:bwMode="auto" r:id="rId9">
+              <p14:nvContentPartPr>
+                <p14:cNvPr id="12" name="잉크 11">
+                  <a:extLst>
+                    <a:ext uri="{FF2B5EF4-FFF2-40B4-BE49-F238E27FC236}">
+                      <a16:creationId xmlns:a16="http://schemas.microsoft.com/office/drawing/2014/main" id="{668A76A4-4EBB-4BE8-89AE-977BAC91D6F8}"/>
+                    </a:ext>
+                  </a:extLst>
+                </p14:cNvPr>
+                <p14:cNvContentPartPr/>
+                <p14:nvPr/>
+              </p14:nvContentPartPr>
+              <p14:xfrm>
+                <a:off x="3177650" y="2678008"/>
+                <a:ext cx="880920" cy="257400"/>
+              </p14:xfrm>
+            </p:contentPart>
+          </mc:Choice>
+          <mc:Fallback>
+            <p:pic>
+              <p:nvPicPr>
+                <p:cNvPr id="12" name="잉크 11">
+                  <a:extLst>
+                    <a:ext uri="{FF2B5EF4-FFF2-40B4-BE49-F238E27FC236}">
+                      <a16:creationId xmlns:a16="http://schemas.microsoft.com/office/drawing/2014/main" id="{668A76A4-4EBB-4BE8-89AE-977BAC91D6F8}"/>
+                    </a:ext>
+                  </a:extLst>
+                </p:cNvPr>
+                <p:cNvPicPr/>
+                <p:nvPr/>
+              </p:nvPicPr>
+              <p:blipFill>
+                <a:blip r:embed="rId10"/>
+                <a:stretch>
+                  <a:fillRect/>
+                </a:stretch>
+              </p:blipFill>
+              <p:spPr>
+                <a:xfrm>
+                  <a:off x="3169067" y="2669771"/>
+                  <a:ext cx="897742" cy="274217"/>
+                </a:xfrm>
+                <a:prstGeom prst="rect">
+                  <a:avLst/>
+                </a:prstGeom>
+              </p:spPr>
+            </p:pic>
+          </mc:Fallback>
+        </mc:AlternateContent>
+        <mc:AlternateContent xmlns:mc="http://schemas.openxmlformats.org/markup-compatibility/2006">
+          <mc:Choice xmlns:p14="http://schemas.microsoft.com/office/powerpoint/2010/main" Requires="p14">
+            <p:contentPart p14:bwMode="auto" r:id="rId11">
+              <p14:nvContentPartPr>
+                <p14:cNvPr id="22" name="잉크 21">
+                  <a:extLst>
+                    <a:ext uri="{FF2B5EF4-FFF2-40B4-BE49-F238E27FC236}">
+                      <a16:creationId xmlns:a16="http://schemas.microsoft.com/office/drawing/2014/main" id="{2170DC33-2670-46DB-B82C-615ED1DD43A2}"/>
+                    </a:ext>
+                  </a:extLst>
+                </p14:cNvPr>
+                <p14:cNvContentPartPr/>
+                <p14:nvPr/>
+              </p14:nvContentPartPr>
+              <p14:xfrm>
+                <a:off x="4106090" y="2967448"/>
+                <a:ext cx="227160" cy="929160"/>
+              </p14:xfrm>
+            </p:contentPart>
+          </mc:Choice>
+          <mc:Fallback>
+            <p:pic>
+              <p:nvPicPr>
+                <p:cNvPr id="22" name="잉크 21">
+                  <a:extLst>
+                    <a:ext uri="{FF2B5EF4-FFF2-40B4-BE49-F238E27FC236}">
+                      <a16:creationId xmlns:a16="http://schemas.microsoft.com/office/drawing/2014/main" id="{2170DC33-2670-46DB-B82C-615ED1DD43A2}"/>
+                    </a:ext>
+                  </a:extLst>
+                </p:cNvPr>
+                <p:cNvPicPr/>
+                <p:nvPr/>
+              </p:nvPicPr>
+              <p:blipFill>
+                <a:blip r:embed="rId12"/>
+                <a:stretch>
+                  <a:fillRect/>
+                </a:stretch>
+              </p:blipFill>
+              <p:spPr>
+                <a:xfrm>
+                  <a:off x="4097511" y="2958867"/>
+                  <a:ext cx="243974" cy="945979"/>
+                </a:xfrm>
+                <a:prstGeom prst="rect">
+                  <a:avLst/>
+                </a:prstGeom>
+              </p:spPr>
+            </p:pic>
+          </mc:Fallback>
+        </mc:AlternateContent>
+        <mc:AlternateContent xmlns:mc="http://schemas.openxmlformats.org/markup-compatibility/2006">
+          <mc:Choice xmlns:p14="http://schemas.microsoft.com/office/powerpoint/2010/main" Requires="p14">
+            <p:contentPart p14:bwMode="auto" r:id="rId13">
+              <p14:nvContentPartPr>
+                <p14:cNvPr id="28" name="잉크 27">
+                  <a:extLst>
+                    <a:ext uri="{FF2B5EF4-FFF2-40B4-BE49-F238E27FC236}">
+                      <a16:creationId xmlns:a16="http://schemas.microsoft.com/office/drawing/2014/main" id="{145EF0CA-0F73-4D7A-8AE9-D431FD65B6FD}"/>
+                    </a:ext>
+                  </a:extLst>
+                </p14:cNvPr>
+                <p14:cNvContentPartPr/>
+                <p14:nvPr/>
+              </p14:nvContentPartPr>
+              <p14:xfrm>
+                <a:off x="2405810" y="2982928"/>
+                <a:ext cx="145800" cy="398880"/>
+              </p14:xfrm>
+            </p:contentPart>
+          </mc:Choice>
+          <mc:Fallback>
+            <p:pic>
+              <p:nvPicPr>
+                <p:cNvPr id="28" name="잉크 27">
+                  <a:extLst>
+                    <a:ext uri="{FF2B5EF4-FFF2-40B4-BE49-F238E27FC236}">
+                      <a16:creationId xmlns:a16="http://schemas.microsoft.com/office/drawing/2014/main" id="{145EF0CA-0F73-4D7A-8AE9-D431FD65B6FD}"/>
+                    </a:ext>
+                  </a:extLst>
+                </p:cNvPr>
+                <p:cNvPicPr/>
+                <p:nvPr/>
+              </p:nvPicPr>
+              <p:blipFill>
+                <a:blip r:embed="rId14"/>
+                <a:stretch>
+                  <a:fillRect/>
+                </a:stretch>
+              </p:blipFill>
+              <p:spPr>
+                <a:xfrm>
+                  <a:off x="2397557" y="2974346"/>
+                  <a:ext cx="162650" cy="415700"/>
+                </a:xfrm>
+                <a:prstGeom prst="rect">
+                  <a:avLst/>
+                </a:prstGeom>
+              </p:spPr>
+            </p:pic>
+          </mc:Fallback>
+        </mc:AlternateContent>
+        <mc:AlternateContent xmlns:mc="http://schemas.openxmlformats.org/markup-compatibility/2006">
+          <mc:Choice xmlns:p14="http://schemas.microsoft.com/office/powerpoint/2010/main" Requires="p14">
+            <p:contentPart p14:bwMode="auto" r:id="rId15">
+              <p14:nvContentPartPr>
+                <p14:cNvPr id="29" name="잉크 28">
+                  <a:extLst>
+                    <a:ext uri="{FF2B5EF4-FFF2-40B4-BE49-F238E27FC236}">
+                      <a16:creationId xmlns:a16="http://schemas.microsoft.com/office/drawing/2014/main" id="{756756BC-8810-4467-879C-0C29F531E676}"/>
+                    </a:ext>
+                  </a:extLst>
+                </p14:cNvPr>
+                <p14:cNvContentPartPr/>
+                <p14:nvPr/>
+              </p14:nvContentPartPr>
+              <p14:xfrm>
+                <a:off x="2389610" y="3931168"/>
+                <a:ext cx="128520" cy="288000"/>
+              </p14:xfrm>
+            </p:contentPart>
+          </mc:Choice>
+          <mc:Fallback>
+            <p:pic>
+              <p:nvPicPr>
+                <p:cNvPr id="29" name="잉크 28">
+                  <a:extLst>
+                    <a:ext uri="{FF2B5EF4-FFF2-40B4-BE49-F238E27FC236}">
+                      <a16:creationId xmlns:a16="http://schemas.microsoft.com/office/drawing/2014/main" id="{756756BC-8810-4467-879C-0C29F531E676}"/>
+                    </a:ext>
+                  </a:extLst>
+                </p:cNvPr>
+                <p:cNvPicPr/>
+                <p:nvPr/>
+              </p:nvPicPr>
+              <p:blipFill>
+                <a:blip r:embed="rId16"/>
+                <a:stretch>
+                  <a:fillRect/>
+                </a:stretch>
+              </p:blipFill>
+              <p:spPr>
+                <a:xfrm>
+                  <a:off x="2381019" y="3922586"/>
+                  <a:ext cx="145358" cy="304820"/>
+                </a:xfrm>
+                <a:prstGeom prst="rect">
+                  <a:avLst/>
+                </a:prstGeom>
+              </p:spPr>
+            </p:pic>
+          </mc:Fallback>
+        </mc:AlternateContent>
+        <mc:AlternateContent xmlns:mc="http://schemas.openxmlformats.org/markup-compatibility/2006">
+          <mc:Choice xmlns:p14="http://schemas.microsoft.com/office/powerpoint/2010/main" Requires="p14">
+            <p:contentPart p14:bwMode="auto" r:id="rId17">
+              <p14:nvContentPartPr>
+                <p14:cNvPr id="31" name="잉크 30">
+                  <a:extLst>
+                    <a:ext uri="{FF2B5EF4-FFF2-40B4-BE49-F238E27FC236}">
+                      <a16:creationId xmlns:a16="http://schemas.microsoft.com/office/drawing/2014/main" id="{0E21056A-3BF7-4D41-A166-D805B5152522}"/>
+                    </a:ext>
+                  </a:extLst>
+                </p14:cNvPr>
+                <p14:cNvContentPartPr/>
+                <p14:nvPr/>
+              </p14:nvContentPartPr>
+              <p14:xfrm>
+                <a:off x="1138610" y="4250848"/>
+                <a:ext cx="350640" cy="161280"/>
+              </p14:xfrm>
+            </p:contentPart>
+          </mc:Choice>
+          <mc:Fallback>
+            <p:pic>
+              <p:nvPicPr>
+                <p:cNvPr id="31" name="잉크 30">
+                  <a:extLst>
+                    <a:ext uri="{FF2B5EF4-FFF2-40B4-BE49-F238E27FC236}">
+                      <a16:creationId xmlns:a16="http://schemas.microsoft.com/office/drawing/2014/main" id="{0E21056A-3BF7-4D41-A166-D805B5152522}"/>
+                    </a:ext>
+                  </a:extLst>
+                </p:cNvPr>
+                <p:cNvPicPr/>
+                <p:nvPr/>
+              </p:nvPicPr>
+              <p:blipFill>
+                <a:blip r:embed="rId18"/>
+                <a:stretch>
+                  <a:fillRect/>
+                </a:stretch>
+              </p:blipFill>
+              <p:spPr>
+                <a:xfrm>
+                  <a:off x="1130368" y="4242612"/>
+                  <a:ext cx="367468" cy="178094"/>
+                </a:xfrm>
+                <a:prstGeom prst="rect">
+                  <a:avLst/>
+                </a:prstGeom>
+              </p:spPr>
+            </p:pic>
+          </mc:Fallback>
+        </mc:AlternateContent>
+        <mc:AlternateContent xmlns:mc="http://schemas.openxmlformats.org/markup-compatibility/2006">
+          <mc:Choice xmlns:p14="http://schemas.microsoft.com/office/powerpoint/2010/main" Requires="p14">
+            <p:contentPart p14:bwMode="auto" r:id="rId19">
+              <p14:nvContentPartPr>
+                <p14:cNvPr id="32" name="잉크 31">
+                  <a:extLst>
+                    <a:ext uri="{FF2B5EF4-FFF2-40B4-BE49-F238E27FC236}">
+                      <a16:creationId xmlns:a16="http://schemas.microsoft.com/office/drawing/2014/main" id="{91407C7F-8862-4370-9204-8794C8A69238}"/>
+                    </a:ext>
+                  </a:extLst>
+                </p14:cNvPr>
+                <p14:cNvContentPartPr/>
+                <p14:nvPr/>
+              </p14:nvContentPartPr>
+              <p14:xfrm>
+                <a:off x="2084330" y="4250848"/>
+                <a:ext cx="273600" cy="158040"/>
+              </p14:xfrm>
+            </p:contentPart>
+          </mc:Choice>
+          <mc:Fallback>
+            <p:pic>
+              <p:nvPicPr>
+                <p:cNvPr id="32" name="잉크 31">
+                  <a:extLst>
+                    <a:ext uri="{FF2B5EF4-FFF2-40B4-BE49-F238E27FC236}">
+                      <a16:creationId xmlns:a16="http://schemas.microsoft.com/office/drawing/2014/main" id="{91407C7F-8862-4370-9204-8794C8A69238}"/>
+                    </a:ext>
+                  </a:extLst>
+                </p:cNvPr>
+                <p:cNvPicPr/>
+                <p:nvPr/>
+              </p:nvPicPr>
+              <p:blipFill>
+                <a:blip r:embed="rId20"/>
+                <a:stretch>
+                  <a:fillRect/>
+                </a:stretch>
+              </p:blipFill>
+              <p:spPr>
+                <a:xfrm>
+                  <a:off x="2075748" y="4242602"/>
+                  <a:ext cx="290421" cy="174875"/>
+                </a:xfrm>
+                <a:prstGeom prst="rect">
+                  <a:avLst/>
+                </a:prstGeom>
+              </p:spPr>
+            </p:pic>
+          </mc:Fallback>
+        </mc:AlternateContent>
+        <mc:AlternateContent xmlns:mc="http://schemas.openxmlformats.org/markup-compatibility/2006">
+          <mc:Choice xmlns:p14="http://schemas.microsoft.com/office/powerpoint/2010/main" Requires="p14">
+            <p:contentPart p14:bwMode="auto" r:id="rId21">
+              <p14:nvContentPartPr>
+                <p14:cNvPr id="34" name="잉크 33">
+                  <a:extLst>
+                    <a:ext uri="{FF2B5EF4-FFF2-40B4-BE49-F238E27FC236}">
+                      <a16:creationId xmlns:a16="http://schemas.microsoft.com/office/drawing/2014/main" id="{7DA70A7E-6905-484F-94B2-1CF56B9AA0D2}"/>
+                    </a:ext>
+                  </a:extLst>
+                </p14:cNvPr>
+                <p14:cNvContentPartPr/>
+                <p14:nvPr/>
+              </p14:nvContentPartPr>
+              <p14:xfrm>
+                <a:off x="4090250" y="4990288"/>
+                <a:ext cx="307080" cy="977400"/>
+              </p14:xfrm>
+            </p:contentPart>
+          </mc:Choice>
+          <mc:Fallback>
+            <p:pic>
+              <p:nvPicPr>
+                <p:cNvPr id="34" name="잉크 33">
+                  <a:extLst>
+                    <a:ext uri="{FF2B5EF4-FFF2-40B4-BE49-F238E27FC236}">
+                      <a16:creationId xmlns:a16="http://schemas.microsoft.com/office/drawing/2014/main" id="{7DA70A7E-6905-484F-94B2-1CF56B9AA0D2}"/>
+                    </a:ext>
+                  </a:extLst>
+                </p:cNvPr>
+                <p:cNvPicPr/>
+                <p:nvPr/>
+              </p:nvPicPr>
+              <p:blipFill>
+                <a:blip r:embed="rId22"/>
+                <a:stretch>
+                  <a:fillRect/>
+                </a:stretch>
+              </p:blipFill>
+              <p:spPr>
+                <a:xfrm>
+                  <a:off x="4082006" y="4982051"/>
+                  <a:ext cx="323911" cy="994216"/>
+                </a:xfrm>
+                <a:prstGeom prst="rect">
+                  <a:avLst/>
+                </a:prstGeom>
+              </p:spPr>
+            </p:pic>
+          </mc:Fallback>
+        </mc:AlternateContent>
+      </p:grpSp>
+    </p:spTree>
+    <p:extLst>
+      <p:ext uri="{BB962C8B-B14F-4D97-AF65-F5344CB8AC3E}">
+        <p14:creationId xmlns:p14="http://schemas.microsoft.com/office/powerpoint/2010/main" val="2811708810"/>
+      </p:ext>
+    </p:extLst>
+  </p:cSld>
+  <p:clrMapOvr>
+    <a:masterClrMapping/>
+  </p:clrMapOvr>
+</p:sld>
+</file>
+
+<file path=ppt/slides/slide21.xml><?xml version="1.0" encoding="utf-8"?>
+<p:sld xmlns:a="http://schemas.openxmlformats.org/drawingml/2006/main" xmlns:r="http://schemas.openxmlformats.org/officeDocument/2006/relationships" xmlns:p="http://schemas.openxmlformats.org/presentationml/2006/main">
+  <p:cSld>
+    <p:spTree>
+      <p:nvGrpSpPr>
+        <p:cNvPr id="1" name=""/>
+        <p:cNvGrpSpPr/>
+        <p:nvPr/>
+      </p:nvGrpSpPr>
+      <p:grpSpPr>
+        <a:xfrm>
+          <a:off x="0" y="0"/>
+          <a:ext cx="0" cy="0"/>
+          <a:chOff x="0" y="0"/>
+          <a:chExt cx="0" cy="0"/>
+        </a:xfrm>
+      </p:grpSpPr>
+      <p:sp>
+        <p:nvSpPr>
+          <p:cNvPr id="2" name="제목 1">
+            <a:extLst>
+              <a:ext uri="{FF2B5EF4-FFF2-40B4-BE49-F238E27FC236}">
+                <a16:creationId xmlns:a16="http://schemas.microsoft.com/office/drawing/2014/main" id="{A4258672-ED43-456E-B32B-FB8AEEDC1D86}"/>
+              </a:ext>
+            </a:extLst>
+          </p:cNvPr>
+          <p:cNvSpPr>
+            <a:spLocks noGrp="1"/>
+          </p:cNvSpPr>
+          <p:nvPr>
+            <p:ph type="ctrTitle"/>
+          </p:nvPr>
+        </p:nvSpPr>
+        <p:spPr>
+          <a:xfrm>
+            <a:off x="499144" y="337627"/>
+            <a:ext cx="11269211" cy="748382"/>
+          </a:xfrm>
+        </p:spPr>
+        <p:txBody>
+          <a:bodyPr>
+            <a:normAutofit/>
+          </a:bodyPr>
+          <a:lstStyle/>
+          <a:p>
+            <a:pPr algn="l"/>
+            <a:r>
+              <a:rPr lang="en-US" altLang="ko-KR" sz="3600" b="1" dirty="0"/>
+              <a:t>Padding?</a:t>
+            </a:r>
+            <a:endParaRPr lang="ko-KR" altLang="en-US" sz="3600" b="1" dirty="0"/>
+          </a:p>
+        </p:txBody>
+      </p:sp>
+      <p:sp>
+        <p:nvSpPr>
+          <p:cNvPr id="13" name="TextBox 12">
+            <a:extLst>
+              <a:ext uri="{FF2B5EF4-FFF2-40B4-BE49-F238E27FC236}">
+                <a16:creationId xmlns:a16="http://schemas.microsoft.com/office/drawing/2014/main" id="{A68015FA-21B6-42FB-821D-DA7625671F90}"/>
+              </a:ext>
+            </a:extLst>
+          </p:cNvPr>
+          <p:cNvSpPr txBox="1"/>
+          <p:nvPr/>
+        </p:nvSpPr>
+        <p:spPr>
+          <a:xfrm>
+            <a:off x="651544" y="1568171"/>
+            <a:ext cx="4283317" cy="523220"/>
+          </a:xfrm>
+          <a:prstGeom prst="rect">
+            <a:avLst/>
+          </a:prstGeom>
+          <a:noFill/>
+        </p:spPr>
+        <p:txBody>
+          <a:bodyPr wrap="square" rtlCol="0">
+            <a:spAutoFit/>
+          </a:bodyPr>
+          <a:lstStyle/>
+          <a:p>
+            <a:pPr algn="l"/>
+            <a:r>
+              <a:rPr lang="en-US" altLang="ko-KR" sz="2800" b="1" dirty="0">
+                <a:latin typeface="MalgunGothicBold"/>
+              </a:rPr>
+              <a:t>* Zero-padding</a:t>
+            </a:r>
+            <a:endParaRPr lang="ko-KR" altLang="en-US" sz="2400" b="1" dirty="0"/>
+          </a:p>
+        </p:txBody>
+      </p:sp>
+      <mc:AlternateContent xmlns:mc="http://schemas.openxmlformats.org/markup-compatibility/2006">
+        <mc:Choice xmlns:p14="http://schemas.microsoft.com/office/powerpoint/2010/main" Requires="p14">
+          <p:contentPart p14:bwMode="auto" r:id="rId2">
+            <p14:nvContentPartPr>
+              <p14:cNvPr id="35" name="잉크 34">
+                <a:extLst>
+                  <a:ext uri="{FF2B5EF4-FFF2-40B4-BE49-F238E27FC236}">
+                    <a16:creationId xmlns:a16="http://schemas.microsoft.com/office/drawing/2014/main" id="{6D3EBD7B-F07A-47C1-8FB5-44A87D69E4E2}"/>
+                  </a:ext>
+                </a:extLst>
+              </p14:cNvPr>
+              <p14:cNvContentPartPr/>
+              <p14:nvPr/>
+            </p14:nvContentPartPr>
+            <p14:xfrm>
+              <a:off x="6737135" y="-1251682"/>
+              <a:ext cx="360" cy="360"/>
+            </p14:xfrm>
+          </p:contentPart>
+        </mc:Choice>
+        <mc:Fallback>
+          <p:pic>
+            <p:nvPicPr>
+              <p:cNvPr id="35" name="잉크 34">
+                <a:extLst>
+                  <a:ext uri="{FF2B5EF4-FFF2-40B4-BE49-F238E27FC236}">
+                    <a16:creationId xmlns:a16="http://schemas.microsoft.com/office/drawing/2014/main" id="{6D3EBD7B-F07A-47C1-8FB5-44A87D69E4E2}"/>
+                  </a:ext>
+                </a:extLst>
+              </p:cNvPr>
+              <p:cNvPicPr/>
+              <p:nvPr/>
+            </p:nvPicPr>
+            <p:blipFill>
+              <a:blip r:embed="rId3"/>
+              <a:stretch>
+                <a:fillRect/>
+              </a:stretch>
+            </p:blipFill>
+            <p:spPr>
+              <a:xfrm>
+                <a:off x="6728135" y="-1260322"/>
+                <a:ext cx="18000" cy="18000"/>
+              </a:xfrm>
+              <a:prstGeom prst="rect">
+                <a:avLst/>
+              </a:prstGeom>
+            </p:spPr>
+          </p:pic>
+        </mc:Fallback>
+      </mc:AlternateContent>
+      <mc:AlternateContent xmlns:mc="http://schemas.openxmlformats.org/markup-compatibility/2006">
+        <mc:Choice xmlns:p14="http://schemas.microsoft.com/office/powerpoint/2010/main" Requires="p14">
+          <p:contentPart p14:bwMode="auto" r:id="rId4">
+            <p14:nvContentPartPr>
+              <p14:cNvPr id="36" name="잉크 35">
+                <a:extLst>
+                  <a:ext uri="{FF2B5EF4-FFF2-40B4-BE49-F238E27FC236}">
+                    <a16:creationId xmlns:a16="http://schemas.microsoft.com/office/drawing/2014/main" id="{8008A02C-E256-48EB-BC1B-4B66B5E2E6CB}"/>
+                  </a:ext>
+                </a:extLst>
+              </p14:cNvPr>
+              <p14:cNvContentPartPr/>
+              <p14:nvPr/>
+            </p14:nvContentPartPr>
+            <p14:xfrm>
+              <a:off x="10040184" y="1812600"/>
+              <a:ext cx="3960" cy="360"/>
+            </p14:xfrm>
+          </p:contentPart>
+        </mc:Choice>
+        <mc:Fallback>
+          <p:pic>
+            <p:nvPicPr>
+              <p:cNvPr id="36" name="잉크 35">
+                <a:extLst>
+                  <a:ext uri="{FF2B5EF4-FFF2-40B4-BE49-F238E27FC236}">
+                    <a16:creationId xmlns:a16="http://schemas.microsoft.com/office/drawing/2014/main" id="{8008A02C-E256-48EB-BC1B-4B66B5E2E6CB}"/>
+                  </a:ext>
+                </a:extLst>
+              </p:cNvPr>
+              <p:cNvPicPr/>
+              <p:nvPr/>
+            </p:nvPicPr>
+            <p:blipFill>
+              <a:blip r:embed="rId3"/>
+              <a:stretch>
+                <a:fillRect/>
+              </a:stretch>
+            </p:blipFill>
+            <p:spPr>
+              <a:xfrm>
+                <a:off x="10031544" y="1803600"/>
+                <a:ext cx="21600" cy="18000"/>
+              </a:xfrm>
+              <a:prstGeom prst="rect">
+                <a:avLst/>
+              </a:prstGeom>
+            </p:spPr>
+          </p:pic>
+        </mc:Fallback>
+      </mc:AlternateContent>
+      <p:pic>
+        <p:nvPicPr>
+          <p:cNvPr id="4" name="그림 3">
+            <a:extLst>
+              <a:ext uri="{FF2B5EF4-FFF2-40B4-BE49-F238E27FC236}">
+                <a16:creationId xmlns:a16="http://schemas.microsoft.com/office/drawing/2014/main" id="{C3301052-BDC4-46C7-AADC-C47AD711D48E}"/>
+              </a:ext>
+            </a:extLst>
+          </p:cNvPr>
+          <p:cNvPicPr>
+            <a:picLocks noChangeAspect="1"/>
+          </p:cNvPicPr>
+          <p:nvPr/>
+        </p:nvPicPr>
+        <p:blipFill>
+          <a:blip r:embed="rId5"/>
+          <a:stretch>
+            <a:fillRect/>
+          </a:stretch>
+        </p:blipFill>
+        <p:spPr>
+          <a:xfrm>
+            <a:off x="779881" y="2378891"/>
+            <a:ext cx="3639719" cy="3692655"/>
+          </a:xfrm>
+          <a:prstGeom prst="rect">
+            <a:avLst/>
+          </a:prstGeom>
+        </p:spPr>
+      </p:pic>
+      <p:sp>
+        <p:nvSpPr>
+          <p:cNvPr id="23" name="TextBox 22">
+            <a:extLst>
+              <a:ext uri="{FF2B5EF4-FFF2-40B4-BE49-F238E27FC236}">
+                <a16:creationId xmlns:a16="http://schemas.microsoft.com/office/drawing/2014/main" id="{04870478-F79F-4A54-82E3-3A17EED6CAD3}"/>
+              </a:ext>
+            </a:extLst>
+          </p:cNvPr>
+          <p:cNvSpPr txBox="1"/>
+          <p:nvPr/>
+        </p:nvSpPr>
+        <p:spPr>
+          <a:xfrm>
+            <a:off x="5771943" y="1568171"/>
+            <a:ext cx="5996412" cy="4401205"/>
+          </a:xfrm>
+          <a:prstGeom prst="rect">
+            <a:avLst/>
+          </a:prstGeom>
+          <a:noFill/>
+        </p:spPr>
+        <p:txBody>
+          <a:bodyPr wrap="square" rtlCol="0">
+            <a:spAutoFit/>
+          </a:bodyPr>
+          <a:lstStyle/>
+          <a:p>
+            <a:pPr algn="l"/>
+            <a:r>
+              <a:rPr lang="en-US" altLang="ko-KR" sz="2800" b="1" dirty="0">
+                <a:latin typeface="MalgunGothicBold"/>
+              </a:rPr>
+              <a:t>: </a:t>
+            </a:r>
+            <a:r>
+              <a:rPr lang="ko-KR" altLang="en-US" sz="2800" b="1" u="sng" dirty="0">
+                <a:latin typeface="MalgunGothicBold"/>
+              </a:rPr>
+              <a:t>주변을 </a:t>
+            </a:r>
+            <a:r>
+              <a:rPr lang="en-US" altLang="ko-KR" sz="2800" b="1" u="sng" dirty="0">
+                <a:latin typeface="MalgunGothicBold"/>
+              </a:rPr>
+              <a:t>0</a:t>
+            </a:r>
+            <a:r>
+              <a:rPr lang="ko-KR" altLang="en-US" sz="2800" b="1" u="sng" dirty="0">
+                <a:latin typeface="MalgunGothicBold"/>
+              </a:rPr>
+              <a:t>으로 채우는 것</a:t>
+            </a:r>
+            <a:endParaRPr lang="en-US" altLang="ko-KR" sz="2800" b="1" u="sng" dirty="0">
+              <a:latin typeface="MalgunGothicBold"/>
+            </a:endParaRPr>
+          </a:p>
+          <a:p>
+            <a:pPr algn="l"/>
+            <a:endParaRPr lang="en-US" altLang="ko-KR" sz="2800" b="1" dirty="0">
+              <a:latin typeface="MalgunGothicBold"/>
+            </a:endParaRPr>
+          </a:p>
+          <a:p>
+            <a:pPr algn="l"/>
+            <a:r>
+              <a:rPr lang="en-US" altLang="ko-KR" sz="2800" b="1" dirty="0">
+                <a:solidFill>
+                  <a:schemeClr val="accent2"/>
+                </a:solidFill>
+                <a:latin typeface="MalgunGothicBold"/>
+              </a:rPr>
+              <a:t> </a:t>
+            </a:r>
+            <a:r>
+              <a:rPr lang="ko-KR" altLang="en-US" sz="2800" b="1" dirty="0">
+                <a:solidFill>
+                  <a:schemeClr val="accent2"/>
+                </a:solidFill>
+                <a:latin typeface="MalgunGothicBold"/>
+              </a:rPr>
+              <a:t>왜 쓸까</a:t>
+            </a:r>
+            <a:r>
+              <a:rPr lang="en-US" altLang="ko-KR" sz="2800" b="1" dirty="0">
+                <a:solidFill>
+                  <a:schemeClr val="accent2"/>
+                </a:solidFill>
+                <a:latin typeface="MalgunGothicBold"/>
+              </a:rPr>
+              <a:t>?</a:t>
+            </a:r>
+          </a:p>
+          <a:p>
+            <a:pPr algn="l"/>
+            <a:r>
+              <a:rPr lang="en-US" altLang="ko-KR" sz="2800" b="1" dirty="0">
+                <a:latin typeface="MalgunGothicBold"/>
+              </a:rPr>
+              <a:t>Ex)</a:t>
+            </a:r>
+            <a:r>
+              <a:rPr lang="ko-KR" altLang="en-US" sz="2800" b="1" dirty="0">
+                <a:latin typeface="MalgunGothicBold"/>
+              </a:rPr>
+              <a:t> </a:t>
+            </a:r>
+            <a:r>
+              <a:rPr lang="en-US" altLang="ko-KR" sz="2800" b="1" dirty="0">
+                <a:latin typeface="MalgunGothicBold"/>
+              </a:rPr>
+              <a:t>input 7x7, 3x3 filter, stride = 1</a:t>
+            </a:r>
+          </a:p>
+          <a:p>
+            <a:pPr algn="l"/>
+            <a:endParaRPr lang="en-US" altLang="ko-KR" sz="2800" b="1" dirty="0">
+              <a:latin typeface="MalgunGothicBold"/>
+            </a:endParaRPr>
+          </a:p>
+          <a:p>
+            <a:pPr algn="l"/>
+            <a:r>
+              <a:rPr lang="ko-KR" altLang="en-US" sz="2800" b="1" dirty="0">
+                <a:latin typeface="MalgunGothicBold"/>
+              </a:rPr>
+              <a:t>난 </a:t>
+            </a:r>
+            <a:r>
+              <a:rPr lang="en-US" altLang="ko-KR" sz="2800" b="1" dirty="0">
+                <a:latin typeface="MalgunGothicBold"/>
+              </a:rPr>
+              <a:t>output</a:t>
+            </a:r>
+            <a:r>
+              <a:rPr lang="ko-KR" altLang="en-US" sz="2800" b="1" dirty="0">
+                <a:latin typeface="MalgunGothicBold"/>
+              </a:rPr>
+              <a:t>을 </a:t>
+            </a:r>
+            <a:r>
+              <a:rPr lang="en-US" altLang="ko-KR" sz="2800" b="1" dirty="0">
+                <a:latin typeface="MalgunGothicBold"/>
+              </a:rPr>
+              <a:t>7x7</a:t>
+            </a:r>
+            <a:r>
+              <a:rPr lang="ko-KR" altLang="en-US" sz="2800" b="1" dirty="0">
+                <a:latin typeface="MalgunGothicBold"/>
+              </a:rPr>
+              <a:t>로 유지하고 싶어</a:t>
+            </a:r>
+            <a:r>
+              <a:rPr lang="en-US" altLang="ko-KR" sz="2800" b="1" dirty="0">
+                <a:latin typeface="MalgunGothicBold"/>
+              </a:rPr>
+              <a:t>!</a:t>
+            </a:r>
+          </a:p>
+          <a:p>
+            <a:pPr algn="l"/>
+            <a:r>
+              <a:rPr lang="en-US" altLang="ko-KR" sz="2800" b="1" dirty="0">
+                <a:latin typeface="MalgunGothicBold"/>
+              </a:rPr>
+              <a:t>-&gt; </a:t>
+            </a:r>
+            <a:r>
+              <a:rPr lang="en-US" altLang="ko-KR" sz="2800" b="1" dirty="0">
+                <a:solidFill>
+                  <a:srgbClr val="FF0000"/>
+                </a:solidFill>
+                <a:latin typeface="MalgunGothicBold"/>
+              </a:rPr>
+              <a:t>zero pad with 1</a:t>
+            </a:r>
+          </a:p>
+          <a:p>
+            <a:pPr algn="l"/>
+            <a:endParaRPr lang="en-US" altLang="ko-KR" sz="2800" b="1" dirty="0">
+              <a:latin typeface="MalgunGothicBold"/>
+            </a:endParaRPr>
+          </a:p>
+          <a:p>
+            <a:pPr algn="l"/>
+            <a:r>
+              <a:rPr lang="en-US" altLang="ko-KR" sz="2800" b="1" dirty="0">
+                <a:latin typeface="MalgunGothicBold"/>
+              </a:rPr>
+              <a:t>F = 5 </a:t>
+            </a:r>
+            <a:r>
+              <a:rPr lang="ko-KR" altLang="en-US" sz="2800" b="1" dirty="0">
+                <a:latin typeface="MalgunGothicBold"/>
+              </a:rPr>
+              <a:t>이라면</a:t>
+            </a:r>
+            <a:r>
+              <a:rPr lang="en-US" altLang="ko-KR" sz="2800" b="1" dirty="0">
+                <a:latin typeface="MalgunGothicBold"/>
+              </a:rPr>
+              <a:t>? -&gt; zero</a:t>
+            </a:r>
+            <a:r>
+              <a:rPr lang="ko-KR" altLang="en-US" sz="2800" b="1" dirty="0">
+                <a:latin typeface="MalgunGothicBold"/>
+              </a:rPr>
+              <a:t> </a:t>
+            </a:r>
+            <a:r>
+              <a:rPr lang="en-US" altLang="ko-KR" sz="2800" b="1" dirty="0">
+                <a:latin typeface="MalgunGothicBold"/>
+              </a:rPr>
+              <a:t>pad</a:t>
+            </a:r>
+            <a:r>
+              <a:rPr lang="ko-KR" altLang="en-US" sz="2800" b="1" dirty="0">
+                <a:latin typeface="MalgunGothicBold"/>
+              </a:rPr>
+              <a:t> </a:t>
+            </a:r>
+            <a:r>
+              <a:rPr lang="en-US" altLang="ko-KR" sz="2800" b="1" dirty="0">
+                <a:latin typeface="MalgunGothicBold"/>
+              </a:rPr>
+              <a:t>with</a:t>
+            </a:r>
+            <a:r>
+              <a:rPr lang="ko-KR" altLang="en-US" sz="2800" b="1" dirty="0">
+                <a:latin typeface="MalgunGothicBold"/>
+              </a:rPr>
+              <a:t> </a:t>
+            </a:r>
+            <a:r>
+              <a:rPr lang="en-US" altLang="ko-KR" sz="2800" b="1" dirty="0">
+                <a:solidFill>
+                  <a:srgbClr val="0070C0"/>
+                </a:solidFill>
+                <a:latin typeface="MalgunGothicBold"/>
+              </a:rPr>
+              <a:t>2</a:t>
+            </a:r>
+          </a:p>
+          <a:p>
+            <a:pPr algn="l"/>
+            <a:r>
+              <a:rPr lang="en-US" altLang="ko-KR" sz="2800" b="1" dirty="0">
+                <a:latin typeface="MalgunGothicBold"/>
+              </a:rPr>
+              <a:t>F = 7 </a:t>
+            </a:r>
+            <a:r>
+              <a:rPr lang="ko-KR" altLang="en-US" sz="2800" b="1" dirty="0">
+                <a:latin typeface="MalgunGothicBold"/>
+              </a:rPr>
+              <a:t>이라면</a:t>
+            </a:r>
+            <a:r>
+              <a:rPr lang="en-US" altLang="ko-KR" sz="2800" b="1" dirty="0">
+                <a:latin typeface="MalgunGothicBold"/>
+              </a:rPr>
+              <a:t>? -&gt; zero </a:t>
+            </a:r>
+            <a:r>
+              <a:rPr lang="en-US" altLang="ko-KR" sz="2800" b="1" dirty="0" err="1">
+                <a:latin typeface="MalgunGothicBold"/>
+              </a:rPr>
+              <a:t>paa</a:t>
+            </a:r>
+            <a:r>
+              <a:rPr lang="en-US" altLang="ko-KR" sz="2800" b="1" dirty="0">
+                <a:latin typeface="MalgunGothicBold"/>
+              </a:rPr>
+              <a:t> with </a:t>
+            </a:r>
+            <a:r>
+              <a:rPr lang="en-US" altLang="ko-KR" sz="2800" b="1" dirty="0">
+                <a:solidFill>
+                  <a:srgbClr val="0070C0"/>
+                </a:solidFill>
+                <a:latin typeface="MalgunGothicBold"/>
+              </a:rPr>
+              <a:t>3</a:t>
+            </a:r>
+          </a:p>
+        </p:txBody>
+      </p:sp>
+    </p:spTree>
+    <p:extLst>
+      <p:ext uri="{BB962C8B-B14F-4D97-AF65-F5344CB8AC3E}">
+        <p14:creationId xmlns:p14="http://schemas.microsoft.com/office/powerpoint/2010/main" val="1114585527"/>
+      </p:ext>
+    </p:extLst>
+  </p:cSld>
+  <p:clrMapOvr>
+    <a:masterClrMapping/>
+  </p:clrMapOvr>
+</p:sld>
+</file>
+
+<file path=ppt/slides/slide22.xml><?xml version="1.0" encoding="utf-8"?>
+<p:sld xmlns:a="http://schemas.openxmlformats.org/drawingml/2006/main" xmlns:r="http://schemas.openxmlformats.org/officeDocument/2006/relationships" xmlns:p="http://schemas.openxmlformats.org/presentationml/2006/main">
+  <p:cSld>
+    <p:spTree>
+      <p:nvGrpSpPr>
+        <p:cNvPr id="1" name=""/>
+        <p:cNvGrpSpPr/>
+        <p:nvPr/>
+      </p:nvGrpSpPr>
+      <p:grpSpPr>
+        <a:xfrm>
+          <a:off x="0" y="0"/>
+          <a:ext cx="0" cy="0"/>
+          <a:chOff x="0" y="0"/>
+          <a:chExt cx="0" cy="0"/>
+        </a:xfrm>
+      </p:grpSpPr>
+      <p:sp>
+        <p:nvSpPr>
+          <p:cNvPr id="2" name="제목 1">
+            <a:extLst>
+              <a:ext uri="{FF2B5EF4-FFF2-40B4-BE49-F238E27FC236}">
+                <a16:creationId xmlns:a16="http://schemas.microsoft.com/office/drawing/2014/main" id="{A4258672-ED43-456E-B32B-FB8AEEDC1D86}"/>
+              </a:ext>
+            </a:extLst>
+          </p:cNvPr>
+          <p:cNvSpPr>
+            <a:spLocks noGrp="1"/>
+          </p:cNvSpPr>
+          <p:nvPr>
+            <p:ph type="ctrTitle"/>
+          </p:nvPr>
+        </p:nvSpPr>
+        <p:spPr>
+          <a:xfrm>
+            <a:off x="499144" y="337627"/>
+            <a:ext cx="11269211" cy="748382"/>
+          </a:xfrm>
+        </p:spPr>
+        <p:txBody>
+          <a:bodyPr>
+            <a:normAutofit/>
+          </a:bodyPr>
+          <a:lstStyle/>
+          <a:p>
+            <a:pPr algn="l"/>
+            <a:r>
+              <a:rPr lang="en-US" altLang="ko-KR" sz="3600" b="1" dirty="0"/>
+              <a:t>Convolution Layers</a:t>
+            </a:r>
+            <a:endParaRPr lang="ko-KR" altLang="en-US" sz="3600" b="1" dirty="0"/>
+          </a:p>
+        </p:txBody>
+      </p:sp>
+      <mc:AlternateContent xmlns:mc="http://schemas.openxmlformats.org/markup-compatibility/2006">
+        <mc:Choice xmlns:p14="http://schemas.microsoft.com/office/powerpoint/2010/main" Requires="p14">
+          <p:contentPart p14:bwMode="auto" r:id="rId2">
+            <p14:nvContentPartPr>
+              <p14:cNvPr id="35" name="잉크 34">
+                <a:extLst>
+                  <a:ext uri="{FF2B5EF4-FFF2-40B4-BE49-F238E27FC236}">
+                    <a16:creationId xmlns:a16="http://schemas.microsoft.com/office/drawing/2014/main" id="{6D3EBD7B-F07A-47C1-8FB5-44A87D69E4E2}"/>
+                  </a:ext>
+                </a:extLst>
+              </p14:cNvPr>
+              <p14:cNvContentPartPr/>
+              <p14:nvPr/>
+            </p14:nvContentPartPr>
+            <p14:xfrm>
+              <a:off x="6737135" y="-1251682"/>
+              <a:ext cx="360" cy="360"/>
+            </p14:xfrm>
+          </p:contentPart>
+        </mc:Choice>
+        <mc:Fallback>
+          <p:pic>
+            <p:nvPicPr>
+              <p:cNvPr id="35" name="잉크 34">
+                <a:extLst>
+                  <a:ext uri="{FF2B5EF4-FFF2-40B4-BE49-F238E27FC236}">
+                    <a16:creationId xmlns:a16="http://schemas.microsoft.com/office/drawing/2014/main" id="{6D3EBD7B-F07A-47C1-8FB5-44A87D69E4E2}"/>
+                  </a:ext>
+                </a:extLst>
+              </p:cNvPr>
+              <p:cNvPicPr/>
+              <p:nvPr/>
+            </p:nvPicPr>
+            <p:blipFill>
+              <a:blip r:embed="rId3"/>
+              <a:stretch>
+                <a:fillRect/>
+              </a:stretch>
+            </p:blipFill>
+            <p:spPr>
+              <a:xfrm>
+                <a:off x="6728135" y="-1260322"/>
+                <a:ext cx="18000" cy="18000"/>
+              </a:xfrm>
+              <a:prstGeom prst="rect">
+                <a:avLst/>
+              </a:prstGeom>
+            </p:spPr>
+          </p:pic>
+        </mc:Fallback>
+      </mc:AlternateContent>
+      <mc:AlternateContent xmlns:mc="http://schemas.openxmlformats.org/markup-compatibility/2006">
+        <mc:Choice xmlns:p14="http://schemas.microsoft.com/office/powerpoint/2010/main" Requires="p14">
+          <p:contentPart p14:bwMode="auto" r:id="rId4">
+            <p14:nvContentPartPr>
+              <p14:cNvPr id="36" name="잉크 35">
+                <a:extLst>
+                  <a:ext uri="{FF2B5EF4-FFF2-40B4-BE49-F238E27FC236}">
+                    <a16:creationId xmlns:a16="http://schemas.microsoft.com/office/drawing/2014/main" id="{8008A02C-E256-48EB-BC1B-4B66B5E2E6CB}"/>
+                  </a:ext>
+                </a:extLst>
+              </p14:cNvPr>
+              <p14:cNvContentPartPr/>
+              <p14:nvPr/>
+            </p14:nvContentPartPr>
+            <p14:xfrm>
+              <a:off x="10040184" y="1812600"/>
+              <a:ext cx="3960" cy="360"/>
+            </p14:xfrm>
+          </p:contentPart>
+        </mc:Choice>
+        <mc:Fallback>
+          <p:pic>
+            <p:nvPicPr>
+              <p:cNvPr id="36" name="잉크 35">
+                <a:extLst>
+                  <a:ext uri="{FF2B5EF4-FFF2-40B4-BE49-F238E27FC236}">
+                    <a16:creationId xmlns:a16="http://schemas.microsoft.com/office/drawing/2014/main" id="{8008A02C-E256-48EB-BC1B-4B66B5E2E6CB}"/>
+                  </a:ext>
+                </a:extLst>
+              </p:cNvPr>
+              <p:cNvPicPr/>
+              <p:nvPr/>
+            </p:nvPicPr>
+            <p:blipFill>
+              <a:blip r:embed="rId3"/>
+              <a:stretch>
+                <a:fillRect/>
+              </a:stretch>
+            </p:blipFill>
+            <p:spPr>
+              <a:xfrm>
+                <a:off x="10031544" y="1803600"/>
+                <a:ext cx="21600" cy="18000"/>
+              </a:xfrm>
+              <a:prstGeom prst="rect">
+                <a:avLst/>
+              </a:prstGeom>
+            </p:spPr>
+          </p:pic>
+        </mc:Fallback>
+      </mc:AlternateContent>
+      <p:pic>
+        <p:nvPicPr>
+          <p:cNvPr id="5" name="그림 4">
+            <a:extLst>
+              <a:ext uri="{FF2B5EF4-FFF2-40B4-BE49-F238E27FC236}">
+                <a16:creationId xmlns:a16="http://schemas.microsoft.com/office/drawing/2014/main" id="{5A86FDF6-3C6B-4EA2-9D45-D99086210AD8}"/>
+              </a:ext>
+            </a:extLst>
+          </p:cNvPr>
+          <p:cNvPicPr>
+            <a:picLocks noChangeAspect="1"/>
+          </p:cNvPicPr>
+          <p:nvPr/>
+        </p:nvPicPr>
+        <p:blipFill>
+          <a:blip r:embed="rId5"/>
+          <a:stretch>
+            <a:fillRect/>
+          </a:stretch>
+        </p:blipFill>
+        <p:spPr>
+          <a:xfrm>
+            <a:off x="726756" y="1871445"/>
+            <a:ext cx="2856078" cy="4096218"/>
+          </a:xfrm>
+          <a:prstGeom prst="rect">
+            <a:avLst/>
+          </a:prstGeom>
+        </p:spPr>
+      </p:pic>
+      <p:sp>
+        <p:nvSpPr>
+          <p:cNvPr id="10" name="직사각형 9">
+            <a:extLst>
+              <a:ext uri="{FF2B5EF4-FFF2-40B4-BE49-F238E27FC236}">
+                <a16:creationId xmlns:a16="http://schemas.microsoft.com/office/drawing/2014/main" id="{C405015E-9D46-4578-9DAD-BFDBCDF605AF}"/>
+              </a:ext>
+            </a:extLst>
+          </p:cNvPr>
+          <p:cNvSpPr/>
+          <p:nvPr/>
+        </p:nvSpPr>
+        <p:spPr>
+          <a:xfrm>
+            <a:off x="726757" y="5529672"/>
+            <a:ext cx="2000402" cy="437991"/>
+          </a:xfrm>
+          <a:prstGeom prst="rect">
+            <a:avLst/>
+          </a:prstGeom>
+          <a:noFill/>
+          <a:ln w="28575">
+            <a:solidFill>
+              <a:srgbClr val="FF0000"/>
+            </a:solidFill>
+          </a:ln>
+        </p:spPr>
+        <p:style>
+          <a:lnRef idx="2">
+            <a:schemeClr val="accent1">
+              <a:shade val="50000"/>
+            </a:schemeClr>
+          </a:lnRef>
+          <a:fillRef idx="1">
+            <a:schemeClr val="accent1"/>
+          </a:fillRef>
+          <a:effectRef idx="0">
+            <a:schemeClr val="accent1"/>
+          </a:effectRef>
+          <a:fontRef idx="minor">
+            <a:schemeClr val="lt1"/>
+          </a:fontRef>
+        </p:style>
+        <p:txBody>
+          <a:bodyPr rtlCol="0" anchor="ctr"/>
+          <a:lstStyle/>
+          <a:p>
+            <a:pPr algn="ctr"/>
+            <a:endParaRPr lang="ko-KR" altLang="en-US" dirty="0"/>
+          </a:p>
+        </p:txBody>
+      </p:sp>
+      <p:cxnSp>
+        <p:nvCxnSpPr>
+          <p:cNvPr id="11" name="직선 화살표 연결선 10">
+            <a:extLst>
+              <a:ext uri="{FF2B5EF4-FFF2-40B4-BE49-F238E27FC236}">
+                <a16:creationId xmlns:a16="http://schemas.microsoft.com/office/drawing/2014/main" id="{2E3777F9-24F4-4DA3-93FA-25E411BDF783}"/>
+              </a:ext>
+            </a:extLst>
+          </p:cNvPr>
+          <p:cNvCxnSpPr>
+            <a:cxnSpLocks/>
+          </p:cNvCxnSpPr>
+          <p:nvPr/>
+        </p:nvCxnSpPr>
+        <p:spPr>
+          <a:xfrm flipV="1">
+            <a:off x="2855495" y="2674958"/>
+            <a:ext cx="2438400" cy="3196455"/>
+          </a:xfrm>
+          <a:prstGeom prst="straightConnector1">
+            <a:avLst/>
+          </a:prstGeom>
+          <a:ln w="57150">
+            <a:solidFill>
+              <a:schemeClr val="accent4"/>
+            </a:solidFill>
+            <a:tailEnd type="triangle"/>
+          </a:ln>
+        </p:spPr>
+        <p:style>
+          <a:lnRef idx="1">
+            <a:schemeClr val="accent1"/>
+          </a:lnRef>
+          <a:fillRef idx="0">
+            <a:schemeClr val="accent1"/>
+          </a:fillRef>
+          <a:effectRef idx="0">
+            <a:schemeClr val="accent1"/>
+          </a:effectRef>
+          <a:fontRef idx="minor">
+            <a:schemeClr val="tx1"/>
+          </a:fontRef>
+        </p:style>
+      </p:cxnSp>
+      <p:sp>
+        <p:nvSpPr>
+          <p:cNvPr id="15" name="TextBox 14">
+            <a:extLst>
+              <a:ext uri="{FF2B5EF4-FFF2-40B4-BE49-F238E27FC236}">
+                <a16:creationId xmlns:a16="http://schemas.microsoft.com/office/drawing/2014/main" id="{27A794B3-862F-4AB8-B44D-3B0D9AEBD79D}"/>
+              </a:ext>
+            </a:extLst>
+          </p:cNvPr>
+          <p:cNvSpPr txBox="1"/>
+          <p:nvPr/>
+        </p:nvSpPr>
+        <p:spPr>
+          <a:xfrm>
+            <a:off x="5422231" y="2133562"/>
+            <a:ext cx="4283317" cy="3108543"/>
+          </a:xfrm>
+          <a:prstGeom prst="rect">
+            <a:avLst/>
+          </a:prstGeom>
+          <a:noFill/>
+        </p:spPr>
+        <p:txBody>
+          <a:bodyPr wrap="square" rtlCol="0">
+            <a:spAutoFit/>
+          </a:bodyPr>
+          <a:lstStyle/>
+          <a:p>
+            <a:pPr algn="l"/>
+            <a:r>
+              <a:rPr lang="ko-KR" altLang="en-US" sz="2800" b="1" dirty="0">
+                <a:latin typeface="MalgunGothicBold"/>
+              </a:rPr>
+              <a:t>왜 </a:t>
+            </a:r>
+            <a:r>
+              <a:rPr lang="en-US" altLang="ko-KR" sz="2800" b="1" dirty="0">
+                <a:latin typeface="MalgunGothicBold"/>
+              </a:rPr>
+              <a:t>32x32x</a:t>
+            </a:r>
+            <a:r>
+              <a:rPr lang="en-US" altLang="ko-KR" sz="2800" b="1" dirty="0">
+                <a:solidFill>
+                  <a:srgbClr val="0070C0"/>
+                </a:solidFill>
+                <a:latin typeface="MalgunGothicBold"/>
+              </a:rPr>
+              <a:t>3</a:t>
+            </a:r>
+            <a:r>
+              <a:rPr lang="en-US" altLang="ko-KR" sz="2800" b="1" dirty="0">
+                <a:latin typeface="MalgunGothicBold"/>
+              </a:rPr>
+              <a:t> </a:t>
+            </a:r>
+            <a:r>
+              <a:rPr lang="ko-KR" altLang="en-US" sz="2800" b="1" dirty="0">
+                <a:latin typeface="MalgunGothicBold"/>
+              </a:rPr>
+              <a:t>인가요</a:t>
+            </a:r>
+            <a:r>
+              <a:rPr lang="en-US" altLang="ko-KR" sz="2800" b="1" dirty="0">
+                <a:latin typeface="MalgunGothicBold"/>
+              </a:rPr>
+              <a:t>?</a:t>
+            </a:r>
+          </a:p>
+          <a:p>
+            <a:pPr algn="l"/>
+            <a:endParaRPr lang="en-US" altLang="ko-KR" sz="2800" b="1" dirty="0">
+              <a:latin typeface="MalgunGothicBold"/>
+            </a:endParaRPr>
+          </a:p>
+          <a:p>
+            <a:pPr algn="l"/>
+            <a:r>
+              <a:rPr lang="en-US" altLang="ko-KR" sz="2800" b="1" dirty="0">
+                <a:latin typeface="MalgunGothicBold"/>
+              </a:rPr>
+              <a:t>= 3</a:t>
+            </a:r>
+            <a:r>
+              <a:rPr lang="ko-KR" altLang="en-US" sz="2800" b="1" dirty="0">
+                <a:latin typeface="MalgunGothicBold"/>
+              </a:rPr>
+              <a:t>은 </a:t>
+            </a:r>
+            <a:r>
+              <a:rPr lang="en-US" altLang="ko-KR" sz="2800" b="1" dirty="0">
+                <a:latin typeface="MalgunGothicBold"/>
+              </a:rPr>
+              <a:t>R,G,B </a:t>
+            </a:r>
+            <a:r>
+              <a:rPr lang="ko-KR" altLang="en-US" sz="2800" b="1" dirty="0">
+                <a:latin typeface="MalgunGothicBold"/>
+              </a:rPr>
+              <a:t>필터</a:t>
+            </a:r>
+            <a:endParaRPr lang="en-US" altLang="ko-KR" sz="2800" b="1" dirty="0">
+              <a:latin typeface="MalgunGothicBold"/>
+            </a:endParaRPr>
+          </a:p>
+          <a:p>
+            <a:pPr algn="l"/>
+            <a:endParaRPr lang="en-US" altLang="ko-KR" sz="2800" b="1" dirty="0">
+              <a:latin typeface="MalgunGothicBold"/>
+            </a:endParaRPr>
+          </a:p>
+          <a:p>
+            <a:pPr algn="l"/>
+            <a:endParaRPr lang="en-US" altLang="ko-KR" sz="2800" b="1" dirty="0">
+              <a:latin typeface="MalgunGothicBold"/>
+            </a:endParaRPr>
+          </a:p>
+          <a:p>
+            <a:pPr algn="l"/>
+            <a:endParaRPr lang="en-US" altLang="ko-KR" sz="2800" b="1" dirty="0">
+              <a:latin typeface="MalgunGothicBold"/>
+            </a:endParaRPr>
+          </a:p>
+          <a:p>
+            <a:pPr algn="l"/>
+            <a:r>
+              <a:rPr lang="ko-KR" altLang="en-US" sz="2800" b="1" dirty="0">
+                <a:latin typeface="MalgunGothicBold"/>
+              </a:rPr>
+              <a:t>흑백이라면</a:t>
+            </a:r>
+            <a:r>
+              <a:rPr lang="en-US" altLang="ko-KR" sz="2800" b="1" dirty="0">
+                <a:latin typeface="MalgunGothicBold"/>
+              </a:rPr>
+              <a:t>? 1 </a:t>
+            </a:r>
+            <a:r>
+              <a:rPr lang="ko-KR" altLang="en-US" sz="2800" b="1" dirty="0">
+                <a:latin typeface="MalgunGothicBold"/>
+              </a:rPr>
+              <a:t>이겠죠</a:t>
+            </a:r>
+            <a:r>
+              <a:rPr lang="en-US" altLang="ko-KR" sz="2800" b="1" dirty="0">
+                <a:latin typeface="MalgunGothicBold"/>
+              </a:rPr>
+              <a:t>?</a:t>
+            </a:r>
+            <a:endParaRPr lang="ko-KR" altLang="en-US" sz="2400" b="1" dirty="0"/>
+          </a:p>
+        </p:txBody>
+      </p:sp>
+      <p:pic>
+        <p:nvPicPr>
+          <p:cNvPr id="14" name="그림 13">
+            <a:extLst>
+              <a:ext uri="{FF2B5EF4-FFF2-40B4-BE49-F238E27FC236}">
+                <a16:creationId xmlns:a16="http://schemas.microsoft.com/office/drawing/2014/main" id="{E4505E22-767A-47D3-8960-F7CEB6393C53}"/>
+              </a:ext>
+            </a:extLst>
+          </p:cNvPr>
+          <p:cNvPicPr>
+            <a:picLocks noChangeAspect="1"/>
+          </p:cNvPicPr>
+          <p:nvPr/>
+        </p:nvPicPr>
+        <p:blipFill>
+          <a:blip r:embed="rId6"/>
+          <a:stretch>
+            <a:fillRect/>
+          </a:stretch>
+        </p:blipFill>
+        <p:spPr>
+          <a:xfrm>
+            <a:off x="8959819" y="2154488"/>
+            <a:ext cx="2505425" cy="2086266"/>
+          </a:xfrm>
+          <a:prstGeom prst="rect">
+            <a:avLst/>
+          </a:prstGeom>
+        </p:spPr>
+      </p:pic>
+    </p:spTree>
+    <p:extLst>
+      <p:ext uri="{BB962C8B-B14F-4D97-AF65-F5344CB8AC3E}">
+        <p14:creationId xmlns:p14="http://schemas.microsoft.com/office/powerpoint/2010/main" val="680729752"/>
+      </p:ext>
+    </p:extLst>
+  </p:cSld>
+  <p:clrMapOvr>
+    <a:masterClrMapping/>
+  </p:clrMapOvr>
+</p:sld>
+</file>
+
+<file path=ppt/slides/slide23.xml><?xml version="1.0" encoding="utf-8"?>
+<p:sld xmlns:a="http://schemas.openxmlformats.org/drawingml/2006/main" xmlns:r="http://schemas.openxmlformats.org/officeDocument/2006/relationships" xmlns:p="http://schemas.openxmlformats.org/presentationml/2006/main">
+  <p:cSld>
+    <p:spTree>
+      <p:nvGrpSpPr>
+        <p:cNvPr id="1" name=""/>
+        <p:cNvGrpSpPr/>
+        <p:nvPr/>
+      </p:nvGrpSpPr>
+      <p:grpSpPr>
+        <a:xfrm>
+          <a:off x="0" y="0"/>
+          <a:ext cx="0" cy="0"/>
+          <a:chOff x="0" y="0"/>
+          <a:chExt cx="0" cy="0"/>
+        </a:xfrm>
+      </p:grpSpPr>
+      <p:sp>
+        <p:nvSpPr>
+          <p:cNvPr id="2" name="제목 1">
+            <a:extLst>
+              <a:ext uri="{FF2B5EF4-FFF2-40B4-BE49-F238E27FC236}">
+                <a16:creationId xmlns:a16="http://schemas.microsoft.com/office/drawing/2014/main" id="{A4258672-ED43-456E-B32B-FB8AEEDC1D86}"/>
+              </a:ext>
+            </a:extLst>
+          </p:cNvPr>
+          <p:cNvSpPr>
+            <a:spLocks noGrp="1"/>
+          </p:cNvSpPr>
+          <p:nvPr>
+            <p:ph type="ctrTitle"/>
+          </p:nvPr>
+        </p:nvSpPr>
+        <p:spPr>
+          <a:xfrm>
+            <a:off x="499144" y="337627"/>
+            <a:ext cx="11269211" cy="748382"/>
+          </a:xfrm>
+        </p:spPr>
+        <p:txBody>
+          <a:bodyPr>
+            <a:normAutofit/>
+          </a:bodyPr>
+          <a:lstStyle/>
+          <a:p>
+            <a:pPr algn="l"/>
+            <a:r>
+              <a:rPr lang="en-US" altLang="ko-KR" sz="3600" b="1" dirty="0"/>
+              <a:t>Convolution Layers</a:t>
+            </a:r>
+            <a:endParaRPr lang="ko-KR" altLang="en-US" sz="3600" b="1" dirty="0"/>
+          </a:p>
+        </p:txBody>
+      </p:sp>
+      <mc:AlternateContent xmlns:mc="http://schemas.openxmlformats.org/markup-compatibility/2006">
+        <mc:Choice xmlns:p14="http://schemas.microsoft.com/office/powerpoint/2010/main" Requires="p14">
+          <p:contentPart p14:bwMode="auto" r:id="rId2">
+            <p14:nvContentPartPr>
+              <p14:cNvPr id="35" name="잉크 34">
+                <a:extLst>
+                  <a:ext uri="{FF2B5EF4-FFF2-40B4-BE49-F238E27FC236}">
+                    <a16:creationId xmlns:a16="http://schemas.microsoft.com/office/drawing/2014/main" id="{6D3EBD7B-F07A-47C1-8FB5-44A87D69E4E2}"/>
+                  </a:ext>
+                </a:extLst>
+              </p14:cNvPr>
+              <p14:cNvContentPartPr/>
+              <p14:nvPr/>
+            </p14:nvContentPartPr>
+            <p14:xfrm>
+              <a:off x="6737135" y="-1251682"/>
+              <a:ext cx="360" cy="360"/>
+            </p14:xfrm>
+          </p:contentPart>
+        </mc:Choice>
+        <mc:Fallback>
+          <p:pic>
+            <p:nvPicPr>
+              <p:cNvPr id="35" name="잉크 34">
+                <a:extLst>
+                  <a:ext uri="{FF2B5EF4-FFF2-40B4-BE49-F238E27FC236}">
+                    <a16:creationId xmlns:a16="http://schemas.microsoft.com/office/drawing/2014/main" id="{6D3EBD7B-F07A-47C1-8FB5-44A87D69E4E2}"/>
+                  </a:ext>
+                </a:extLst>
+              </p:cNvPr>
+              <p:cNvPicPr/>
+              <p:nvPr/>
+            </p:nvPicPr>
+            <p:blipFill>
+              <a:blip r:embed="rId3"/>
+              <a:stretch>
+                <a:fillRect/>
+              </a:stretch>
+            </p:blipFill>
+            <p:spPr>
+              <a:xfrm>
+                <a:off x="6728135" y="-1260322"/>
+                <a:ext cx="18000" cy="18000"/>
+              </a:xfrm>
+              <a:prstGeom prst="rect">
+                <a:avLst/>
+              </a:prstGeom>
+            </p:spPr>
+          </p:pic>
+        </mc:Fallback>
+      </mc:AlternateContent>
+      <mc:AlternateContent xmlns:mc="http://schemas.openxmlformats.org/markup-compatibility/2006">
+        <mc:Choice xmlns:p14="http://schemas.microsoft.com/office/powerpoint/2010/main" Requires="p14">
+          <p:contentPart p14:bwMode="auto" r:id="rId4">
+            <p14:nvContentPartPr>
+              <p14:cNvPr id="36" name="잉크 35">
+                <a:extLst>
+                  <a:ext uri="{FF2B5EF4-FFF2-40B4-BE49-F238E27FC236}">
+                    <a16:creationId xmlns:a16="http://schemas.microsoft.com/office/drawing/2014/main" id="{8008A02C-E256-48EB-BC1B-4B66B5E2E6CB}"/>
+                  </a:ext>
+                </a:extLst>
+              </p14:cNvPr>
+              <p14:cNvContentPartPr/>
+              <p14:nvPr/>
+            </p14:nvContentPartPr>
+            <p14:xfrm>
+              <a:off x="10040184" y="1812600"/>
+              <a:ext cx="3960" cy="360"/>
+            </p14:xfrm>
+          </p:contentPart>
+        </mc:Choice>
+        <mc:Fallback>
+          <p:pic>
+            <p:nvPicPr>
+              <p:cNvPr id="36" name="잉크 35">
+                <a:extLst>
+                  <a:ext uri="{FF2B5EF4-FFF2-40B4-BE49-F238E27FC236}">
+                    <a16:creationId xmlns:a16="http://schemas.microsoft.com/office/drawing/2014/main" id="{8008A02C-E256-48EB-BC1B-4B66B5E2E6CB}"/>
+                  </a:ext>
+                </a:extLst>
+              </p:cNvPr>
+              <p:cNvPicPr/>
+              <p:nvPr/>
+            </p:nvPicPr>
+            <p:blipFill>
+              <a:blip r:embed="rId3"/>
+              <a:stretch>
+                <a:fillRect/>
+              </a:stretch>
+            </p:blipFill>
+            <p:spPr>
+              <a:xfrm>
+                <a:off x="10031544" y="1803600"/>
+                <a:ext cx="21600" cy="18000"/>
+              </a:xfrm>
+              <a:prstGeom prst="rect">
+                <a:avLst/>
+              </a:prstGeom>
+            </p:spPr>
+          </p:pic>
+        </mc:Fallback>
+      </mc:AlternateContent>
+      <p:pic>
+        <p:nvPicPr>
+          <p:cNvPr id="5" name="그림 4">
+            <a:extLst>
+              <a:ext uri="{FF2B5EF4-FFF2-40B4-BE49-F238E27FC236}">
+                <a16:creationId xmlns:a16="http://schemas.microsoft.com/office/drawing/2014/main" id="{5A86FDF6-3C6B-4EA2-9D45-D99086210AD8}"/>
+              </a:ext>
+            </a:extLst>
+          </p:cNvPr>
+          <p:cNvPicPr>
+            <a:picLocks noChangeAspect="1"/>
+          </p:cNvPicPr>
+          <p:nvPr/>
+        </p:nvPicPr>
+        <p:blipFill>
+          <a:blip r:embed="rId5"/>
+          <a:stretch>
+            <a:fillRect/>
+          </a:stretch>
+        </p:blipFill>
+        <p:spPr>
+          <a:xfrm>
+            <a:off x="726756" y="1871445"/>
+            <a:ext cx="2856078" cy="4096218"/>
+          </a:xfrm>
+          <a:prstGeom prst="rect">
+            <a:avLst/>
+          </a:prstGeom>
+        </p:spPr>
+      </p:pic>
+      <p:pic>
+        <p:nvPicPr>
+          <p:cNvPr id="4" name="그림 3">
+            <a:extLst>
+              <a:ext uri="{FF2B5EF4-FFF2-40B4-BE49-F238E27FC236}">
+                <a16:creationId xmlns:a16="http://schemas.microsoft.com/office/drawing/2014/main" id="{B0F23ACE-3088-43C8-9E19-B6D29E3F38FA}"/>
+              </a:ext>
+            </a:extLst>
+          </p:cNvPr>
+          <p:cNvPicPr>
+            <a:picLocks noChangeAspect="1"/>
+          </p:cNvPicPr>
+          <p:nvPr/>
+        </p:nvPicPr>
+        <p:blipFill>
+          <a:blip r:embed="rId6"/>
+          <a:stretch>
+            <a:fillRect/>
+          </a:stretch>
+        </p:blipFill>
+        <p:spPr>
+          <a:xfrm>
+            <a:off x="4492669" y="3691377"/>
+            <a:ext cx="3282160" cy="521668"/>
+          </a:xfrm>
+          <a:prstGeom prst="rect">
+            <a:avLst/>
+          </a:prstGeom>
+        </p:spPr>
+      </p:pic>
+      <p:pic>
+        <p:nvPicPr>
+          <p:cNvPr id="7" name="그림 6">
+            <a:extLst>
+              <a:ext uri="{FF2B5EF4-FFF2-40B4-BE49-F238E27FC236}">
+                <a16:creationId xmlns:a16="http://schemas.microsoft.com/office/drawing/2014/main" id="{02FFA855-6714-47D0-B6D9-D9B97E091A33}"/>
+              </a:ext>
+            </a:extLst>
+          </p:cNvPr>
+          <p:cNvPicPr>
+            <a:picLocks noChangeAspect="1"/>
+          </p:cNvPicPr>
+          <p:nvPr/>
+        </p:nvPicPr>
+        <p:blipFill>
+          <a:blip r:embed="rId7"/>
+          <a:stretch>
+            <a:fillRect/>
+          </a:stretch>
+        </p:blipFill>
+        <p:spPr>
+          <a:xfrm>
+            <a:off x="8251109" y="1932562"/>
+            <a:ext cx="1857960" cy="3112479"/>
+          </a:xfrm>
+          <a:prstGeom prst="rect">
+            <a:avLst/>
+          </a:prstGeom>
+        </p:spPr>
+      </p:pic>
+      <p:sp>
+        <p:nvSpPr>
+          <p:cNvPr id="16" name="TextBox 15">
+            <a:extLst>
+              <a:ext uri="{FF2B5EF4-FFF2-40B4-BE49-F238E27FC236}">
+                <a16:creationId xmlns:a16="http://schemas.microsoft.com/office/drawing/2014/main" id="{A9341DFC-A0F4-48B8-9455-36F8370DFDA8}"/>
+              </a:ext>
+            </a:extLst>
+          </p:cNvPr>
+          <p:cNvSpPr txBox="1"/>
+          <p:nvPr/>
+        </p:nvSpPr>
+        <p:spPr>
+          <a:xfrm>
+            <a:off x="3682998" y="2444125"/>
+            <a:ext cx="4283317" cy="461665"/>
+          </a:xfrm>
+          <a:prstGeom prst="rect">
+            <a:avLst/>
+          </a:prstGeom>
+          <a:noFill/>
+        </p:spPr>
+        <p:txBody>
+          <a:bodyPr wrap="square" rtlCol="0">
+            <a:spAutoFit/>
+          </a:bodyPr>
+          <a:lstStyle/>
+          <a:p>
+            <a:pPr algn="l"/>
+            <a:r>
+              <a:rPr lang="en-US" altLang="ko-KR" sz="2400" dirty="0"/>
+              <a:t>Filter</a:t>
+            </a:r>
+            <a:r>
+              <a:rPr lang="ko-KR" altLang="en-US" sz="2400" dirty="0"/>
+              <a:t>가 </a:t>
+            </a:r>
+            <a:r>
+              <a:rPr lang="en-US" altLang="ko-KR" sz="2400" dirty="0"/>
+              <a:t>6</a:t>
+            </a:r>
+            <a:r>
+              <a:rPr lang="ko-KR" altLang="en-US" sz="2400" dirty="0"/>
+              <a:t>개라면</a:t>
+            </a:r>
+            <a:r>
+              <a:rPr lang="en-US" altLang="ko-KR" sz="2400" dirty="0"/>
+              <a:t>?</a:t>
+            </a:r>
+            <a:endParaRPr lang="ko-KR" altLang="en-US" sz="2400" dirty="0"/>
+          </a:p>
+        </p:txBody>
+      </p:sp>
+      <p:sp>
+        <p:nvSpPr>
+          <p:cNvPr id="17" name="TextBox 16">
+            <a:extLst>
+              <a:ext uri="{FF2B5EF4-FFF2-40B4-BE49-F238E27FC236}">
+                <a16:creationId xmlns:a16="http://schemas.microsoft.com/office/drawing/2014/main" id="{E24A0834-41ED-4998-A99A-73AA82AD4BA8}"/>
+              </a:ext>
+            </a:extLst>
+          </p:cNvPr>
+          <p:cNvSpPr txBox="1"/>
+          <p:nvPr/>
+        </p:nvSpPr>
+        <p:spPr>
+          <a:xfrm>
+            <a:off x="8609168" y="5444443"/>
+            <a:ext cx="2268548" cy="523220"/>
+          </a:xfrm>
+          <a:prstGeom prst="rect">
+            <a:avLst/>
+          </a:prstGeom>
+          <a:noFill/>
+        </p:spPr>
+        <p:txBody>
+          <a:bodyPr wrap="square" rtlCol="0">
+            <a:spAutoFit/>
+          </a:bodyPr>
+          <a:lstStyle/>
+          <a:p>
+            <a:pPr algn="l"/>
+            <a:r>
+              <a:rPr lang="en-US" altLang="ko-KR" sz="2800" b="1" dirty="0"/>
+              <a:t>28x28x</a:t>
+            </a:r>
+            <a:r>
+              <a:rPr lang="en-US" altLang="ko-KR" sz="2800" b="1" dirty="0">
+                <a:solidFill>
+                  <a:srgbClr val="0070C0"/>
+                </a:solidFill>
+              </a:rPr>
+              <a:t>6</a:t>
+            </a:r>
+            <a:endParaRPr lang="ko-KR" altLang="en-US" sz="2800" b="1" dirty="0">
+              <a:solidFill>
+                <a:srgbClr val="0070C0"/>
+              </a:solidFill>
+            </a:endParaRPr>
+          </a:p>
+        </p:txBody>
+      </p:sp>
+    </p:spTree>
+    <p:extLst>
+      <p:ext uri="{BB962C8B-B14F-4D97-AF65-F5344CB8AC3E}">
+        <p14:creationId xmlns:p14="http://schemas.microsoft.com/office/powerpoint/2010/main" val="2411134801"/>
+      </p:ext>
+    </p:extLst>
+  </p:cSld>
+  <p:clrMapOvr>
+    <a:masterClrMapping/>
+  </p:clrMapOvr>
+</p:sld>
+</file>
+
+<file path=ppt/slides/slide24.xml><?xml version="1.0" encoding="utf-8"?>
+<p:sld xmlns:a="http://schemas.openxmlformats.org/drawingml/2006/main" xmlns:r="http://schemas.openxmlformats.org/officeDocument/2006/relationships" xmlns:p="http://schemas.openxmlformats.org/presentationml/2006/main">
+  <p:cSld>
+    <p:spTree>
+      <p:nvGrpSpPr>
+        <p:cNvPr id="1" name=""/>
+        <p:cNvGrpSpPr/>
+        <p:nvPr/>
+      </p:nvGrpSpPr>
+      <p:grpSpPr>
+        <a:xfrm>
+          <a:off x="0" y="0"/>
+          <a:ext cx="0" cy="0"/>
+          <a:chOff x="0" y="0"/>
+          <a:chExt cx="0" cy="0"/>
+        </a:xfrm>
+      </p:grpSpPr>
+      <p:sp>
+        <p:nvSpPr>
+          <p:cNvPr id="2" name="제목 1">
+            <a:extLst>
+              <a:ext uri="{FF2B5EF4-FFF2-40B4-BE49-F238E27FC236}">
+                <a16:creationId xmlns:a16="http://schemas.microsoft.com/office/drawing/2014/main" id="{A4258672-ED43-456E-B32B-FB8AEEDC1D86}"/>
+              </a:ext>
+            </a:extLst>
+          </p:cNvPr>
+          <p:cNvSpPr>
+            <a:spLocks noGrp="1"/>
+          </p:cNvSpPr>
+          <p:nvPr>
+            <p:ph type="ctrTitle"/>
+          </p:nvPr>
+        </p:nvSpPr>
+        <p:spPr>
+          <a:xfrm>
+            <a:off x="499144" y="337627"/>
+            <a:ext cx="11269211" cy="748382"/>
+          </a:xfrm>
+        </p:spPr>
+        <p:txBody>
+          <a:bodyPr>
+            <a:normAutofit/>
+          </a:bodyPr>
+          <a:lstStyle/>
+          <a:p>
+            <a:pPr algn="l"/>
+            <a:r>
+              <a:rPr lang="en-US" altLang="ko-KR" sz="3600" b="1" dirty="0"/>
+              <a:t>Pooling Layer</a:t>
+            </a:r>
+            <a:endParaRPr lang="ko-KR" altLang="en-US" sz="3600" b="1" dirty="0"/>
+          </a:p>
+        </p:txBody>
+      </p:sp>
+      <mc:AlternateContent xmlns:mc="http://schemas.openxmlformats.org/markup-compatibility/2006">
+        <mc:Choice xmlns:p14="http://schemas.microsoft.com/office/powerpoint/2010/main" Requires="p14">
+          <p:contentPart p14:bwMode="auto" r:id="rId2">
+            <p14:nvContentPartPr>
+              <p14:cNvPr id="35" name="잉크 34">
+                <a:extLst>
+                  <a:ext uri="{FF2B5EF4-FFF2-40B4-BE49-F238E27FC236}">
+                    <a16:creationId xmlns:a16="http://schemas.microsoft.com/office/drawing/2014/main" id="{6D3EBD7B-F07A-47C1-8FB5-44A87D69E4E2}"/>
+                  </a:ext>
+                </a:extLst>
+              </p14:cNvPr>
+              <p14:cNvContentPartPr/>
+              <p14:nvPr/>
+            </p14:nvContentPartPr>
+            <p14:xfrm>
+              <a:off x="6737135" y="-1251682"/>
+              <a:ext cx="360" cy="360"/>
+            </p14:xfrm>
+          </p:contentPart>
+        </mc:Choice>
+        <mc:Fallback>
+          <p:pic>
+            <p:nvPicPr>
+              <p:cNvPr id="35" name="잉크 34">
+                <a:extLst>
+                  <a:ext uri="{FF2B5EF4-FFF2-40B4-BE49-F238E27FC236}">
+                    <a16:creationId xmlns:a16="http://schemas.microsoft.com/office/drawing/2014/main" id="{6D3EBD7B-F07A-47C1-8FB5-44A87D69E4E2}"/>
+                  </a:ext>
+                </a:extLst>
+              </p:cNvPr>
+              <p:cNvPicPr/>
+              <p:nvPr/>
+            </p:nvPicPr>
+            <p:blipFill>
+              <a:blip r:embed="rId3"/>
+              <a:stretch>
+                <a:fillRect/>
+              </a:stretch>
+            </p:blipFill>
+            <p:spPr>
+              <a:xfrm>
+                <a:off x="6728135" y="-1260322"/>
+                <a:ext cx="18000" cy="18000"/>
+              </a:xfrm>
+              <a:prstGeom prst="rect">
+                <a:avLst/>
+              </a:prstGeom>
+            </p:spPr>
+          </p:pic>
+        </mc:Fallback>
+      </mc:AlternateContent>
+      <mc:AlternateContent xmlns:mc="http://schemas.openxmlformats.org/markup-compatibility/2006">
+        <mc:Choice xmlns:p14="http://schemas.microsoft.com/office/powerpoint/2010/main" Requires="p14">
+          <p:contentPart p14:bwMode="auto" r:id="rId4">
+            <p14:nvContentPartPr>
+              <p14:cNvPr id="36" name="잉크 35">
+                <a:extLst>
+                  <a:ext uri="{FF2B5EF4-FFF2-40B4-BE49-F238E27FC236}">
+                    <a16:creationId xmlns:a16="http://schemas.microsoft.com/office/drawing/2014/main" id="{8008A02C-E256-48EB-BC1B-4B66B5E2E6CB}"/>
+                  </a:ext>
+                </a:extLst>
+              </p14:cNvPr>
+              <p14:cNvContentPartPr/>
+              <p14:nvPr/>
+            </p14:nvContentPartPr>
+            <p14:xfrm>
+              <a:off x="8660562" y="1812600"/>
+              <a:ext cx="3960" cy="360"/>
+            </p14:xfrm>
+          </p:contentPart>
+        </mc:Choice>
+        <mc:Fallback>
+          <p:pic>
+            <p:nvPicPr>
+              <p:cNvPr id="36" name="잉크 35">
+                <a:extLst>
+                  <a:ext uri="{FF2B5EF4-FFF2-40B4-BE49-F238E27FC236}">
+                    <a16:creationId xmlns:a16="http://schemas.microsoft.com/office/drawing/2014/main" id="{8008A02C-E256-48EB-BC1B-4B66B5E2E6CB}"/>
+                  </a:ext>
+                </a:extLst>
+              </p:cNvPr>
+              <p:cNvPicPr/>
+              <p:nvPr/>
+            </p:nvPicPr>
+            <p:blipFill>
+              <a:blip r:embed="rId3"/>
+              <a:stretch>
+                <a:fillRect/>
+              </a:stretch>
+            </p:blipFill>
+            <p:spPr>
+              <a:xfrm>
+                <a:off x="8651922" y="1803600"/>
+                <a:ext cx="21600" cy="18000"/>
+              </a:xfrm>
+              <a:prstGeom prst="rect">
+                <a:avLst/>
+              </a:prstGeom>
+            </p:spPr>
+          </p:pic>
+        </mc:Fallback>
+      </mc:AlternateContent>
+      <p:pic>
+        <p:nvPicPr>
+          <p:cNvPr id="6" name="그림 5">
+            <a:extLst>
+              <a:ext uri="{FF2B5EF4-FFF2-40B4-BE49-F238E27FC236}">
+                <a16:creationId xmlns:a16="http://schemas.microsoft.com/office/drawing/2014/main" id="{AFAB544D-C881-455A-B61B-80FD096000BD}"/>
+              </a:ext>
+            </a:extLst>
+          </p:cNvPr>
+          <p:cNvPicPr>
+            <a:picLocks noChangeAspect="1"/>
+          </p:cNvPicPr>
+          <p:nvPr/>
+        </p:nvPicPr>
+        <p:blipFill>
+          <a:blip r:embed="rId5"/>
+          <a:stretch>
+            <a:fillRect/>
+          </a:stretch>
+        </p:blipFill>
+        <p:spPr>
+          <a:xfrm>
+            <a:off x="898708" y="1724014"/>
+            <a:ext cx="7298807" cy="4796359"/>
+          </a:xfrm>
+          <a:prstGeom prst="rect">
+            <a:avLst/>
+          </a:prstGeom>
+        </p:spPr>
+      </p:pic>
+      <p:pic>
+        <p:nvPicPr>
+          <p:cNvPr id="9" name="그림 8">
+            <a:extLst>
+              <a:ext uri="{FF2B5EF4-FFF2-40B4-BE49-F238E27FC236}">
+                <a16:creationId xmlns:a16="http://schemas.microsoft.com/office/drawing/2014/main" id="{7B60CF53-93FD-4837-B517-8C1FA5E5DE3A}"/>
+              </a:ext>
+            </a:extLst>
+          </p:cNvPr>
+          <p:cNvPicPr>
+            <a:picLocks noChangeAspect="1"/>
+          </p:cNvPicPr>
+          <p:nvPr/>
+        </p:nvPicPr>
+        <p:blipFill>
+          <a:blip r:embed="rId6"/>
+          <a:stretch>
+            <a:fillRect/>
+          </a:stretch>
+        </p:blipFill>
+        <p:spPr>
+          <a:xfrm>
+            <a:off x="1363577" y="1856716"/>
+            <a:ext cx="1331495" cy="2584666"/>
+          </a:xfrm>
+          <a:prstGeom prst="rect">
+            <a:avLst/>
+          </a:prstGeom>
+        </p:spPr>
+      </p:pic>
+      <p:sp>
+        <p:nvSpPr>
+          <p:cNvPr id="14" name="TextBox 13">
+            <a:extLst>
+              <a:ext uri="{FF2B5EF4-FFF2-40B4-BE49-F238E27FC236}">
+                <a16:creationId xmlns:a16="http://schemas.microsoft.com/office/drawing/2014/main" id="{DCA12C70-8D7E-4DB7-BF0D-1E5FCA3E243B}"/>
+              </a:ext>
+            </a:extLst>
+          </p:cNvPr>
+          <p:cNvSpPr txBox="1"/>
+          <p:nvPr/>
+        </p:nvSpPr>
+        <p:spPr>
+          <a:xfrm>
+            <a:off x="8197515" y="4153649"/>
+            <a:ext cx="3380649" cy="1323439"/>
+          </a:xfrm>
+          <a:prstGeom prst="rect">
+            <a:avLst/>
+          </a:prstGeom>
+          <a:noFill/>
+        </p:spPr>
+        <p:txBody>
+          <a:bodyPr wrap="square" rtlCol="0">
+            <a:spAutoFit/>
+          </a:bodyPr>
+          <a:lstStyle/>
+          <a:p>
+            <a:pPr algn="l"/>
+            <a:r>
+              <a:rPr lang="en-US" altLang="ko-KR" sz="2800" b="1" dirty="0">
+                <a:latin typeface="MalgunGothicBold"/>
+              </a:rPr>
+              <a:t>  Depth</a:t>
+            </a:r>
+            <a:r>
+              <a:rPr lang="ko-KR" altLang="en-US" sz="2800" b="1" dirty="0">
+                <a:latin typeface="MalgunGothicBold"/>
+              </a:rPr>
+              <a:t>가 줄어들까</a:t>
+            </a:r>
+            <a:r>
+              <a:rPr lang="en-US" altLang="ko-KR" sz="2800" b="1" dirty="0">
+                <a:latin typeface="MalgunGothicBold"/>
+              </a:rPr>
+              <a:t>?</a:t>
+            </a:r>
+          </a:p>
+          <a:p>
+            <a:pPr algn="ctr"/>
+            <a:endParaRPr lang="en-US" altLang="ko-KR" sz="2400" b="1" dirty="0"/>
+          </a:p>
+          <a:p>
+            <a:pPr algn="ctr"/>
+            <a:r>
+              <a:rPr lang="en-US" altLang="ko-KR" sz="2800" b="1" dirty="0">
+                <a:solidFill>
+                  <a:srgbClr val="FF0000"/>
+                </a:solidFill>
+              </a:rPr>
+              <a:t>No!</a:t>
+            </a:r>
+            <a:endParaRPr lang="ko-KR" altLang="en-US" sz="2800" b="1" dirty="0">
+              <a:solidFill>
+                <a:srgbClr val="FF0000"/>
+              </a:solidFill>
+            </a:endParaRPr>
+          </a:p>
+        </p:txBody>
+      </p:sp>
+    </p:spTree>
+    <p:extLst>
+      <p:ext uri="{BB962C8B-B14F-4D97-AF65-F5344CB8AC3E}">
+        <p14:creationId xmlns:p14="http://schemas.microsoft.com/office/powerpoint/2010/main" val="2283628628"/>
+      </p:ext>
+    </p:extLst>
+  </p:cSld>
+  <p:clrMapOvr>
+    <a:masterClrMapping/>
+  </p:clrMapOvr>
+</p:sld>
+</file>
+
+<file path=ppt/slides/slide25.xml><?xml version="1.0" encoding="utf-8"?>
+<p:sld xmlns:a="http://schemas.openxmlformats.org/drawingml/2006/main" xmlns:r="http://schemas.openxmlformats.org/officeDocument/2006/relationships" xmlns:p="http://schemas.openxmlformats.org/presentationml/2006/main">
+  <p:cSld>
+    <p:spTree>
+      <p:nvGrpSpPr>
+        <p:cNvPr id="1" name=""/>
+        <p:cNvGrpSpPr/>
+        <p:nvPr/>
+      </p:nvGrpSpPr>
+      <p:grpSpPr>
+        <a:xfrm>
+          <a:off x="0" y="0"/>
+          <a:ext cx="0" cy="0"/>
+          <a:chOff x="0" y="0"/>
+          <a:chExt cx="0" cy="0"/>
+        </a:xfrm>
+      </p:grpSpPr>
+      <p:sp>
+        <p:nvSpPr>
+          <p:cNvPr id="2" name="제목 1">
+            <a:extLst>
+              <a:ext uri="{FF2B5EF4-FFF2-40B4-BE49-F238E27FC236}">
+                <a16:creationId xmlns:a16="http://schemas.microsoft.com/office/drawing/2014/main" id="{A4258672-ED43-456E-B32B-FB8AEEDC1D86}"/>
+              </a:ext>
+            </a:extLst>
+          </p:cNvPr>
+          <p:cNvSpPr>
+            <a:spLocks noGrp="1"/>
+          </p:cNvSpPr>
+          <p:nvPr>
+            <p:ph type="ctrTitle"/>
+          </p:nvPr>
+        </p:nvSpPr>
+        <p:spPr>
+          <a:xfrm>
+            <a:off x="499144" y="337627"/>
+            <a:ext cx="11269211" cy="748382"/>
+          </a:xfrm>
+        </p:spPr>
+        <p:txBody>
+          <a:bodyPr>
+            <a:normAutofit/>
+          </a:bodyPr>
+          <a:lstStyle/>
+          <a:p>
+            <a:pPr algn="l"/>
+            <a:r>
+              <a:rPr lang="en-US" altLang="ko-KR" sz="3600" b="1" dirty="0"/>
+              <a:t>Pooling Layer</a:t>
+            </a:r>
+            <a:endParaRPr lang="ko-KR" altLang="en-US" sz="3600" b="1" dirty="0"/>
+          </a:p>
+        </p:txBody>
+      </p:sp>
+      <mc:AlternateContent xmlns:mc="http://schemas.openxmlformats.org/markup-compatibility/2006">
+        <mc:Choice xmlns:p14="http://schemas.microsoft.com/office/powerpoint/2010/main" Requires="p14">
+          <p:contentPart p14:bwMode="auto" r:id="rId2">
+            <p14:nvContentPartPr>
+              <p14:cNvPr id="35" name="잉크 34">
+                <a:extLst>
+                  <a:ext uri="{FF2B5EF4-FFF2-40B4-BE49-F238E27FC236}">
+                    <a16:creationId xmlns:a16="http://schemas.microsoft.com/office/drawing/2014/main" id="{6D3EBD7B-F07A-47C1-8FB5-44A87D69E4E2}"/>
+                  </a:ext>
+                </a:extLst>
+              </p14:cNvPr>
+              <p14:cNvContentPartPr/>
+              <p14:nvPr/>
+            </p14:nvContentPartPr>
+            <p14:xfrm>
+              <a:off x="6737135" y="-1251682"/>
+              <a:ext cx="360" cy="360"/>
+            </p14:xfrm>
+          </p:contentPart>
+        </mc:Choice>
+        <mc:Fallback>
+          <p:pic>
+            <p:nvPicPr>
+              <p:cNvPr id="35" name="잉크 34">
+                <a:extLst>
+                  <a:ext uri="{FF2B5EF4-FFF2-40B4-BE49-F238E27FC236}">
+                    <a16:creationId xmlns:a16="http://schemas.microsoft.com/office/drawing/2014/main" id="{6D3EBD7B-F07A-47C1-8FB5-44A87D69E4E2}"/>
+                  </a:ext>
+                </a:extLst>
+              </p:cNvPr>
+              <p:cNvPicPr/>
+              <p:nvPr/>
+            </p:nvPicPr>
+            <p:blipFill>
+              <a:blip r:embed="rId3"/>
+              <a:stretch>
+                <a:fillRect/>
+              </a:stretch>
+            </p:blipFill>
+            <p:spPr>
+              <a:xfrm>
+                <a:off x="6728135" y="-1260322"/>
+                <a:ext cx="18000" cy="18000"/>
+              </a:xfrm>
+              <a:prstGeom prst="rect">
+                <a:avLst/>
+              </a:prstGeom>
+            </p:spPr>
+          </p:pic>
+        </mc:Fallback>
+      </mc:AlternateContent>
+      <mc:AlternateContent xmlns:mc="http://schemas.openxmlformats.org/markup-compatibility/2006">
+        <mc:Choice xmlns:p14="http://schemas.microsoft.com/office/powerpoint/2010/main" Requires="p14">
+          <p:contentPart p14:bwMode="auto" r:id="rId4">
+            <p14:nvContentPartPr>
+              <p14:cNvPr id="36" name="잉크 35">
+                <a:extLst>
+                  <a:ext uri="{FF2B5EF4-FFF2-40B4-BE49-F238E27FC236}">
+                    <a16:creationId xmlns:a16="http://schemas.microsoft.com/office/drawing/2014/main" id="{8008A02C-E256-48EB-BC1B-4B66B5E2E6CB}"/>
+                  </a:ext>
+                </a:extLst>
+              </p14:cNvPr>
+              <p14:cNvContentPartPr/>
+              <p14:nvPr/>
+            </p14:nvContentPartPr>
+            <p14:xfrm>
+              <a:off x="8660562" y="1812600"/>
+              <a:ext cx="3960" cy="360"/>
+            </p14:xfrm>
+          </p:contentPart>
+        </mc:Choice>
+        <mc:Fallback>
+          <p:pic>
+            <p:nvPicPr>
+              <p:cNvPr id="36" name="잉크 35">
+                <a:extLst>
+                  <a:ext uri="{FF2B5EF4-FFF2-40B4-BE49-F238E27FC236}">
+                    <a16:creationId xmlns:a16="http://schemas.microsoft.com/office/drawing/2014/main" id="{8008A02C-E256-48EB-BC1B-4B66B5E2E6CB}"/>
+                  </a:ext>
+                </a:extLst>
+              </p:cNvPr>
+              <p:cNvPicPr/>
+              <p:nvPr/>
+            </p:nvPicPr>
+            <p:blipFill>
+              <a:blip r:embed="rId3"/>
+              <a:stretch>
+                <a:fillRect/>
+              </a:stretch>
+            </p:blipFill>
+            <p:spPr>
+              <a:xfrm>
+                <a:off x="8651922" y="1803600"/>
+                <a:ext cx="21600" cy="18000"/>
+              </a:xfrm>
+              <a:prstGeom prst="rect">
+                <a:avLst/>
+              </a:prstGeom>
+            </p:spPr>
+          </p:pic>
+        </mc:Fallback>
+      </mc:AlternateContent>
+      <p:sp>
+        <p:nvSpPr>
+          <p:cNvPr id="8" name="TextBox 7">
+            <a:extLst>
+              <a:ext uri="{FF2B5EF4-FFF2-40B4-BE49-F238E27FC236}">
+                <a16:creationId xmlns:a16="http://schemas.microsoft.com/office/drawing/2014/main" id="{93596C7E-58C5-4803-B63C-5E268414D30F}"/>
+              </a:ext>
+            </a:extLst>
+          </p:cNvPr>
+          <p:cNvSpPr txBox="1"/>
+          <p:nvPr/>
+        </p:nvSpPr>
+        <p:spPr>
+          <a:xfrm>
+            <a:off x="581530" y="1431813"/>
+            <a:ext cx="4283317" cy="584775"/>
+          </a:xfrm>
+          <a:prstGeom prst="rect">
+            <a:avLst/>
+          </a:prstGeom>
+          <a:noFill/>
+        </p:spPr>
+        <p:txBody>
+          <a:bodyPr wrap="square" rtlCol="0">
+            <a:spAutoFit/>
+          </a:bodyPr>
+          <a:lstStyle/>
+          <a:p>
+            <a:pPr algn="l"/>
+            <a:r>
+              <a:rPr lang="en-US" altLang="ko-KR" sz="3200" b="1" dirty="0">
+                <a:latin typeface="MalgunGothicBold"/>
+              </a:rPr>
+              <a:t>1. Max Pooling</a:t>
+            </a:r>
+            <a:endParaRPr lang="ko-KR" altLang="en-US" sz="3200" b="1" dirty="0"/>
+          </a:p>
+        </p:txBody>
+      </p:sp>
+      <p:pic>
+        <p:nvPicPr>
+          <p:cNvPr id="4" name="그림 3">
+            <a:extLst>
+              <a:ext uri="{FF2B5EF4-FFF2-40B4-BE49-F238E27FC236}">
+                <a16:creationId xmlns:a16="http://schemas.microsoft.com/office/drawing/2014/main" id="{0B3CE150-548D-47CB-AD02-0396B248C752}"/>
+              </a:ext>
+            </a:extLst>
+          </p:cNvPr>
+          <p:cNvPicPr>
+            <a:picLocks noChangeAspect="1"/>
+          </p:cNvPicPr>
+          <p:nvPr/>
+        </p:nvPicPr>
+        <p:blipFill>
+          <a:blip r:embed="rId5"/>
+          <a:stretch>
+            <a:fillRect/>
+          </a:stretch>
+        </p:blipFill>
+        <p:spPr>
+          <a:xfrm>
+            <a:off x="1424559" y="2181726"/>
+            <a:ext cx="9342881" cy="4338647"/>
+          </a:xfrm>
+          <a:prstGeom prst="rect">
+            <a:avLst/>
+          </a:prstGeom>
+        </p:spPr>
+      </p:pic>
+    </p:spTree>
+    <p:extLst>
+      <p:ext uri="{BB962C8B-B14F-4D97-AF65-F5344CB8AC3E}">
+        <p14:creationId xmlns:p14="http://schemas.microsoft.com/office/powerpoint/2010/main" val="115454505"/>
+      </p:ext>
+    </p:extLst>
+  </p:cSld>
+  <p:clrMapOvr>
+    <a:masterClrMapping/>
+  </p:clrMapOvr>
+</p:sld>
+</file>
+
+<file path=ppt/slides/slide26.xml><?xml version="1.0" encoding="utf-8"?>
+<p:sld xmlns:a="http://schemas.openxmlformats.org/drawingml/2006/main" xmlns:r="http://schemas.openxmlformats.org/officeDocument/2006/relationships" xmlns:p="http://schemas.openxmlformats.org/presentationml/2006/main">
+  <p:cSld>
+    <p:spTree>
+      <p:nvGrpSpPr>
+        <p:cNvPr id="1" name=""/>
+        <p:cNvGrpSpPr/>
+        <p:nvPr/>
+      </p:nvGrpSpPr>
+      <p:grpSpPr>
+        <a:xfrm>
+          <a:off x="0" y="0"/>
+          <a:ext cx="0" cy="0"/>
+          <a:chOff x="0" y="0"/>
+          <a:chExt cx="0" cy="0"/>
+        </a:xfrm>
+      </p:grpSpPr>
+      <p:sp>
+        <p:nvSpPr>
+          <p:cNvPr id="2" name="제목 1">
+            <a:extLst>
+              <a:ext uri="{FF2B5EF4-FFF2-40B4-BE49-F238E27FC236}">
+                <a16:creationId xmlns:a16="http://schemas.microsoft.com/office/drawing/2014/main" id="{A4258672-ED43-456E-B32B-FB8AEEDC1D86}"/>
+              </a:ext>
+            </a:extLst>
+          </p:cNvPr>
+          <p:cNvSpPr>
+            <a:spLocks noGrp="1"/>
+          </p:cNvSpPr>
+          <p:nvPr>
+            <p:ph type="ctrTitle"/>
+          </p:nvPr>
+        </p:nvSpPr>
+        <p:spPr>
+          <a:xfrm>
+            <a:off x="499144" y="337627"/>
+            <a:ext cx="11269211" cy="748382"/>
+          </a:xfrm>
+        </p:spPr>
+        <p:txBody>
+          <a:bodyPr>
+            <a:normAutofit/>
+          </a:bodyPr>
+          <a:lstStyle/>
+          <a:p>
+            <a:pPr algn="l"/>
+            <a:r>
+              <a:rPr lang="en-US" altLang="ko-KR" sz="3600" b="1" dirty="0"/>
+              <a:t>Pooling Layer</a:t>
+            </a:r>
+            <a:endParaRPr lang="ko-KR" altLang="en-US" sz="3600" b="1" dirty="0"/>
+          </a:p>
+        </p:txBody>
+      </p:sp>
+      <mc:AlternateContent xmlns:mc="http://schemas.openxmlformats.org/markup-compatibility/2006">
+        <mc:Choice xmlns:p14="http://schemas.microsoft.com/office/powerpoint/2010/main" Requires="p14">
+          <p:contentPart p14:bwMode="auto" r:id="rId2">
+            <p14:nvContentPartPr>
+              <p14:cNvPr id="35" name="잉크 34">
+                <a:extLst>
+                  <a:ext uri="{FF2B5EF4-FFF2-40B4-BE49-F238E27FC236}">
+                    <a16:creationId xmlns:a16="http://schemas.microsoft.com/office/drawing/2014/main" id="{6D3EBD7B-F07A-47C1-8FB5-44A87D69E4E2}"/>
+                  </a:ext>
+                </a:extLst>
+              </p14:cNvPr>
+              <p14:cNvContentPartPr/>
+              <p14:nvPr/>
+            </p14:nvContentPartPr>
+            <p14:xfrm>
+              <a:off x="6737135" y="-1251682"/>
+              <a:ext cx="360" cy="360"/>
+            </p14:xfrm>
+          </p:contentPart>
+        </mc:Choice>
+        <mc:Fallback>
+          <p:pic>
+            <p:nvPicPr>
+              <p:cNvPr id="35" name="잉크 34">
+                <a:extLst>
+                  <a:ext uri="{FF2B5EF4-FFF2-40B4-BE49-F238E27FC236}">
+                    <a16:creationId xmlns:a16="http://schemas.microsoft.com/office/drawing/2014/main" id="{6D3EBD7B-F07A-47C1-8FB5-44A87D69E4E2}"/>
+                  </a:ext>
+                </a:extLst>
+              </p:cNvPr>
+              <p:cNvPicPr/>
+              <p:nvPr/>
+            </p:nvPicPr>
+            <p:blipFill>
+              <a:blip r:embed="rId3"/>
+              <a:stretch>
+                <a:fillRect/>
+              </a:stretch>
+            </p:blipFill>
+            <p:spPr>
+              <a:xfrm>
+                <a:off x="6728135" y="-1260322"/>
+                <a:ext cx="18000" cy="18000"/>
+              </a:xfrm>
+              <a:prstGeom prst="rect">
+                <a:avLst/>
+              </a:prstGeom>
+            </p:spPr>
+          </p:pic>
+        </mc:Fallback>
+      </mc:AlternateContent>
+      <mc:AlternateContent xmlns:mc="http://schemas.openxmlformats.org/markup-compatibility/2006">
+        <mc:Choice xmlns:p14="http://schemas.microsoft.com/office/powerpoint/2010/main" Requires="p14">
+          <p:contentPart p14:bwMode="auto" r:id="rId4">
+            <p14:nvContentPartPr>
+              <p14:cNvPr id="36" name="잉크 35">
+                <a:extLst>
+                  <a:ext uri="{FF2B5EF4-FFF2-40B4-BE49-F238E27FC236}">
+                    <a16:creationId xmlns:a16="http://schemas.microsoft.com/office/drawing/2014/main" id="{8008A02C-E256-48EB-BC1B-4B66B5E2E6CB}"/>
+                  </a:ext>
+                </a:extLst>
+              </p14:cNvPr>
+              <p14:cNvContentPartPr/>
+              <p14:nvPr/>
+            </p14:nvContentPartPr>
+            <p14:xfrm>
+              <a:off x="8660562" y="1812600"/>
+              <a:ext cx="3960" cy="360"/>
+            </p14:xfrm>
+          </p:contentPart>
+        </mc:Choice>
+        <mc:Fallback>
+          <p:pic>
+            <p:nvPicPr>
+              <p:cNvPr id="36" name="잉크 35">
+                <a:extLst>
+                  <a:ext uri="{FF2B5EF4-FFF2-40B4-BE49-F238E27FC236}">
+                    <a16:creationId xmlns:a16="http://schemas.microsoft.com/office/drawing/2014/main" id="{8008A02C-E256-48EB-BC1B-4B66B5E2E6CB}"/>
+                  </a:ext>
+                </a:extLst>
+              </p:cNvPr>
+              <p:cNvPicPr/>
+              <p:nvPr/>
+            </p:nvPicPr>
+            <p:blipFill>
+              <a:blip r:embed="rId3"/>
+              <a:stretch>
+                <a:fillRect/>
+              </a:stretch>
+            </p:blipFill>
+            <p:spPr>
+              <a:xfrm>
+                <a:off x="8651922" y="1803600"/>
+                <a:ext cx="21600" cy="18000"/>
+              </a:xfrm>
+              <a:prstGeom prst="rect">
+                <a:avLst/>
+              </a:prstGeom>
+            </p:spPr>
+          </p:pic>
+        </mc:Fallback>
+      </mc:AlternateContent>
+      <p:sp>
+        <p:nvSpPr>
+          <p:cNvPr id="8" name="TextBox 7">
+            <a:extLst>
+              <a:ext uri="{FF2B5EF4-FFF2-40B4-BE49-F238E27FC236}">
+                <a16:creationId xmlns:a16="http://schemas.microsoft.com/office/drawing/2014/main" id="{93596C7E-58C5-4803-B63C-5E268414D30F}"/>
+              </a:ext>
+            </a:extLst>
+          </p:cNvPr>
+          <p:cNvSpPr txBox="1"/>
+          <p:nvPr/>
+        </p:nvSpPr>
+        <p:spPr>
+          <a:xfrm>
+            <a:off x="581530" y="1431813"/>
+            <a:ext cx="4283317" cy="584775"/>
+          </a:xfrm>
+          <a:prstGeom prst="rect">
+            <a:avLst/>
+          </a:prstGeom>
+          <a:noFill/>
+        </p:spPr>
+        <p:txBody>
+          <a:bodyPr wrap="square" rtlCol="0">
+            <a:spAutoFit/>
+          </a:bodyPr>
+          <a:lstStyle/>
+          <a:p>
+            <a:pPr algn="l"/>
+            <a:r>
+              <a:rPr lang="en-US" altLang="ko-KR" sz="3200" b="1" dirty="0">
+                <a:latin typeface="MalgunGothicBold"/>
+              </a:rPr>
+              <a:t>2. Average Pooling</a:t>
+            </a:r>
+            <a:endParaRPr lang="ko-KR" altLang="en-US" sz="3200" b="1" dirty="0"/>
+          </a:p>
+        </p:txBody>
+      </p:sp>
+      <p:grpSp>
+        <p:nvGrpSpPr>
+          <p:cNvPr id="19" name="그룹 18">
+            <a:extLst>
+              <a:ext uri="{FF2B5EF4-FFF2-40B4-BE49-F238E27FC236}">
+                <a16:creationId xmlns:a16="http://schemas.microsoft.com/office/drawing/2014/main" id="{666D9EAE-222A-4D69-97C1-34F4A0B07115}"/>
+              </a:ext>
+            </a:extLst>
+          </p:cNvPr>
+          <p:cNvGrpSpPr/>
+          <p:nvPr/>
+        </p:nvGrpSpPr>
+        <p:grpSpPr>
+          <a:xfrm>
+            <a:off x="1641282" y="2260804"/>
+            <a:ext cx="9329834" cy="4222686"/>
+            <a:chOff x="1641282" y="2260804"/>
+            <a:chExt cx="9329834" cy="4222686"/>
+          </a:xfrm>
+        </p:grpSpPr>
+        <p:pic>
+          <p:nvPicPr>
+            <p:cNvPr id="1026" name="Picture 2" descr="What are Max Pooling, Average Pooling, Global Max Pooling and Global Average  Pooling? – MachineCurve">
+              <a:extLst>
+                <a:ext uri="{FF2B5EF4-FFF2-40B4-BE49-F238E27FC236}">
+                  <a16:creationId xmlns:a16="http://schemas.microsoft.com/office/drawing/2014/main" id="{7209CD0C-BD04-4CCE-9E61-D8DF0C413E21}"/>
+                </a:ext>
+              </a:extLst>
+            </p:cNvPr>
+            <p:cNvPicPr>
+              <a:picLocks noChangeAspect="1" noChangeArrowheads="1"/>
+            </p:cNvPicPr>
+            <p:nvPr/>
+          </p:nvPicPr>
+          <p:blipFill>
+            <a:blip r:embed="rId5">
+              <a:extLst>
+                <a:ext uri="{28A0092B-C50C-407E-A947-70E740481C1C}">
+                  <a14:useLocalDpi xmlns:a14="http://schemas.microsoft.com/office/drawing/2010/main" val="0"/>
+                </a:ext>
+              </a:extLst>
+            </a:blip>
+            <a:srcRect/>
+            <a:stretch>
+              <a:fillRect/>
+            </a:stretch>
+          </p:blipFill>
+          <p:spPr bwMode="auto">
+            <a:xfrm>
+              <a:off x="2432791" y="2743179"/>
+              <a:ext cx="7401915" cy="2971841"/>
+            </a:xfrm>
+            <a:prstGeom prst="rect">
+              <a:avLst/>
+            </a:prstGeom>
+            <a:noFill/>
+            <a:extLst>
+              <a:ext uri="{909E8E84-426E-40DD-AFC4-6F175D3DCCD1}">
+                <a14:hiddenFill xmlns:a14="http://schemas.microsoft.com/office/drawing/2010/main">
+                  <a:solidFill>
+                    <a:srgbClr val="FFFFFF"/>
+                  </a:solidFill>
+                </a14:hiddenFill>
+              </a:ext>
+            </a:extLst>
+          </p:spPr>
+        </p:pic>
+        <p:pic>
+          <p:nvPicPr>
+            <p:cNvPr id="5" name="그림 4">
+              <a:extLst>
+                <a:ext uri="{FF2B5EF4-FFF2-40B4-BE49-F238E27FC236}">
+                  <a16:creationId xmlns:a16="http://schemas.microsoft.com/office/drawing/2014/main" id="{A63BD61D-B775-409C-B072-855156020094}"/>
+                </a:ext>
+              </a:extLst>
+            </p:cNvPr>
+            <p:cNvPicPr>
+              <a:picLocks noChangeAspect="1"/>
+            </p:cNvPicPr>
+            <p:nvPr/>
+          </p:nvPicPr>
+          <p:blipFill>
+            <a:blip r:embed="rId6"/>
+            <a:stretch>
+              <a:fillRect/>
+            </a:stretch>
+          </p:blipFill>
+          <p:spPr>
+            <a:xfrm>
+              <a:off x="2432791" y="2260804"/>
+              <a:ext cx="2882514" cy="414154"/>
+            </a:xfrm>
+            <a:prstGeom prst="rect">
+              <a:avLst/>
+            </a:prstGeom>
+          </p:spPr>
+        </p:pic>
+        <p:pic>
+          <p:nvPicPr>
+            <p:cNvPr id="7" name="그림 6">
+              <a:extLst>
+                <a:ext uri="{FF2B5EF4-FFF2-40B4-BE49-F238E27FC236}">
+                  <a16:creationId xmlns:a16="http://schemas.microsoft.com/office/drawing/2014/main" id="{0BE98DC7-7306-4576-B83E-9ED7213883AE}"/>
+                </a:ext>
+              </a:extLst>
+            </p:cNvPr>
+            <p:cNvPicPr>
+              <a:picLocks noChangeAspect="1"/>
+            </p:cNvPicPr>
+            <p:nvPr/>
+          </p:nvPicPr>
+          <p:blipFill>
+            <a:blip r:embed="rId7"/>
+            <a:stretch>
+              <a:fillRect/>
+            </a:stretch>
+          </p:blipFill>
+          <p:spPr>
+            <a:xfrm>
+              <a:off x="1641282" y="2886620"/>
+              <a:ext cx="588569" cy="2828400"/>
+            </a:xfrm>
+            <a:prstGeom prst="rect">
+              <a:avLst/>
+            </a:prstGeom>
+          </p:spPr>
+        </p:pic>
+        <p:pic>
+          <p:nvPicPr>
+            <p:cNvPr id="10" name="그림 9">
+              <a:extLst>
+                <a:ext uri="{FF2B5EF4-FFF2-40B4-BE49-F238E27FC236}">
+                  <a16:creationId xmlns:a16="http://schemas.microsoft.com/office/drawing/2014/main" id="{04DA8A6E-B1FB-4006-A161-069EBC1D8BFE}"/>
+                </a:ext>
+              </a:extLst>
+            </p:cNvPr>
+            <p:cNvPicPr>
+              <a:picLocks noChangeAspect="1"/>
+            </p:cNvPicPr>
+            <p:nvPr/>
+          </p:nvPicPr>
+          <p:blipFill>
+            <a:blip r:embed="rId8"/>
+            <a:stretch>
+              <a:fillRect/>
+            </a:stretch>
+          </p:blipFill>
+          <p:spPr>
+            <a:xfrm>
+              <a:off x="2432791" y="5929775"/>
+              <a:ext cx="3053818" cy="553715"/>
+            </a:xfrm>
+            <a:prstGeom prst="rect">
+              <a:avLst/>
+            </a:prstGeom>
+          </p:spPr>
+        </p:pic>
+        <p:pic>
+          <p:nvPicPr>
+            <p:cNvPr id="16" name="그림 15">
+              <a:extLst>
+                <a:ext uri="{FF2B5EF4-FFF2-40B4-BE49-F238E27FC236}">
+                  <a16:creationId xmlns:a16="http://schemas.microsoft.com/office/drawing/2014/main" id="{A1BA4405-283A-4E9C-81E4-218A4D39C7FC}"/>
+                </a:ext>
+              </a:extLst>
+            </p:cNvPr>
+            <p:cNvPicPr>
+              <a:picLocks noChangeAspect="1"/>
+            </p:cNvPicPr>
+            <p:nvPr/>
+          </p:nvPicPr>
+          <p:blipFill>
+            <a:blip r:embed="rId9"/>
+            <a:stretch>
+              <a:fillRect/>
+            </a:stretch>
+          </p:blipFill>
+          <p:spPr>
+            <a:xfrm>
+              <a:off x="8255942" y="3295391"/>
+              <a:ext cx="2715174" cy="1773914"/>
+            </a:xfrm>
+            <a:prstGeom prst="rect">
+              <a:avLst/>
+            </a:prstGeom>
+          </p:spPr>
+        </p:pic>
+        <p:pic>
+          <p:nvPicPr>
+            <p:cNvPr id="12" name="그림 11">
+              <a:extLst>
+                <a:ext uri="{FF2B5EF4-FFF2-40B4-BE49-F238E27FC236}">
+                  <a16:creationId xmlns:a16="http://schemas.microsoft.com/office/drawing/2014/main" id="{A1C1FBDC-2BCD-43D3-912B-E6479CBF79AA}"/>
+                </a:ext>
+              </a:extLst>
+            </p:cNvPr>
+            <p:cNvPicPr>
+              <a:picLocks noChangeAspect="1"/>
+            </p:cNvPicPr>
+            <p:nvPr/>
+          </p:nvPicPr>
+          <p:blipFill>
+            <a:blip r:embed="rId10"/>
+            <a:stretch>
+              <a:fillRect/>
+            </a:stretch>
+          </p:blipFill>
+          <p:spPr>
+            <a:xfrm>
+              <a:off x="5767910" y="3702818"/>
+              <a:ext cx="2892652" cy="959060"/>
+            </a:xfrm>
+            <a:prstGeom prst="rect">
+              <a:avLst/>
+            </a:prstGeom>
+          </p:spPr>
+        </p:pic>
+        <p:pic>
+          <p:nvPicPr>
+            <p:cNvPr id="18" name="그림 17">
+              <a:extLst>
+                <a:ext uri="{FF2B5EF4-FFF2-40B4-BE49-F238E27FC236}">
+                  <a16:creationId xmlns:a16="http://schemas.microsoft.com/office/drawing/2014/main" id="{01CCE8F3-8ACB-4683-930B-010D840BB86B}"/>
+                </a:ext>
+              </a:extLst>
+            </p:cNvPr>
+            <p:cNvPicPr>
+              <a:picLocks noChangeAspect="1"/>
+            </p:cNvPicPr>
+            <p:nvPr/>
+          </p:nvPicPr>
+          <p:blipFill>
+            <a:blip r:embed="rId11"/>
+            <a:stretch>
+              <a:fillRect/>
+            </a:stretch>
+          </p:blipFill>
+          <p:spPr>
+            <a:xfrm>
+              <a:off x="5767910" y="3735999"/>
+              <a:ext cx="2892652" cy="571580"/>
+            </a:xfrm>
+            <a:prstGeom prst="rect">
+              <a:avLst/>
+            </a:prstGeom>
+          </p:spPr>
+        </p:pic>
+        <p:sp>
+          <p:nvSpPr>
+            <p:cNvPr id="20" name="TextBox 19">
+              <a:extLst>
+                <a:ext uri="{FF2B5EF4-FFF2-40B4-BE49-F238E27FC236}">
+                  <a16:creationId xmlns:a16="http://schemas.microsoft.com/office/drawing/2014/main" id="{5AD0659F-8261-40AA-B02E-1359E5709DC8}"/>
+                </a:ext>
+              </a:extLst>
+            </p:cNvPr>
+            <p:cNvSpPr txBox="1"/>
+            <p:nvPr/>
+          </p:nvSpPr>
+          <p:spPr>
+            <a:xfrm>
+              <a:off x="5665915" y="3619096"/>
+              <a:ext cx="3355455" cy="707886"/>
+            </a:xfrm>
+            <a:prstGeom prst="rect">
+              <a:avLst/>
+            </a:prstGeom>
+            <a:noFill/>
+          </p:spPr>
+          <p:txBody>
+            <a:bodyPr wrap="square" rtlCol="0">
+              <a:spAutoFit/>
+            </a:bodyPr>
+            <a:lstStyle/>
+            <a:p>
+              <a:pPr algn="l"/>
+              <a:r>
+                <a:rPr lang="en-US" altLang="ko-KR" sz="2000" dirty="0">
+                  <a:latin typeface="나눔고딕 ExtraBold" panose="020D0904000000000000" pitchFamily="50" charset="-127"/>
+                  <a:ea typeface="나눔고딕 ExtraBold" panose="020D0904000000000000" pitchFamily="50" charset="-127"/>
+                </a:rPr>
+                <a:t>average pool with 2x2 filters and stride 2</a:t>
+              </a:r>
+              <a:endParaRPr lang="ko-KR" altLang="en-US" sz="2000" dirty="0">
+                <a:latin typeface="나눔고딕 ExtraBold" panose="020D0904000000000000" pitchFamily="50" charset="-127"/>
+                <a:ea typeface="나눔고딕 ExtraBold" panose="020D0904000000000000" pitchFamily="50" charset="-127"/>
+              </a:endParaRPr>
+            </a:p>
+          </p:txBody>
+        </p:sp>
+        <p:pic>
+          <p:nvPicPr>
+            <p:cNvPr id="14" name="그림 13">
+              <a:extLst>
+                <a:ext uri="{FF2B5EF4-FFF2-40B4-BE49-F238E27FC236}">
+                  <a16:creationId xmlns:a16="http://schemas.microsoft.com/office/drawing/2014/main" id="{BF95C987-A667-45AE-8461-3A2B750FFFA0}"/>
+                </a:ext>
+              </a:extLst>
+            </p:cNvPr>
+            <p:cNvPicPr>
+              <a:picLocks noChangeAspect="1"/>
+            </p:cNvPicPr>
+            <p:nvPr/>
+          </p:nvPicPr>
+          <p:blipFill>
+            <a:blip r:embed="rId12"/>
+            <a:stretch>
+              <a:fillRect/>
+            </a:stretch>
+          </p:blipFill>
+          <p:spPr>
+            <a:xfrm>
+              <a:off x="8856692" y="3377007"/>
+              <a:ext cx="1805034" cy="1773914"/>
+            </a:xfrm>
+            <a:prstGeom prst="rect">
+              <a:avLst/>
+            </a:prstGeom>
+          </p:spPr>
+        </p:pic>
+      </p:grpSp>
+    </p:spTree>
+    <p:extLst>
+      <p:ext uri="{BB962C8B-B14F-4D97-AF65-F5344CB8AC3E}">
+        <p14:creationId xmlns:p14="http://schemas.microsoft.com/office/powerpoint/2010/main" val="2501444875"/>
+      </p:ext>
+    </p:extLst>
+  </p:cSld>
+  <p:clrMapOvr>
+    <a:masterClrMapping/>
+  </p:clrMapOvr>
+</p:sld>
+</file>
+
+<file path=ppt/slides/slide27.xml><?xml version="1.0" encoding="utf-8"?>
+<p:sld xmlns:a="http://schemas.openxmlformats.org/drawingml/2006/main" xmlns:r="http://schemas.openxmlformats.org/officeDocument/2006/relationships" xmlns:p="http://schemas.openxmlformats.org/presentationml/2006/main">
+  <p:cSld>
+    <p:spTree>
+      <p:nvGrpSpPr>
+        <p:cNvPr id="1" name=""/>
+        <p:cNvGrpSpPr/>
+        <p:nvPr/>
+      </p:nvGrpSpPr>
+      <p:grpSpPr>
+        <a:xfrm>
+          <a:off x="0" y="0"/>
+          <a:ext cx="0" cy="0"/>
+          <a:chOff x="0" y="0"/>
+          <a:chExt cx="0" cy="0"/>
+        </a:xfrm>
+      </p:grpSpPr>
+      <p:sp>
+        <p:nvSpPr>
+          <p:cNvPr id="2" name="제목 1">
+            <a:extLst>
+              <a:ext uri="{FF2B5EF4-FFF2-40B4-BE49-F238E27FC236}">
+                <a16:creationId xmlns:a16="http://schemas.microsoft.com/office/drawing/2014/main" id="{A4258672-ED43-456E-B32B-FB8AEEDC1D86}"/>
+              </a:ext>
+            </a:extLst>
+          </p:cNvPr>
+          <p:cNvSpPr>
+            <a:spLocks noGrp="1"/>
+          </p:cNvSpPr>
+          <p:nvPr>
+            <p:ph type="ctrTitle"/>
+          </p:nvPr>
+        </p:nvSpPr>
+        <p:spPr>
+          <a:xfrm>
+            <a:off x="499144" y="337627"/>
+            <a:ext cx="11269211" cy="748382"/>
+          </a:xfrm>
+        </p:spPr>
+        <p:txBody>
+          <a:bodyPr>
+            <a:normAutofit/>
+          </a:bodyPr>
+          <a:lstStyle/>
+          <a:p>
+            <a:pPr algn="l"/>
+            <a:r>
+              <a:rPr lang="en-US" altLang="ko-KR" sz="3600" b="1" dirty="0"/>
+              <a:t>Pooling Layer</a:t>
+            </a:r>
+            <a:endParaRPr lang="ko-KR" altLang="en-US" sz="3600" b="1" dirty="0"/>
+          </a:p>
+        </p:txBody>
+      </p:sp>
+      <mc:AlternateContent xmlns:mc="http://schemas.openxmlformats.org/markup-compatibility/2006">
+        <mc:Choice xmlns:p14="http://schemas.microsoft.com/office/powerpoint/2010/main" Requires="p14">
+          <p:contentPart p14:bwMode="auto" r:id="rId2">
+            <p14:nvContentPartPr>
+              <p14:cNvPr id="35" name="잉크 34">
+                <a:extLst>
+                  <a:ext uri="{FF2B5EF4-FFF2-40B4-BE49-F238E27FC236}">
+                    <a16:creationId xmlns:a16="http://schemas.microsoft.com/office/drawing/2014/main" id="{6D3EBD7B-F07A-47C1-8FB5-44A87D69E4E2}"/>
+                  </a:ext>
+                </a:extLst>
+              </p14:cNvPr>
+              <p14:cNvContentPartPr/>
+              <p14:nvPr/>
+            </p14:nvContentPartPr>
+            <p14:xfrm>
+              <a:off x="6737135" y="-1251682"/>
+              <a:ext cx="360" cy="360"/>
+            </p14:xfrm>
+          </p:contentPart>
+        </mc:Choice>
+        <mc:Fallback>
+          <p:pic>
+            <p:nvPicPr>
+              <p:cNvPr id="35" name="잉크 34">
+                <a:extLst>
+                  <a:ext uri="{FF2B5EF4-FFF2-40B4-BE49-F238E27FC236}">
+                    <a16:creationId xmlns:a16="http://schemas.microsoft.com/office/drawing/2014/main" id="{6D3EBD7B-F07A-47C1-8FB5-44A87D69E4E2}"/>
+                  </a:ext>
+                </a:extLst>
+              </p:cNvPr>
+              <p:cNvPicPr/>
+              <p:nvPr/>
+            </p:nvPicPr>
+            <p:blipFill>
+              <a:blip r:embed="rId3"/>
+              <a:stretch>
+                <a:fillRect/>
+              </a:stretch>
+            </p:blipFill>
+            <p:spPr>
+              <a:xfrm>
+                <a:off x="6728135" y="-1260322"/>
+                <a:ext cx="18000" cy="18000"/>
+              </a:xfrm>
+              <a:prstGeom prst="rect">
+                <a:avLst/>
+              </a:prstGeom>
+            </p:spPr>
+          </p:pic>
+        </mc:Fallback>
+      </mc:AlternateContent>
+      <mc:AlternateContent xmlns:mc="http://schemas.openxmlformats.org/markup-compatibility/2006">
+        <mc:Choice xmlns:p14="http://schemas.microsoft.com/office/powerpoint/2010/main" Requires="p14">
+          <p:contentPart p14:bwMode="auto" r:id="rId4">
+            <p14:nvContentPartPr>
+              <p14:cNvPr id="36" name="잉크 35">
+                <a:extLst>
+                  <a:ext uri="{FF2B5EF4-FFF2-40B4-BE49-F238E27FC236}">
+                    <a16:creationId xmlns:a16="http://schemas.microsoft.com/office/drawing/2014/main" id="{8008A02C-E256-48EB-BC1B-4B66B5E2E6CB}"/>
+                  </a:ext>
+                </a:extLst>
+              </p14:cNvPr>
+              <p14:cNvContentPartPr/>
+              <p14:nvPr/>
+            </p14:nvContentPartPr>
+            <p14:xfrm>
+              <a:off x="8660562" y="1812600"/>
+              <a:ext cx="3960" cy="360"/>
+            </p14:xfrm>
+          </p:contentPart>
+        </mc:Choice>
+        <mc:Fallback>
+          <p:pic>
+            <p:nvPicPr>
+              <p:cNvPr id="36" name="잉크 35">
+                <a:extLst>
+                  <a:ext uri="{FF2B5EF4-FFF2-40B4-BE49-F238E27FC236}">
+                    <a16:creationId xmlns:a16="http://schemas.microsoft.com/office/drawing/2014/main" id="{8008A02C-E256-48EB-BC1B-4B66B5E2E6CB}"/>
+                  </a:ext>
+                </a:extLst>
+              </p:cNvPr>
+              <p:cNvPicPr/>
+              <p:nvPr/>
+            </p:nvPicPr>
+            <p:blipFill>
+              <a:blip r:embed="rId3"/>
+              <a:stretch>
+                <a:fillRect/>
+              </a:stretch>
+            </p:blipFill>
+            <p:spPr>
+              <a:xfrm>
+                <a:off x="8651922" y="1803600"/>
+                <a:ext cx="21600" cy="18000"/>
+              </a:xfrm>
+              <a:prstGeom prst="rect">
+                <a:avLst/>
+              </a:prstGeom>
+            </p:spPr>
+          </p:pic>
+        </mc:Fallback>
+      </mc:AlternateContent>
+      <p:sp>
+        <p:nvSpPr>
+          <p:cNvPr id="8" name="TextBox 7">
+            <a:extLst>
+              <a:ext uri="{FF2B5EF4-FFF2-40B4-BE49-F238E27FC236}">
+                <a16:creationId xmlns:a16="http://schemas.microsoft.com/office/drawing/2014/main" id="{93596C7E-58C5-4803-B63C-5E268414D30F}"/>
+              </a:ext>
+            </a:extLst>
+          </p:cNvPr>
+          <p:cNvSpPr txBox="1"/>
+          <p:nvPr/>
+        </p:nvSpPr>
+        <p:spPr>
+          <a:xfrm>
+            <a:off x="581530" y="1431813"/>
+            <a:ext cx="4283317" cy="584775"/>
+          </a:xfrm>
+          <a:prstGeom prst="rect">
+            <a:avLst/>
+          </a:prstGeom>
+          <a:noFill/>
+        </p:spPr>
+        <p:txBody>
+          <a:bodyPr wrap="square" rtlCol="0">
+            <a:spAutoFit/>
+          </a:bodyPr>
+          <a:lstStyle/>
+          <a:p>
+            <a:pPr algn="l"/>
+            <a:r>
+              <a:rPr lang="en-US" altLang="ko-KR" sz="3200" b="1" dirty="0">
+                <a:solidFill>
+                  <a:srgbClr val="0070C0"/>
+                </a:solidFill>
+              </a:rPr>
+              <a:t>- Why?</a:t>
+            </a:r>
+            <a:endParaRPr lang="ko-KR" altLang="en-US" sz="3200" b="1" dirty="0">
+              <a:solidFill>
+                <a:srgbClr val="0070C0"/>
+              </a:solidFill>
+            </a:endParaRPr>
+          </a:p>
+        </p:txBody>
+      </p:sp>
+      <p:pic>
+        <p:nvPicPr>
+          <p:cNvPr id="4" name="그림 3">
+            <a:extLst>
+              <a:ext uri="{FF2B5EF4-FFF2-40B4-BE49-F238E27FC236}">
+                <a16:creationId xmlns:a16="http://schemas.microsoft.com/office/drawing/2014/main" id="{543CB613-254D-421A-A4BB-F20B67C2238C}"/>
+              </a:ext>
+            </a:extLst>
+          </p:cNvPr>
+          <p:cNvPicPr>
+            <a:picLocks noChangeAspect="1"/>
+          </p:cNvPicPr>
+          <p:nvPr/>
+        </p:nvPicPr>
+        <p:blipFill>
+          <a:blip r:embed="rId5"/>
+          <a:stretch>
+            <a:fillRect/>
+          </a:stretch>
+        </p:blipFill>
+        <p:spPr>
+          <a:xfrm>
+            <a:off x="581530" y="2201970"/>
+            <a:ext cx="10851811" cy="3412046"/>
+          </a:xfrm>
+          <a:prstGeom prst="rect">
+            <a:avLst/>
+          </a:prstGeom>
+        </p:spPr>
+      </p:pic>
+    </p:spTree>
+    <p:extLst>
+      <p:ext uri="{BB962C8B-B14F-4D97-AF65-F5344CB8AC3E}">
+        <p14:creationId xmlns:p14="http://schemas.microsoft.com/office/powerpoint/2010/main" val="1223758898"/>
+      </p:ext>
+    </p:extLst>
+  </p:cSld>
+  <p:clrMapOvr>
+    <a:masterClrMapping/>
+  </p:clrMapOvr>
+</p:sld>
+</file>
+
+<file path=ppt/slides/slide28.xml><?xml version="1.0" encoding="utf-8"?>
+<p:sld xmlns:a="http://schemas.openxmlformats.org/drawingml/2006/main" xmlns:r="http://schemas.openxmlformats.org/officeDocument/2006/relationships" xmlns:p="http://schemas.openxmlformats.org/presentationml/2006/main">
+  <p:cSld>
+    <p:spTree>
+      <p:nvGrpSpPr>
+        <p:cNvPr id="1" name=""/>
+        <p:cNvGrpSpPr/>
+        <p:nvPr/>
+      </p:nvGrpSpPr>
+      <p:grpSpPr>
+        <a:xfrm>
+          <a:off x="0" y="0"/>
+          <a:ext cx="0" cy="0"/>
+          <a:chOff x="0" y="0"/>
+          <a:chExt cx="0" cy="0"/>
+        </a:xfrm>
+      </p:grpSpPr>
+      <p:sp>
+        <p:nvSpPr>
+          <p:cNvPr id="2" name="제목 1">
+            <a:extLst>
+              <a:ext uri="{FF2B5EF4-FFF2-40B4-BE49-F238E27FC236}">
+                <a16:creationId xmlns:a16="http://schemas.microsoft.com/office/drawing/2014/main" id="{A4258672-ED43-456E-B32B-FB8AEEDC1D86}"/>
+              </a:ext>
+            </a:extLst>
+          </p:cNvPr>
+          <p:cNvSpPr>
+            <a:spLocks noGrp="1"/>
+          </p:cNvSpPr>
+          <p:nvPr>
+            <p:ph type="ctrTitle"/>
+          </p:nvPr>
+        </p:nvSpPr>
+        <p:spPr>
+          <a:xfrm>
+            <a:off x="499144" y="337627"/>
+            <a:ext cx="11269211" cy="748382"/>
+          </a:xfrm>
+        </p:spPr>
+        <p:txBody>
+          <a:bodyPr>
+            <a:normAutofit/>
+          </a:bodyPr>
+          <a:lstStyle/>
+          <a:p>
+            <a:pPr algn="l"/>
+            <a:r>
+              <a:rPr lang="en-US" altLang="ko-KR" sz="3600" b="1" dirty="0"/>
+              <a:t>Fully Connected Layer (FC layer)</a:t>
+            </a:r>
+            <a:endParaRPr lang="ko-KR" altLang="en-US" sz="3600" b="1" dirty="0"/>
+          </a:p>
+        </p:txBody>
+      </p:sp>
+      <mc:AlternateContent xmlns:mc="http://schemas.openxmlformats.org/markup-compatibility/2006">
+        <mc:Choice xmlns:p14="http://schemas.microsoft.com/office/powerpoint/2010/main" Requires="p14">
+          <p:contentPart p14:bwMode="auto" r:id="rId2">
+            <p14:nvContentPartPr>
+              <p14:cNvPr id="35" name="잉크 34">
+                <a:extLst>
+                  <a:ext uri="{FF2B5EF4-FFF2-40B4-BE49-F238E27FC236}">
+                    <a16:creationId xmlns:a16="http://schemas.microsoft.com/office/drawing/2014/main" id="{6D3EBD7B-F07A-47C1-8FB5-44A87D69E4E2}"/>
+                  </a:ext>
+                </a:extLst>
+              </p14:cNvPr>
+              <p14:cNvContentPartPr/>
+              <p14:nvPr/>
+            </p14:nvContentPartPr>
+            <p14:xfrm>
+              <a:off x="6737135" y="-1251682"/>
+              <a:ext cx="360" cy="360"/>
+            </p14:xfrm>
+          </p:contentPart>
+        </mc:Choice>
+        <mc:Fallback>
+          <p:pic>
+            <p:nvPicPr>
+              <p:cNvPr id="35" name="잉크 34">
+                <a:extLst>
+                  <a:ext uri="{FF2B5EF4-FFF2-40B4-BE49-F238E27FC236}">
+                    <a16:creationId xmlns:a16="http://schemas.microsoft.com/office/drawing/2014/main" id="{6D3EBD7B-F07A-47C1-8FB5-44A87D69E4E2}"/>
+                  </a:ext>
+                </a:extLst>
+              </p:cNvPr>
+              <p:cNvPicPr/>
+              <p:nvPr/>
+            </p:nvPicPr>
+            <p:blipFill>
+              <a:blip r:embed="rId3"/>
+              <a:stretch>
+                <a:fillRect/>
+              </a:stretch>
+            </p:blipFill>
+            <p:spPr>
+              <a:xfrm>
+                <a:off x="6728135" y="-1260322"/>
+                <a:ext cx="18000" cy="18000"/>
+              </a:xfrm>
+              <a:prstGeom prst="rect">
+                <a:avLst/>
+              </a:prstGeom>
+            </p:spPr>
+          </p:pic>
+        </mc:Fallback>
+      </mc:AlternateContent>
+      <mc:AlternateContent xmlns:mc="http://schemas.openxmlformats.org/markup-compatibility/2006">
+        <mc:Choice xmlns:p14="http://schemas.microsoft.com/office/powerpoint/2010/main" Requires="p14">
+          <p:contentPart p14:bwMode="auto" r:id="rId4">
+            <p14:nvContentPartPr>
+              <p14:cNvPr id="36" name="잉크 35">
+                <a:extLst>
+                  <a:ext uri="{FF2B5EF4-FFF2-40B4-BE49-F238E27FC236}">
+                    <a16:creationId xmlns:a16="http://schemas.microsoft.com/office/drawing/2014/main" id="{8008A02C-E256-48EB-BC1B-4B66B5E2E6CB}"/>
+                  </a:ext>
+                </a:extLst>
+              </p14:cNvPr>
+              <p14:cNvContentPartPr/>
+              <p14:nvPr/>
+            </p14:nvContentPartPr>
+            <p14:xfrm>
+              <a:off x="8788899" y="1796558"/>
+              <a:ext cx="3960" cy="360"/>
+            </p14:xfrm>
+          </p:contentPart>
+        </mc:Choice>
+        <mc:Fallback>
+          <p:pic>
+            <p:nvPicPr>
+              <p:cNvPr id="36" name="잉크 35">
+                <a:extLst>
+                  <a:ext uri="{FF2B5EF4-FFF2-40B4-BE49-F238E27FC236}">
+                    <a16:creationId xmlns:a16="http://schemas.microsoft.com/office/drawing/2014/main" id="{8008A02C-E256-48EB-BC1B-4B66B5E2E6CB}"/>
+                  </a:ext>
+                </a:extLst>
+              </p:cNvPr>
+              <p:cNvPicPr/>
+              <p:nvPr/>
+            </p:nvPicPr>
+            <p:blipFill>
+              <a:blip r:embed="rId3"/>
+              <a:stretch>
+                <a:fillRect/>
+              </a:stretch>
+            </p:blipFill>
+            <p:spPr>
+              <a:xfrm>
+                <a:off x="8780259" y="1787558"/>
+                <a:ext cx="21600" cy="18000"/>
+              </a:xfrm>
+              <a:prstGeom prst="rect">
+                <a:avLst/>
+              </a:prstGeom>
+            </p:spPr>
+          </p:pic>
+        </mc:Fallback>
+      </mc:AlternateContent>
+      <p:sp>
+        <p:nvSpPr>
+          <p:cNvPr id="8" name="TextBox 7">
+            <a:extLst>
+              <a:ext uri="{FF2B5EF4-FFF2-40B4-BE49-F238E27FC236}">
+                <a16:creationId xmlns:a16="http://schemas.microsoft.com/office/drawing/2014/main" id="{93596C7E-58C5-4803-B63C-5E268414D30F}"/>
+              </a:ext>
+            </a:extLst>
+          </p:cNvPr>
+          <p:cNvSpPr txBox="1"/>
+          <p:nvPr/>
+        </p:nvSpPr>
+        <p:spPr>
+          <a:xfrm>
+            <a:off x="627481" y="1534948"/>
+            <a:ext cx="625293" cy="523220"/>
+          </a:xfrm>
+          <a:prstGeom prst="rect">
+            <a:avLst/>
+          </a:prstGeom>
+          <a:noFill/>
+        </p:spPr>
+        <p:txBody>
+          <a:bodyPr wrap="square" rtlCol="0">
+            <a:spAutoFit/>
+          </a:bodyPr>
+          <a:lstStyle/>
+          <a:p>
+            <a:pPr algn="l"/>
+            <a:r>
+              <a:rPr lang="en-US" altLang="ko-KR" sz="2800" b="1" dirty="0"/>
+              <a:t>Ex)</a:t>
+            </a:r>
+            <a:endParaRPr lang="ko-KR" altLang="en-US" sz="2800" b="1" dirty="0"/>
+          </a:p>
+        </p:txBody>
+      </p:sp>
+      <p:pic>
+        <p:nvPicPr>
+          <p:cNvPr id="5" name="그림 4">
+            <a:extLst>
+              <a:ext uri="{FF2B5EF4-FFF2-40B4-BE49-F238E27FC236}">
+                <a16:creationId xmlns:a16="http://schemas.microsoft.com/office/drawing/2014/main" id="{D512949D-275A-4896-BB30-D25475D47C3A}"/>
+              </a:ext>
+            </a:extLst>
+          </p:cNvPr>
+          <p:cNvPicPr>
+            <a:picLocks noChangeAspect="1"/>
+          </p:cNvPicPr>
+          <p:nvPr/>
+        </p:nvPicPr>
+        <p:blipFill>
+          <a:blip r:embed="rId5"/>
+          <a:stretch>
+            <a:fillRect/>
+          </a:stretch>
+        </p:blipFill>
+        <p:spPr>
+          <a:xfrm>
+            <a:off x="1642392" y="1667677"/>
+            <a:ext cx="9458745" cy="4572701"/>
+          </a:xfrm>
+          <a:prstGeom prst="rect">
+            <a:avLst/>
+          </a:prstGeom>
+        </p:spPr>
+      </p:pic>
+    </p:spTree>
+    <p:extLst>
+      <p:ext uri="{BB962C8B-B14F-4D97-AF65-F5344CB8AC3E}">
+        <p14:creationId xmlns:p14="http://schemas.microsoft.com/office/powerpoint/2010/main" val="971274133"/>
       </p:ext>
     </p:extLst>
   </p:cSld>
@@ -5862,7 +11210,7 @@
         </p:blipFill>
         <p:spPr>
           <a:xfrm>
-            <a:off x="2212225" y="2629826"/>
+            <a:off x="2249975" y="2629826"/>
             <a:ext cx="7767549" cy="4228174"/>
           </a:xfrm>
           <a:prstGeom prst="rect">
@@ -6093,7 +11441,7 @@
         </p:blipFill>
         <p:spPr>
           <a:xfrm>
-            <a:off x="2212225" y="2629826"/>
+            <a:off x="2249974" y="2629826"/>
             <a:ext cx="7767549" cy="4228174"/>
           </a:xfrm>
           <a:prstGeom prst="rect">
@@ -6433,8 +11781,8 @@
         </p:nvSpPr>
         <p:spPr>
           <a:xfrm>
-            <a:off x="499144" y="1240588"/>
-            <a:ext cx="11193710" cy="3539430"/>
+            <a:off x="499144" y="1368925"/>
+            <a:ext cx="11193710" cy="4411336"/>
           </a:xfrm>
           <a:prstGeom prst="rect">
             <a:avLst/>
@@ -6447,7 +11795,11 @@
           </a:bodyPr>
           <a:lstStyle/>
           <a:p>
-            <a:pPr algn="l"/>
+            <a:pPr algn="l">
+              <a:lnSpc>
+                <a:spcPct val="150000"/>
+              </a:lnSpc>
+            </a:pPr>
             <a:r>
               <a:rPr lang="en-US" altLang="ko-KR" sz="2800" b="1" dirty="0">
                 <a:solidFill>
@@ -6495,7 +11847,66 @@
             </a:r>
           </a:p>
           <a:p>
-            <a:pPr algn="l"/>
+            <a:pPr algn="l">
+              <a:lnSpc>
+                <a:spcPct val="150000"/>
+              </a:lnSpc>
+            </a:pPr>
+            <a:r>
+              <a:rPr lang="en-US" altLang="ko-KR" sz="2600" b="1" dirty="0">
+                <a:solidFill>
+                  <a:schemeClr val="accent1"/>
+                </a:solidFill>
+                <a:latin typeface="MalgunGothicBold"/>
+              </a:rPr>
+              <a:t>    </a:t>
+            </a:r>
+            <a:r>
+              <a:rPr lang="en-US" altLang="ko-KR" sz="2600" b="1" dirty="0">
+                <a:latin typeface="MalgunGothicBold"/>
+              </a:rPr>
+              <a:t>: Fully Connected, </a:t>
+            </a:r>
+            <a:r>
+              <a:rPr lang="ko-KR" altLang="en-US" sz="2600" b="1" dirty="0">
+                <a:latin typeface="MalgunGothicBold"/>
+              </a:rPr>
+              <a:t>크기</a:t>
+            </a:r>
+            <a:r>
+              <a:rPr lang="en-US" altLang="ko-KR" sz="2600" b="1" dirty="0">
+                <a:latin typeface="MalgunGothicBold"/>
+              </a:rPr>
+              <a:t>/</a:t>
+            </a:r>
+            <a:r>
+              <a:rPr lang="ko-KR" altLang="en-US" sz="2600" b="1" dirty="0">
+                <a:latin typeface="MalgunGothicBold"/>
+              </a:rPr>
+              <a:t>회전</a:t>
+            </a:r>
+            <a:r>
+              <a:rPr lang="en-US" altLang="ko-KR" sz="2600" b="1" dirty="0">
+                <a:latin typeface="MalgunGothicBold"/>
+              </a:rPr>
+              <a:t>/</a:t>
+            </a:r>
+            <a:r>
+              <a:rPr lang="ko-KR" altLang="en-US" sz="2600" b="1" dirty="0">
+                <a:latin typeface="MalgunGothicBold"/>
+              </a:rPr>
+              <a:t>이동 등을 커버할 수 있는 모든 데이터들을 학습해야 하기 때문</a:t>
+            </a:r>
+            <a:endParaRPr lang="en-US" altLang="ko-KR" sz="2600" b="1" dirty="0">
+              <a:latin typeface="MalgunGothicBold"/>
+            </a:endParaRPr>
+          </a:p>
+          <a:p>
+            <a:pPr algn="l">
+              <a:lnSpc>
+                <a:spcPct val="150000"/>
+              </a:lnSpc>
+            </a:pPr>
             <a:r>
               <a:rPr lang="en-US" altLang="ko-KR" sz="2800" b="1" dirty="0">
                 <a:solidFill>
@@ -6503,20 +11914,17 @@
                 </a:solidFill>
                 <a:latin typeface="MalgunGothicBold"/>
               </a:rPr>
-              <a:t>    : </a:t>
-            </a:r>
-          </a:p>
-          <a:p>
-            <a:pPr algn="l"/>
-            <a:endParaRPr lang="en-US" altLang="ko-KR" sz="2800" b="1" dirty="0">
-              <a:solidFill>
-                <a:schemeClr val="accent1"/>
-              </a:solidFill>
-              <a:latin typeface="MalgunGothicBold"/>
-            </a:endParaRPr>
-          </a:p>
-          <a:p>
-            <a:pPr algn="l"/>
+              <a:t>2. DNN </a:t>
+            </a:r>
+            <a:r>
+              <a:rPr lang="ko-KR" altLang="en-US" sz="2800" b="1" dirty="0">
+                <a:solidFill>
+                  <a:schemeClr val="accent1"/>
+                </a:solidFill>
+                <a:latin typeface="MalgunGothicBold"/>
+              </a:rPr>
+              <a:t>모델의 크기 </a:t>
+            </a:r>
             <a:r>
               <a:rPr lang="en-US" altLang="ko-KR" sz="2800" b="1" dirty="0">
                 <a:solidFill>
@@ -6524,7 +11932,78 @@
                 </a:solidFill>
                 <a:latin typeface="MalgunGothicBold"/>
               </a:rPr>
-              <a:t>2. DNN </a:t>
+              <a:t>(Network Size)</a:t>
+            </a:r>
+          </a:p>
+          <a:p>
+            <a:pPr algn="l">
+              <a:lnSpc>
+                <a:spcPct val="150000"/>
+              </a:lnSpc>
+            </a:pPr>
+            <a:r>
+              <a:rPr lang="en-US" altLang="ko-KR" sz="2600" b="1" dirty="0">
+                <a:solidFill>
+                  <a:schemeClr val="accent1"/>
+                </a:solidFill>
+                <a:latin typeface="MalgunGothicBold"/>
+              </a:rPr>
+              <a:t>    </a:t>
+            </a:r>
+            <a:r>
+              <a:rPr lang="en-US" altLang="ko-KR" sz="2600" b="1" dirty="0">
+                <a:latin typeface="MalgunGothicBold"/>
+              </a:rPr>
+              <a:t>: </a:t>
+            </a:r>
+            <a:r>
+              <a:rPr lang="ko-KR" altLang="en-US" sz="2600" b="1" dirty="0">
+                <a:latin typeface="MalgunGothicBold"/>
+              </a:rPr>
+              <a:t>입력 영상이 커지고</a:t>
+            </a:r>
+            <a:r>
+              <a:rPr lang="en-US" altLang="ko-KR" sz="2600" b="1" dirty="0">
+                <a:latin typeface="MalgunGothicBold"/>
+              </a:rPr>
+              <a:t>, layer</a:t>
+            </a:r>
+            <a:r>
+              <a:rPr lang="ko-KR" altLang="en-US" sz="2600" b="1" dirty="0">
+                <a:latin typeface="MalgunGothicBold"/>
+              </a:rPr>
+              <a:t>가 깊어지면 </a:t>
+            </a:r>
+            <a:r>
+              <a:rPr lang="en-US" altLang="ko-KR" sz="2600" b="1" dirty="0">
+                <a:latin typeface="MalgunGothicBold"/>
+              </a:rPr>
+              <a:t>-&gt; model </a:t>
+            </a:r>
+            <a:r>
+              <a:rPr lang="ko-KR" altLang="en-US" sz="2600" b="1" dirty="0">
+                <a:latin typeface="MalgunGothicBold"/>
+              </a:rPr>
+              <a:t>크기가 커짐</a:t>
+            </a:r>
+            <a:endParaRPr lang="en-US" altLang="ko-KR" sz="2600" b="1" dirty="0">
+              <a:latin typeface="MalgunGothicBold"/>
+            </a:endParaRPr>
+          </a:p>
+          <a:p>
+            <a:pPr algn="l">
+              <a:lnSpc>
+                <a:spcPct val="150000"/>
+              </a:lnSpc>
+            </a:pPr>
+            <a:r>
+              <a:rPr lang="en-US" altLang="ko-KR" sz="2800" b="1" dirty="0">
+                <a:solidFill>
+                  <a:schemeClr val="accent1"/>
+                </a:solidFill>
+                <a:latin typeface="MalgunGothicBold"/>
+              </a:rPr>
+              <a:t>3. </a:t>
             </a:r>
             <a:r>
               <a:rPr lang="ko-KR" altLang="en-US" sz="2800" b="1" dirty="0">
@@ -6533,7 +12012,7 @@
                 </a:solidFill>
                 <a:latin typeface="MalgunGothicBold"/>
               </a:rPr>
-              <a:t>모델의 크기 </a:t>
+              <a:t>변수의 개수 </a:t>
             </a:r>
             <a:r>
               <a:rPr lang="en-US" altLang="ko-KR" sz="2800" b="1" dirty="0">
@@ -6542,11 +12021,15 @@
                 </a:solidFill>
                 <a:latin typeface="MalgunGothicBold"/>
               </a:rPr>
-              <a:t>(Network Size)</a:t>
-            </a:r>
-          </a:p>
-          <a:p>
-            <a:pPr algn="l"/>
+              <a:t>(Number of Parameters)</a:t>
+            </a:r>
+          </a:p>
+          <a:p>
+            <a:pPr algn="l">
+              <a:lnSpc>
+                <a:spcPct val="150000"/>
+              </a:lnSpc>
+            </a:pPr>
             <a:r>
               <a:rPr lang="en-US" altLang="ko-KR" sz="2800" b="1" dirty="0">
                 <a:solidFill>
@@ -6554,64 +12037,21 @@
                 </a:solidFill>
                 <a:latin typeface="MalgunGothicBold"/>
               </a:rPr>
-              <a:t>    : </a:t>
-            </a:r>
-          </a:p>
-          <a:p>
-            <a:pPr algn="l"/>
-            <a:endParaRPr lang="en-US" altLang="ko-KR" sz="2800" b="1" dirty="0">
-              <a:solidFill>
-                <a:schemeClr val="accent1"/>
-              </a:solidFill>
-              <a:latin typeface="MalgunGothicBold"/>
-            </a:endParaRPr>
-          </a:p>
-          <a:p>
-            <a:pPr algn="l"/>
-            <a:r>
-              <a:rPr lang="en-US" altLang="ko-KR" sz="2800" b="1" dirty="0">
-                <a:solidFill>
-                  <a:schemeClr val="accent1"/>
-                </a:solidFill>
-                <a:latin typeface="MalgunGothicBold"/>
-              </a:rPr>
-              <a:t>3. </a:t>
-            </a:r>
-            <a:r>
-              <a:rPr lang="ko-KR" altLang="en-US" sz="2800" b="1" dirty="0">
-                <a:solidFill>
-                  <a:schemeClr val="accent1"/>
-                </a:solidFill>
-                <a:latin typeface="MalgunGothicBold"/>
-              </a:rPr>
-              <a:t>변수의 개수 </a:t>
-            </a:r>
-            <a:r>
-              <a:rPr lang="en-US" altLang="ko-KR" sz="2800" b="1" dirty="0">
-                <a:solidFill>
-                  <a:schemeClr val="accent1"/>
-                </a:solidFill>
-                <a:latin typeface="MalgunGothicBold"/>
-              </a:rPr>
-              <a:t>(Number of Parameters)</a:t>
-            </a:r>
-          </a:p>
-          <a:p>
-            <a:pPr algn="l"/>
-            <a:r>
-              <a:rPr lang="en-US" altLang="ko-KR" sz="2800" b="1" dirty="0">
-                <a:solidFill>
-                  <a:schemeClr val="accent1"/>
-                </a:solidFill>
-                <a:latin typeface="MalgunGothicBold"/>
-              </a:rPr>
-              <a:t>    :</a:t>
-            </a:r>
-            <a:endParaRPr lang="ko-KR" altLang="en-US" sz="2400" b="1" dirty="0">
-              <a:solidFill>
-                <a:schemeClr val="accent1"/>
-              </a:solidFill>
-            </a:endParaRPr>
+              <a:t>    </a:t>
+            </a:r>
+            <a:r>
+              <a:rPr lang="en-US" altLang="ko-KR" sz="2600" b="1" dirty="0">
+                <a:latin typeface="MalgunGothicBold"/>
+              </a:rPr>
+              <a:t>: </a:t>
+            </a:r>
+            <a:r>
+              <a:rPr lang="ko-KR" altLang="en-US" sz="2600" b="1" dirty="0">
+                <a:latin typeface="MalgunGothicBold"/>
+              </a:rPr>
+              <a:t>이에 따른 파라미터 수도 증가</a:t>
+            </a:r>
+            <a:endParaRPr lang="ko-KR" altLang="en-US" sz="2600" b="1" dirty="0"/>
           </a:p>
         </p:txBody>
       </p:sp>
